--- a/mtma17/slides.pptx
+++ b/mtma17/slides.pptx
@@ -5,18 +5,22 @@
     <p:sldMasterId id="2147483648" r:id="rId1"/>
   </p:sldMasterIdLst>
   <p:notesMasterIdLst>
-    <p:notesMasterId r:id="rId11"/>
+    <p:notesMasterId r:id="rId15"/>
   </p:notesMasterIdLst>
   <p:sldIdLst>
     <p:sldId id="256" r:id="rId2"/>
-    <p:sldId id="257" r:id="rId3"/>
-    <p:sldId id="258" r:id="rId4"/>
-    <p:sldId id="259" r:id="rId5"/>
-    <p:sldId id="260" r:id="rId6"/>
-    <p:sldId id="261" r:id="rId7"/>
-    <p:sldId id="262" r:id="rId8"/>
-    <p:sldId id="263" r:id="rId9"/>
-    <p:sldId id="264" r:id="rId10"/>
+    <p:sldId id="268" r:id="rId3"/>
+    <p:sldId id="257" r:id="rId4"/>
+    <p:sldId id="267" r:id="rId5"/>
+    <p:sldId id="258" r:id="rId6"/>
+    <p:sldId id="259" r:id="rId7"/>
+    <p:sldId id="260" r:id="rId8"/>
+    <p:sldId id="261" r:id="rId9"/>
+    <p:sldId id="263" r:id="rId10"/>
+    <p:sldId id="266" r:id="rId11"/>
+    <p:sldId id="262" r:id="rId12"/>
+    <p:sldId id="264" r:id="rId13"/>
+    <p:sldId id="265" r:id="rId14"/>
   </p:sldIdLst>
   <p:sldSz cx="10080625" cy="7559675"/>
   <p:notesSz cx="7559675" cy="10691813"/>
@@ -115,6 +119,11 @@
       </a:defRPr>
     </a:lvl9pPr>
   </p:defaultTextStyle>
+  <p:extLst>
+    <p:ext uri="{EFAFB233-063F-42B5-8137-9DF3F51BA10A}">
+      <p15:sldGuideLst xmlns:p15="http://schemas.microsoft.com/office/powerpoint/2012/main"/>
+    </p:ext>
+  </p:extLst>
 </p:presentation>
 </file>
 
@@ -470,29 +479,108 @@
       </p:grpSpPr>
       <p:sp>
         <p:nvSpPr>
-          <p:cNvPr id="55" name="PlaceHolder 1"/>
+          <p:cNvPr id="2" name="Slide Image Placeholder 1"/>
+          <p:cNvSpPr>
+            <a:spLocks noGrp="1" noRot="1" noChangeAspect="1"/>
+          </p:cNvSpPr>
+          <p:nvPr>
+            <p:ph type="sldImg"/>
+          </p:nvPr>
+        </p:nvSpPr>
+        <p:spPr>
+          <a:xfrm>
+            <a:off x="1374775" y="1336675"/>
+            <a:ext cx="4810125" cy="3608388"/>
+          </a:xfrm>
+          <a:prstGeom prst="rect">
+            <a:avLst/>
+          </a:prstGeom>
+          <a:noFill/>
+          <a:ln w="12700">
+            <a:solidFill>
+              <a:prstClr val="black"/>
+            </a:solidFill>
+          </a:ln>
+        </p:spPr>
+      </p:sp>
+      <p:sp>
+        <p:nvSpPr>
+          <p:cNvPr id="3" name="Notes Placeholder 2"/>
           <p:cNvSpPr>
             <a:spLocks noGrp="1"/>
           </p:cNvSpPr>
           <p:nvPr>
-            <p:ph type="body"/>
+            <p:ph type="body" idx="1"/>
           </p:nvPr>
         </p:nvSpPr>
-        <p:spPr>
-          <a:xfrm>
-            <a:off x="756000" y="5078520"/>
-            <a:ext cx="6047640" cy="4811040"/>
-          </a:xfrm>
-          <a:prstGeom prst="rect">
-            <a:avLst/>
-          </a:prstGeom>
-        </p:spPr>
+        <p:spPr/>
         <p:txBody>
-          <a:bodyPr lIns="0" tIns="0" rIns="0" bIns="0"/>
+          <a:bodyPr/>
           <a:lstStyle/>
           <a:p>
             <a:r>
-              <a:rPr lang="en-GB" sz="2000" b="0" strike="noStrike" spc="-1">
+              <a:rPr lang="en-US" dirty="0" smtClean="0"/>
+              <a:t>This talk is</a:t>
+            </a:r>
+            <a:r>
+              <a:rPr lang="en-US" baseline="0" dirty="0" smtClean="0"/>
+              <a:t> entitled ‘Moses2 in</a:t>
+            </a:r>
+            <a:r>
+              <a:rPr lang="mr-IN" baseline="0" dirty="0" smtClean="0"/>
+              <a:t>…</a:t>
+            </a:r>
+            <a:r>
+              <a:rPr lang="en-GB" baseline="0" dirty="0" smtClean="0"/>
+              <a:t>’</a:t>
+            </a:r>
+          </a:p>
+          <a:p>
+            <a:r>
+              <a:rPr lang="en-GB" baseline="0" dirty="0" smtClean="0"/>
+              <a:t>  - Moses2 is a faster implementation of Moses, which I’ll tell you about later</a:t>
+            </a:r>
+          </a:p>
+          <a:p>
+            <a:endParaRPr lang="en-GB" baseline="0" dirty="0" smtClean="0"/>
+          </a:p>
+          <a:p>
+            <a:r>
+              <a:rPr lang="en-GB" baseline="0" dirty="0" smtClean="0"/>
+              <a:t>But it’s really about ‘Moses in a </a:t>
+            </a:r>
+            <a:r>
+              <a:rPr lang="mr-IN" baseline="0" dirty="0" smtClean="0"/>
+              <a:t>…</a:t>
+            </a:r>
+            <a:r>
+              <a:rPr lang="en-GB" baseline="0" dirty="0" smtClean="0"/>
+              <a:t>.’</a:t>
+            </a:r>
+          </a:p>
+          <a:p>
+            <a:endParaRPr lang="en-GB" baseline="0" dirty="0" smtClean="0"/>
+          </a:p>
+        </p:txBody>
+      </p:sp>
+      <p:sp>
+        <p:nvSpPr>
+          <p:cNvPr id="4" name="Slide Number Placeholder 3"/>
+          <p:cNvSpPr>
+            <a:spLocks noGrp="1"/>
+          </p:cNvSpPr>
+          <p:nvPr>
+            <p:ph type="sldNum" idx="10"/>
+          </p:nvPr>
+        </p:nvSpPr>
+        <p:spPr/>
+        <p:txBody>
+          <a:bodyPr/>
+          <a:lstStyle/>
+          <a:p>
+            <a:pPr algn="r"/>
+            <a:fld id="{643E5F58-1531-4090-BA92-D0DBA0679331}" type="slidenum">
+              <a:rPr lang="en-GB" sz="1400" b="0" strike="noStrike" spc="-1" smtClean="0">
                 <a:solidFill>
                   <a:srgbClr val="000000"/>
                 </a:solidFill>
@@ -501,158 +589,30 @@
                     <a:srgbClr val="FFFFFF"/>
                   </a:solidFill>
                 </a:uFill>
-                <a:latin typeface="Arial"/>
+                <a:latin typeface="Times New Roman"/>
               </a:rPr>
-              <a:t>This a talk</a:t>
-            </a:r>
-          </a:p>
-          <a:p>
-            <a:r>
-              <a:rPr lang="en-GB" sz="2000" b="0" strike="noStrike" spc="-1">
+              <a:t>1</a:t>
+            </a:fld>
+            <a:endParaRPr lang="en-GB" sz="1400" b="0" strike="noStrike" spc="-1">
+              <a:solidFill>
+                <a:srgbClr val="000000"/>
+              </a:solidFill>
+              <a:uFill>
                 <a:solidFill>
-                  <a:srgbClr val="000000"/>
+                  <a:srgbClr val="FFFFFF"/>
                 </a:solidFill>
-                <a:uFill>
-                  <a:solidFill>
-                    <a:srgbClr val="FFFFFF"/>
-                  </a:solidFill>
-                </a:uFill>
-                <a:latin typeface="Arial"/>
-              </a:rPr>
-              <a:t>  - compare SMT v NMT</a:t>
-            </a:r>
-          </a:p>
-          <a:p>
-            <a:r>
-              <a:rPr lang="en-GB" sz="2000" b="0" strike="noStrike" spc="-1">
-                <a:solidFill>
-                  <a:srgbClr val="000000"/>
-                </a:solidFill>
-                <a:uFill>
-                  <a:solidFill>
-                    <a:srgbClr val="FFFFFF"/>
-                  </a:solidFill>
-                </a:uFill>
-                <a:latin typeface="Arial"/>
-              </a:rPr>
-              <a:t>  - is NMT better than NMT across the board?</a:t>
-            </a:r>
-          </a:p>
-          <a:p>
-            <a:r>
-              <a:rPr lang="en-GB" sz="2000" b="0" strike="noStrike" spc="-1">
-                <a:solidFill>
-                  <a:srgbClr val="000000"/>
-                </a:solidFill>
-                <a:uFill>
-                  <a:solidFill>
-                    <a:srgbClr val="FFFFFF"/>
-                  </a:solidFill>
-                </a:uFill>
-                <a:latin typeface="Arial"/>
-              </a:rPr>
-              <a:t>      - why should we bother carrying on with SMT?</a:t>
-            </a:r>
-          </a:p>
-          <a:p>
-            <a:r>
-              <a:rPr lang="en-GB" sz="2000" b="0" strike="noStrike" spc="-1">
-                <a:solidFill>
-                  <a:srgbClr val="000000"/>
-                </a:solidFill>
-                <a:uFill>
-                  <a:solidFill>
-                    <a:srgbClr val="FFFFFF"/>
-                  </a:solidFill>
-                </a:uFill>
-                <a:latin typeface="Arial"/>
-              </a:rPr>
-              <a:t>  - obviously not</a:t>
-            </a:r>
-          </a:p>
-          <a:p>
-            <a:r>
-              <a:rPr lang="en-GB" sz="2000" b="0" strike="noStrike" spc="-1">
-                <a:solidFill>
-                  <a:srgbClr val="000000"/>
-                </a:solidFill>
-                <a:uFill>
-                  <a:solidFill>
-                    <a:srgbClr val="FFFFFF"/>
-                  </a:solidFill>
-                </a:uFill>
-                <a:latin typeface="Arial"/>
-              </a:rPr>
-              <a:t>      - where does SMT still hold it’s own</a:t>
-            </a:r>
-          </a:p>
-          <a:p>
-            <a:r>
-              <a:rPr lang="en-GB" sz="2000" b="0" strike="noStrike" spc="-1">
-                <a:solidFill>
-                  <a:srgbClr val="000000"/>
-                </a:solidFill>
-                <a:uFill>
-                  <a:solidFill>
-                    <a:srgbClr val="FFFFFF"/>
-                  </a:solidFill>
-                </a:uFill>
-                <a:latin typeface="Arial"/>
-              </a:rPr>
-              <a:t>  - where SMT &amp; NMT can learn from each other</a:t>
-            </a:r>
-          </a:p>
-          <a:p>
-            <a:r>
-              <a:rPr lang="en-GB" sz="2000" b="0" strike="noStrike" spc="-1">
-                <a:solidFill>
-                  <a:srgbClr val="000000"/>
-                </a:solidFill>
-                <a:uFill>
-                  <a:solidFill>
-                    <a:srgbClr val="FFFFFF"/>
-                  </a:solidFill>
-                </a:uFill>
-                <a:latin typeface="Arial"/>
-              </a:rPr>
-              <a:t>      - what SMT can do for NMT</a:t>
-            </a:r>
-          </a:p>
-          <a:p>
-            <a:r>
-              <a:rPr lang="en-GB" sz="2000" b="0" strike="noStrike" spc="-1">
-                <a:solidFill>
-                  <a:srgbClr val="000000"/>
-                </a:solidFill>
-                <a:uFill>
-                  <a:solidFill>
-                    <a:srgbClr val="FFFFFF"/>
-                  </a:solidFill>
-                </a:uFill>
-                <a:latin typeface="Arial"/>
-              </a:rPr>
-              <a:t>      - vice versa</a:t>
-            </a:r>
-          </a:p>
-          <a:p>
-            <a:r>
-              <a:rPr lang="en-GB" sz="2000" b="0" strike="noStrike" spc="-1">
-                <a:solidFill>
-                  <a:srgbClr val="000000"/>
-                </a:solidFill>
-                <a:uFill>
-                  <a:solidFill>
-                    <a:srgbClr val="FFFFFF"/>
-                  </a:solidFill>
-                </a:uFill>
-                <a:latin typeface="Arial"/>
-              </a:rPr>
-              <a:t>  - what can SMT to maintain relevance</a:t>
-            </a:r>
+              </a:uFill>
+              <a:latin typeface="Times New Roman"/>
+            </a:endParaRPr>
           </a:p>
         </p:txBody>
       </p:sp>
     </p:spTree>
+    <p:extLst>
+      <p:ext uri="{BB962C8B-B14F-4D97-AF65-F5344CB8AC3E}">
+        <p14:creationId xmlns:p14="http://schemas.microsoft.com/office/powerpoint/2010/main" val="2005843856"/>
+      </p:ext>
+    </p:extLst>
   </p:cSld>
   <p:clrMapOvr>
     <a:masterClrMapping/>
@@ -661,193 +621,6 @@
 </file>
 
 <file path=ppt/notesSlides/notesSlide2.xml><?xml version="1.0" encoding="utf-8"?>
-<p:notes xmlns:a="http://schemas.openxmlformats.org/drawingml/2006/main" xmlns:r="http://schemas.openxmlformats.org/officeDocument/2006/relationships" xmlns:p="http://schemas.openxmlformats.org/presentationml/2006/main">
-  <p:cSld>
-    <p:spTree>
-      <p:nvGrpSpPr>
-        <p:cNvPr id="1" name=""/>
-        <p:cNvGrpSpPr/>
-        <p:nvPr/>
-      </p:nvGrpSpPr>
-      <p:grpSpPr>
-        <a:xfrm>
-          <a:off x="0" y="0"/>
-          <a:ext cx="0" cy="0"/>
-          <a:chOff x="0" y="0"/>
-          <a:chExt cx="0" cy="0"/>
-        </a:xfrm>
-      </p:grpSpPr>
-      <p:sp>
-        <p:nvSpPr>
-          <p:cNvPr id="56" name="PlaceHolder 1"/>
-          <p:cNvSpPr>
-            <a:spLocks noGrp="1"/>
-          </p:cNvSpPr>
-          <p:nvPr>
-            <p:ph type="body"/>
-          </p:nvPr>
-        </p:nvSpPr>
-        <p:spPr>
-          <a:xfrm>
-            <a:off x="756000" y="5078520"/>
-            <a:ext cx="6047640" cy="4811040"/>
-          </a:xfrm>
-          <a:prstGeom prst="rect">
-            <a:avLst/>
-          </a:prstGeom>
-        </p:spPr>
-        <p:txBody>
-          <a:bodyPr lIns="0" tIns="0" rIns="0" bIns="0"/>
-          <a:lstStyle/>
-          <a:p>
-            <a:r>
-              <a:rPr lang="en-GB" sz="2000" b="0" strike="noStrike" spc="-1">
-                <a:solidFill>
-                  <a:srgbClr val="000000"/>
-                </a:solidFill>
-                <a:uFill>
-                  <a:solidFill>
-                    <a:srgbClr val="FFFFFF"/>
-                  </a:solidFill>
-                </a:uFill>
-                <a:latin typeface="Arial"/>
-              </a:rPr>
-              <a:t>Only </a:t>
-            </a:r>
-          </a:p>
-          <a:p>
-            <a:r>
-              <a:rPr lang="en-GB" sz="2000" b="0" strike="noStrike" spc="-1">
-                <a:solidFill>
-                  <a:srgbClr val="000000"/>
-                </a:solidFill>
-                <a:uFill>
-                  <a:solidFill>
-                    <a:srgbClr val="FFFFFF"/>
-                  </a:solidFill>
-                </a:uFill>
-                <a:latin typeface="Arial"/>
-              </a:rPr>
-              <a:t>    ru-en</a:t>
-            </a:r>
-          </a:p>
-          <a:p>
-            <a:r>
-              <a:rPr lang="en-GB" sz="2000" b="0" strike="noStrike" spc="-1">
-                <a:solidFill>
-                  <a:srgbClr val="000000"/>
-                </a:solidFill>
-                <a:uFill>
-                  <a:solidFill>
-                    <a:srgbClr val="FFFFFF"/>
-                  </a:solidFill>
-                </a:uFill>
-                <a:latin typeface="Arial"/>
-              </a:rPr>
-              <a:t>    Fr-es</a:t>
-            </a:r>
-          </a:p>
-          <a:p>
-            <a:r>
-              <a:rPr lang="en-GB" sz="2000" b="0" strike="noStrike" spc="-1">
-                <a:solidFill>
-                  <a:srgbClr val="000000"/>
-                </a:solidFill>
-                <a:uFill>
-                  <a:solidFill>
-                    <a:srgbClr val="FFFFFF"/>
-                  </a:solidFill>
-                </a:uFill>
-                <a:latin typeface="Arial"/>
-              </a:rPr>
-              <a:t>    Es-fr</a:t>
-            </a:r>
-          </a:p>
-          <a:p>
-            <a:r>
-              <a:rPr lang="en-GB" sz="2000" b="0" strike="noStrike" spc="-1">
-                <a:solidFill>
-                  <a:srgbClr val="000000"/>
-                </a:solidFill>
-                <a:uFill>
-                  <a:solidFill>
-                    <a:srgbClr val="FFFFFF"/>
-                  </a:solidFill>
-                </a:uFill>
-                <a:latin typeface="Arial"/>
-              </a:rPr>
-              <a:t>Where pb based wins</a:t>
-            </a:r>
-          </a:p>
-          <a:p>
-            <a:endParaRPr lang="en-GB" sz="2000" b="0" strike="noStrike" spc="-1">
-              <a:solidFill>
-                <a:srgbClr val="000000"/>
-              </a:solidFill>
-              <a:uFill>
-                <a:solidFill>
-                  <a:srgbClr val="FFFFFF"/>
-                </a:solidFill>
-              </a:uFill>
-              <a:latin typeface="Arial"/>
-            </a:endParaRPr>
-          </a:p>
-          <a:p>
-            <a:r>
-              <a:rPr lang="en-GB" sz="2000" b="0" strike="noStrike" spc="-1">
-                <a:solidFill>
-                  <a:srgbClr val="000000"/>
-                </a:solidFill>
-                <a:uFill>
-                  <a:solidFill>
-                    <a:srgbClr val="FFFFFF"/>
-                  </a:solidFill>
-                </a:uFill>
-                <a:latin typeface="Arial"/>
-              </a:rPr>
-              <a:t>NMT wins all the rest </a:t>
-            </a:r>
-          </a:p>
-          <a:p>
-            <a:r>
-              <a:rPr lang="en-GB" sz="2000" b="0" strike="noStrike" spc="-1">
-                <a:solidFill>
-                  <a:srgbClr val="000000"/>
-                </a:solidFill>
-                <a:uFill>
-                  <a:solidFill>
-                    <a:srgbClr val="FFFFFF"/>
-                  </a:solidFill>
-                </a:uFill>
-                <a:latin typeface="Arial"/>
-              </a:rPr>
-              <a:t>  - sometime by huge margins</a:t>
-            </a:r>
-          </a:p>
-          <a:p>
-            <a:endParaRPr lang="en-GB" sz="2000" b="0" strike="noStrike" spc="-1">
-              <a:solidFill>
-                <a:srgbClr val="000000"/>
-              </a:solidFill>
-              <a:uFill>
-                <a:solidFill>
-                  <a:srgbClr val="FFFFFF"/>
-                </a:solidFill>
-              </a:uFill>
-              <a:latin typeface="Arial"/>
-            </a:endParaRPr>
-          </a:p>
-        </p:txBody>
-      </p:sp>
-    </p:spTree>
-  </p:cSld>
-  <p:clrMapOvr>
-    <a:masterClrMapping/>
-  </p:clrMapOvr>
-</p:notes>
-</file>
-
-<file path=ppt/notesSlides/notesSlide3.xml><?xml version="1.0" encoding="utf-8"?>
 <p:notes xmlns:a="http://schemas.openxmlformats.org/drawingml/2006/main" xmlns:r="http://schemas.openxmlformats.org/officeDocument/2006/relationships" xmlns:p="http://schemas.openxmlformats.org/presentationml/2006/main">
   <p:cSld>
     <p:spTree>
@@ -905,7 +678,38 @@
           <a:bodyPr/>
           <a:lstStyle/>
           <a:p>
-            <a:endParaRPr lang="en-US" dirty="0"/>
+            <a:pPr marL="0" marR="0" indent="0" algn="l" defTabSz="914400" rtl="0" eaLnBrk="1" fontAlgn="auto" latinLnBrk="0" hangingPunct="1">
+              <a:lnSpc>
+                <a:spcPct val="100000"/>
+              </a:lnSpc>
+              <a:spcBef>
+                <a:spcPts val="0"/>
+              </a:spcBef>
+              <a:spcAft>
+                <a:spcPts val="0"/>
+              </a:spcAft>
+              <a:buClrTx/>
+              <a:buSzTx/>
+              <a:buFontTx/>
+              <a:buNone/>
+              <a:tabLst/>
+              <a:defRPr/>
+            </a:pPr>
+            <a:r>
+              <a:rPr lang="en-GB" baseline="0" dirty="0" smtClean="0"/>
+              <a:t>But it’s really about ‘Statistical MT in a </a:t>
+            </a:r>
+            <a:r>
+              <a:rPr lang="mr-IN" baseline="0" dirty="0" smtClean="0"/>
+              <a:t>…</a:t>
+            </a:r>
+            <a:r>
+              <a:rPr lang="en-GB" baseline="0" dirty="0" smtClean="0"/>
+              <a:t>.’</a:t>
+            </a:r>
+          </a:p>
+          <a:p>
+            <a:endParaRPr lang="en-GB" baseline="0" dirty="0" smtClean="0"/>
           </a:p>
         </p:txBody>
       </p:sp>
@@ -937,7 +741,1045 @@
                 </a:uFill>
                 <a:latin typeface="Times New Roman"/>
               </a:rPr>
-              <a:t>6</a:t>
+              <a:t>2</a:t>
+            </a:fld>
+            <a:endParaRPr lang="en-GB" sz="1400" b="0" strike="noStrike" spc="-1">
+              <a:solidFill>
+                <a:srgbClr val="000000"/>
+              </a:solidFill>
+              <a:uFill>
+                <a:solidFill>
+                  <a:srgbClr val="FFFFFF"/>
+                </a:solidFill>
+              </a:uFill>
+              <a:latin typeface="Times New Roman"/>
+            </a:endParaRPr>
+          </a:p>
+        </p:txBody>
+      </p:sp>
+    </p:spTree>
+    <p:extLst>
+      <p:ext uri="{BB962C8B-B14F-4D97-AF65-F5344CB8AC3E}">
+        <p14:creationId xmlns:p14="http://schemas.microsoft.com/office/powerpoint/2010/main" val="587786956"/>
+      </p:ext>
+    </p:extLst>
+  </p:cSld>
+  <p:clrMapOvr>
+    <a:masterClrMapping/>
+  </p:clrMapOvr>
+</p:notes>
+</file>
+
+<file path=ppt/notesSlides/notesSlide3.xml><?xml version="1.0" encoding="utf-8"?>
+<p:notes xmlns:a="http://schemas.openxmlformats.org/drawingml/2006/main" xmlns:r="http://schemas.openxmlformats.org/officeDocument/2006/relationships" xmlns:p="http://schemas.openxmlformats.org/presentationml/2006/main">
+  <p:cSld>
+    <p:spTree>
+      <p:nvGrpSpPr>
+        <p:cNvPr id="1" name=""/>
+        <p:cNvGrpSpPr/>
+        <p:nvPr/>
+      </p:nvGrpSpPr>
+      <p:grpSpPr>
+        <a:xfrm>
+          <a:off x="0" y="0"/>
+          <a:ext cx="0" cy="0"/>
+          <a:chOff x="0" y="0"/>
+          <a:chExt cx="0" cy="0"/>
+        </a:xfrm>
+      </p:grpSpPr>
+      <p:sp>
+        <p:nvSpPr>
+          <p:cNvPr id="55" name="PlaceHolder 1"/>
+          <p:cNvSpPr>
+            <a:spLocks noGrp="1"/>
+          </p:cNvSpPr>
+          <p:nvPr>
+            <p:ph type="body"/>
+          </p:nvPr>
+        </p:nvSpPr>
+        <p:spPr>
+          <a:xfrm>
+            <a:off x="756000" y="5078520"/>
+            <a:ext cx="6047640" cy="4811040"/>
+          </a:xfrm>
+          <a:prstGeom prst="rect">
+            <a:avLst/>
+          </a:prstGeom>
+        </p:spPr>
+        <p:txBody>
+          <a:bodyPr lIns="0" tIns="0" rIns="0" bIns="0"/>
+          <a:lstStyle/>
+          <a:p>
+            <a:r>
+              <a:rPr lang="en-GB" sz="2000" b="0" strike="noStrike" spc="-1" dirty="0">
+                <a:solidFill>
+                  <a:srgbClr val="000000"/>
+                </a:solidFill>
+                <a:uFill>
+                  <a:solidFill>
+                    <a:srgbClr val="FFFFFF"/>
+                  </a:solidFill>
+                </a:uFill>
+                <a:latin typeface="Arial"/>
+              </a:rPr>
+              <a:t>This a talk</a:t>
+            </a:r>
+          </a:p>
+          <a:p>
+            <a:r>
+              <a:rPr lang="en-GB" sz="2000" b="0" strike="noStrike" spc="-1" dirty="0">
+                <a:solidFill>
+                  <a:srgbClr val="000000"/>
+                </a:solidFill>
+                <a:uFill>
+                  <a:solidFill>
+                    <a:srgbClr val="FFFFFF"/>
+                  </a:solidFill>
+                </a:uFill>
+                <a:latin typeface="Arial"/>
+              </a:rPr>
+              <a:t>  - compare SMT v NMT</a:t>
+            </a:r>
+          </a:p>
+          <a:p>
+            <a:r>
+              <a:rPr lang="en-GB" sz="2000" b="0" strike="noStrike" spc="-1" dirty="0">
+                <a:solidFill>
+                  <a:srgbClr val="000000"/>
+                </a:solidFill>
+                <a:uFill>
+                  <a:solidFill>
+                    <a:srgbClr val="FFFFFF"/>
+                  </a:solidFill>
+                </a:uFill>
+                <a:latin typeface="Arial"/>
+              </a:rPr>
+              <a:t>  - is NMT better than NMT across the board?</a:t>
+            </a:r>
+          </a:p>
+          <a:p>
+            <a:r>
+              <a:rPr lang="en-GB" sz="2000" b="0" strike="noStrike" spc="-1" dirty="0">
+                <a:solidFill>
+                  <a:srgbClr val="000000"/>
+                </a:solidFill>
+                <a:uFill>
+                  <a:solidFill>
+                    <a:srgbClr val="FFFFFF"/>
+                  </a:solidFill>
+                </a:uFill>
+                <a:latin typeface="Arial"/>
+              </a:rPr>
+              <a:t>      - why should we bother carrying on with SMT?</a:t>
+            </a:r>
+          </a:p>
+          <a:p>
+            <a:r>
+              <a:rPr lang="en-GB" sz="2000" b="0" strike="noStrike" spc="-1" dirty="0">
+                <a:solidFill>
+                  <a:srgbClr val="000000"/>
+                </a:solidFill>
+                <a:uFill>
+                  <a:solidFill>
+                    <a:srgbClr val="FFFFFF"/>
+                  </a:solidFill>
+                </a:uFill>
+                <a:latin typeface="Arial"/>
+              </a:rPr>
+              <a:t>  - obviously not</a:t>
+            </a:r>
+          </a:p>
+          <a:p>
+            <a:r>
+              <a:rPr lang="en-GB" sz="2000" b="0" strike="noStrike" spc="-1" dirty="0">
+                <a:solidFill>
+                  <a:srgbClr val="000000"/>
+                </a:solidFill>
+                <a:uFill>
+                  <a:solidFill>
+                    <a:srgbClr val="FFFFFF"/>
+                  </a:solidFill>
+                </a:uFill>
+                <a:latin typeface="Arial"/>
+              </a:rPr>
+              <a:t>      - where does SMT still hold it’s own</a:t>
+            </a:r>
+          </a:p>
+          <a:p>
+            <a:r>
+              <a:rPr lang="en-GB" sz="2000" b="0" strike="noStrike" spc="-1" dirty="0">
+                <a:solidFill>
+                  <a:srgbClr val="000000"/>
+                </a:solidFill>
+                <a:uFill>
+                  <a:solidFill>
+                    <a:srgbClr val="FFFFFF"/>
+                  </a:solidFill>
+                </a:uFill>
+                <a:latin typeface="Arial"/>
+              </a:rPr>
+              <a:t>  - where SMT &amp; NMT can learn from each other</a:t>
+            </a:r>
+          </a:p>
+          <a:p>
+            <a:r>
+              <a:rPr lang="en-GB" sz="2000" b="0" strike="noStrike" spc="-1" dirty="0">
+                <a:solidFill>
+                  <a:srgbClr val="000000"/>
+                </a:solidFill>
+                <a:uFill>
+                  <a:solidFill>
+                    <a:srgbClr val="FFFFFF"/>
+                  </a:solidFill>
+                </a:uFill>
+                <a:latin typeface="Arial"/>
+              </a:rPr>
+              <a:t>      - what SMT can do for NMT</a:t>
+            </a:r>
+          </a:p>
+          <a:p>
+            <a:r>
+              <a:rPr lang="en-GB" sz="2000" b="0" strike="noStrike" spc="-1" dirty="0">
+                <a:solidFill>
+                  <a:srgbClr val="000000"/>
+                </a:solidFill>
+                <a:uFill>
+                  <a:solidFill>
+                    <a:srgbClr val="FFFFFF"/>
+                  </a:solidFill>
+                </a:uFill>
+                <a:latin typeface="Arial"/>
+              </a:rPr>
+              <a:t>      - vice versa</a:t>
+            </a:r>
+          </a:p>
+          <a:p>
+            <a:r>
+              <a:rPr lang="en-GB" sz="2000" b="0" strike="noStrike" spc="-1" dirty="0">
+                <a:solidFill>
+                  <a:srgbClr val="000000"/>
+                </a:solidFill>
+                <a:uFill>
+                  <a:solidFill>
+                    <a:srgbClr val="FFFFFF"/>
+                  </a:solidFill>
+                </a:uFill>
+                <a:latin typeface="Arial"/>
+              </a:rPr>
+              <a:t>  - what can SMT to maintain </a:t>
+            </a:r>
+            <a:r>
+              <a:rPr lang="en-GB" sz="2000" b="0" strike="noStrike" spc="-1" dirty="0" smtClean="0">
+                <a:solidFill>
+                  <a:srgbClr val="000000"/>
+                </a:solidFill>
+                <a:uFill>
+                  <a:solidFill>
+                    <a:srgbClr val="FFFFFF"/>
+                  </a:solidFill>
+                </a:uFill>
+                <a:latin typeface="Arial"/>
+              </a:rPr>
+              <a:t>relevance</a:t>
+            </a:r>
+          </a:p>
+          <a:p>
+            <a:endParaRPr lang="en-GB" sz="2000" b="0" strike="noStrike" spc="-1" dirty="0" smtClean="0">
+              <a:solidFill>
+                <a:srgbClr val="000000"/>
+              </a:solidFill>
+              <a:uFill>
+                <a:solidFill>
+                  <a:srgbClr val="FFFFFF"/>
+                </a:solidFill>
+              </a:uFill>
+              <a:latin typeface="Arial"/>
+            </a:endParaRPr>
+          </a:p>
+          <a:p>
+            <a:r>
+              <a:rPr lang="en-GB" sz="2000" b="0" strike="noStrike" spc="-1" dirty="0" smtClean="0">
+                <a:solidFill>
+                  <a:srgbClr val="000000"/>
+                </a:solidFill>
+                <a:uFill>
+                  <a:solidFill>
+                    <a:srgbClr val="FFFFFF"/>
+                  </a:solidFill>
+                </a:uFill>
+                <a:latin typeface="Arial"/>
+              </a:rPr>
+              <a:t>This</a:t>
+            </a:r>
+            <a:r>
+              <a:rPr lang="en-GB" sz="2000" b="0" strike="noStrike" spc="-1" baseline="0" dirty="0" smtClean="0">
+                <a:solidFill>
+                  <a:srgbClr val="000000"/>
+                </a:solidFill>
+                <a:uFill>
+                  <a:solidFill>
+                    <a:srgbClr val="FFFFFF"/>
+                  </a:solidFill>
+                </a:uFill>
+                <a:latin typeface="Arial"/>
+              </a:rPr>
+              <a:t> question of SMT v. NMT</a:t>
+            </a:r>
+          </a:p>
+          <a:p>
+            <a:r>
+              <a:rPr lang="en-GB" sz="2000" b="0" strike="noStrike" spc="-1" baseline="0" dirty="0" smtClean="0">
+                <a:solidFill>
+                  <a:srgbClr val="000000"/>
+                </a:solidFill>
+                <a:uFill>
+                  <a:solidFill>
+                    <a:srgbClr val="FFFFFF"/>
+                  </a:solidFill>
+                </a:uFill>
+                <a:latin typeface="Arial"/>
+              </a:rPr>
+              <a:t>  - reminds me of a previous battle between PB and hierarchical model, and syntax model</a:t>
+            </a:r>
+          </a:p>
+          <a:p>
+            <a:r>
+              <a:rPr lang="en-GB" sz="2000" b="0" strike="noStrike" spc="-1" baseline="0" dirty="0" smtClean="0">
+                <a:solidFill>
+                  <a:srgbClr val="000000"/>
+                </a:solidFill>
+                <a:uFill>
+                  <a:solidFill>
+                    <a:srgbClr val="FFFFFF"/>
+                  </a:solidFill>
+                </a:uFill>
+                <a:latin typeface="Arial"/>
+              </a:rPr>
+              <a:t>  - </a:t>
+            </a:r>
+            <a:r>
+              <a:rPr lang="en-GB" sz="2000" b="0" strike="noStrike" spc="-1" baseline="0" dirty="0" err="1" smtClean="0">
+                <a:solidFill>
+                  <a:srgbClr val="000000"/>
+                </a:solidFill>
+                <a:uFill>
+                  <a:solidFill>
+                    <a:srgbClr val="FFFFFF"/>
+                  </a:solidFill>
+                </a:uFill>
+                <a:latin typeface="Arial"/>
+              </a:rPr>
+              <a:t>hiero</a:t>
+            </a:r>
+            <a:r>
+              <a:rPr lang="en-GB" sz="2000" b="0" strike="noStrike" spc="-1" baseline="0" dirty="0" smtClean="0">
+                <a:solidFill>
+                  <a:srgbClr val="000000"/>
+                </a:solidFill>
+                <a:uFill>
+                  <a:solidFill>
+                    <a:srgbClr val="FFFFFF"/>
+                  </a:solidFill>
+                </a:uFill>
+                <a:latin typeface="Arial"/>
+              </a:rPr>
+              <a:t> model was great for certain divergent languages</a:t>
+            </a:r>
+          </a:p>
+          <a:p>
+            <a:r>
+              <a:rPr lang="en-GB" sz="2000" b="0" strike="noStrike" spc="-1" baseline="0" dirty="0" smtClean="0">
+                <a:solidFill>
+                  <a:srgbClr val="000000"/>
+                </a:solidFill>
+                <a:uFill>
+                  <a:solidFill>
+                    <a:srgbClr val="FFFFFF"/>
+                  </a:solidFill>
+                </a:uFill>
+                <a:latin typeface="Arial"/>
+              </a:rPr>
+              <a:t>      - found out not so great for others</a:t>
+            </a:r>
+          </a:p>
+          <a:p>
+            <a:r>
+              <a:rPr lang="en-GB" sz="2000" b="0" strike="noStrike" spc="-1" baseline="0" dirty="0" smtClean="0">
+                <a:solidFill>
+                  <a:srgbClr val="000000"/>
+                </a:solidFill>
+                <a:uFill>
+                  <a:solidFill>
+                    <a:srgbClr val="FFFFFF"/>
+                  </a:solidFill>
+                </a:uFill>
+                <a:latin typeface="Arial"/>
+              </a:rPr>
+              <a:t>      - resource hog </a:t>
+            </a:r>
+            <a:r>
+              <a:rPr lang="mr-IN" sz="2000" b="0" strike="noStrike" spc="-1" baseline="0" dirty="0" smtClean="0">
+                <a:solidFill>
+                  <a:srgbClr val="000000"/>
+                </a:solidFill>
+                <a:uFill>
+                  <a:solidFill>
+                    <a:srgbClr val="FFFFFF"/>
+                  </a:solidFill>
+                </a:uFill>
+                <a:latin typeface="Arial"/>
+              </a:rPr>
+              <a:t>–</a:t>
+            </a:r>
+            <a:r>
+              <a:rPr lang="en-GB" sz="2000" b="0" strike="noStrike" spc="-1" baseline="0" dirty="0" smtClean="0">
+                <a:solidFill>
+                  <a:srgbClr val="000000"/>
+                </a:solidFill>
+                <a:uFill>
+                  <a:solidFill>
+                    <a:srgbClr val="FFFFFF"/>
+                  </a:solidFill>
+                </a:uFill>
+                <a:latin typeface="Arial"/>
+              </a:rPr>
+              <a:t> required much more RAM, disk space, slower than </a:t>
+            </a:r>
+            <a:r>
+              <a:rPr lang="en-GB" sz="2000" b="0" strike="noStrike" spc="-1" baseline="0" dirty="0" err="1" smtClean="0">
+                <a:solidFill>
+                  <a:srgbClr val="000000"/>
+                </a:solidFill>
+                <a:uFill>
+                  <a:solidFill>
+                    <a:srgbClr val="FFFFFF"/>
+                  </a:solidFill>
+                </a:uFill>
+                <a:latin typeface="Arial"/>
+              </a:rPr>
+              <a:t>pb</a:t>
+            </a:r>
+            <a:endParaRPr lang="en-GB" sz="2000" b="0" strike="noStrike" spc="-1" baseline="0" smtClean="0">
+              <a:solidFill>
+                <a:srgbClr val="000000"/>
+              </a:solidFill>
+              <a:uFill>
+                <a:solidFill>
+                  <a:srgbClr val="FFFFFF"/>
+                </a:solidFill>
+              </a:uFill>
+              <a:latin typeface="Arial"/>
+            </a:endParaRPr>
+          </a:p>
+          <a:p>
+            <a:endParaRPr lang="en-GB" sz="2000" b="0" strike="noStrike" spc="-1" dirty="0">
+              <a:solidFill>
+                <a:srgbClr val="000000"/>
+              </a:solidFill>
+              <a:uFill>
+                <a:solidFill>
+                  <a:srgbClr val="FFFFFF"/>
+                </a:solidFill>
+              </a:uFill>
+              <a:latin typeface="Arial"/>
+            </a:endParaRPr>
+          </a:p>
+        </p:txBody>
+      </p:sp>
+    </p:spTree>
+  </p:cSld>
+  <p:clrMapOvr>
+    <a:masterClrMapping/>
+  </p:clrMapOvr>
+</p:notes>
+</file>
+
+<file path=ppt/notesSlides/notesSlide4.xml><?xml version="1.0" encoding="utf-8"?>
+<p:notes xmlns:a="http://schemas.openxmlformats.org/drawingml/2006/main" xmlns:r="http://schemas.openxmlformats.org/officeDocument/2006/relationships" xmlns:p="http://schemas.openxmlformats.org/presentationml/2006/main">
+  <p:cSld>
+    <p:spTree>
+      <p:nvGrpSpPr>
+        <p:cNvPr id="1" name=""/>
+        <p:cNvGrpSpPr/>
+        <p:nvPr/>
+      </p:nvGrpSpPr>
+      <p:grpSpPr>
+        <a:xfrm>
+          <a:off x="0" y="0"/>
+          <a:ext cx="0" cy="0"/>
+          <a:chOff x="0" y="0"/>
+          <a:chExt cx="0" cy="0"/>
+        </a:xfrm>
+      </p:grpSpPr>
+      <p:sp>
+        <p:nvSpPr>
+          <p:cNvPr id="2" name="Slide Image Placeholder 1"/>
+          <p:cNvSpPr>
+            <a:spLocks noGrp="1" noRot="1" noChangeAspect="1"/>
+          </p:cNvSpPr>
+          <p:nvPr>
+            <p:ph type="sldImg"/>
+          </p:nvPr>
+        </p:nvSpPr>
+        <p:spPr>
+          <a:xfrm>
+            <a:off x="1374775" y="1336675"/>
+            <a:ext cx="4810125" cy="3608388"/>
+          </a:xfrm>
+          <a:prstGeom prst="rect">
+            <a:avLst/>
+          </a:prstGeom>
+          <a:noFill/>
+          <a:ln w="12700">
+            <a:solidFill>
+              <a:prstClr val="black"/>
+            </a:solidFill>
+          </a:ln>
+        </p:spPr>
+      </p:sp>
+      <p:sp>
+        <p:nvSpPr>
+          <p:cNvPr id="3" name="Notes Placeholder 2"/>
+          <p:cNvSpPr>
+            <a:spLocks noGrp="1"/>
+          </p:cNvSpPr>
+          <p:nvPr>
+            <p:ph type="body" idx="1"/>
+          </p:nvPr>
+        </p:nvSpPr>
+        <p:spPr/>
+        <p:txBody>
+          <a:bodyPr/>
+          <a:lstStyle/>
+          <a:p>
+            <a:r>
+              <a:rPr lang="en-US" dirty="0" smtClean="0"/>
+              <a:t>These companies are on record as using Moses for their MT.</a:t>
+            </a:r>
+          </a:p>
+          <a:p>
+            <a:r>
+              <a:rPr lang="en-US" dirty="0" smtClean="0"/>
+              <a:t>All</a:t>
+            </a:r>
+            <a:r>
+              <a:rPr lang="en-US" baseline="0" dirty="0" smtClean="0"/>
+              <a:t> looking at NMT but still using SMT</a:t>
+            </a:r>
+          </a:p>
+          <a:p>
+            <a:endParaRPr lang="en-US" baseline="0" dirty="0" smtClean="0"/>
+          </a:p>
+          <a:p>
+            <a:r>
+              <a:rPr lang="en-US" baseline="0" dirty="0" smtClean="0"/>
+              <a:t>Google &amp; Bing don’t use Moses but they are massive SMT uses</a:t>
+            </a:r>
+          </a:p>
+          <a:p>
+            <a:endParaRPr lang="en-US" baseline="0" dirty="0" smtClean="0"/>
+          </a:p>
+          <a:p>
+            <a:r>
+              <a:rPr lang="en-US" baseline="0" dirty="0" smtClean="0"/>
+              <a:t>For all the </a:t>
+            </a:r>
+            <a:r>
+              <a:rPr lang="en-US" baseline="0" dirty="0" err="1" smtClean="0"/>
+              <a:t>hoo-haa</a:t>
+            </a:r>
+            <a:r>
+              <a:rPr lang="en-US" baseline="0" dirty="0" smtClean="0"/>
+              <a:t> of using NMT</a:t>
+            </a:r>
+          </a:p>
+          <a:p>
+            <a:r>
+              <a:rPr lang="en-US" baseline="0" dirty="0" smtClean="0"/>
+              <a:t>   - big proponent of Neural MT</a:t>
+            </a:r>
+          </a:p>
+          <a:p>
+            <a:r>
+              <a:rPr lang="en-US" baseline="0" dirty="0" smtClean="0"/>
+              <a:t>   - most of it is marketing noise</a:t>
+            </a:r>
+          </a:p>
+          <a:p>
+            <a:r>
+              <a:rPr lang="en-US" baseline="0" dirty="0" smtClean="0"/>
+              <a:t>  - as of April</a:t>
+            </a:r>
+          </a:p>
+          <a:p>
+            <a:r>
+              <a:rPr lang="en-US" baseline="0" dirty="0" smtClean="0"/>
+              <a:t>      - 20 language pairs uses NMT</a:t>
+            </a:r>
+          </a:p>
+          <a:p>
+            <a:r>
+              <a:rPr lang="en-US" baseline="0" dirty="0" smtClean="0"/>
+              <a:t>  - leaves 83 more to go!</a:t>
+            </a:r>
+          </a:p>
+          <a:p>
+            <a:endParaRPr lang="en-US" baseline="0" dirty="0" smtClean="0"/>
+          </a:p>
+          <a:p>
+            <a:r>
+              <a:rPr lang="en-US" baseline="0" dirty="0" smtClean="0"/>
+              <a:t>Bing</a:t>
+            </a:r>
+          </a:p>
+          <a:p>
+            <a:r>
+              <a:rPr lang="en-US" baseline="0" dirty="0" smtClean="0"/>
+              <a:t>  - as of March</a:t>
+            </a:r>
+          </a:p>
+          <a:p>
+            <a:endParaRPr lang="en-US" baseline="0" dirty="0" smtClean="0"/>
+          </a:p>
+          <a:p>
+            <a:r>
+              <a:rPr lang="en-US" baseline="0" dirty="0" smtClean="0"/>
+              <a:t>There may be some inertia in moving to NMT</a:t>
+            </a:r>
+          </a:p>
+          <a:p>
+            <a:r>
+              <a:rPr lang="en-US" baseline="0" dirty="0" smtClean="0"/>
+              <a:t>  - requires investment in GPU, expertise</a:t>
+            </a:r>
+          </a:p>
+          <a:p>
+            <a:endParaRPr lang="en-US" baseline="0" dirty="0" smtClean="0"/>
+          </a:p>
+          <a:p>
+            <a:r>
+              <a:rPr lang="en-US" baseline="0" dirty="0" smtClean="0"/>
+              <a:t>Google &amp; </a:t>
+            </a:r>
+            <a:r>
+              <a:rPr lang="en-US" baseline="0" dirty="0" err="1" smtClean="0"/>
+              <a:t>microsoft</a:t>
+            </a:r>
+            <a:endParaRPr lang="en-US" baseline="0" dirty="0" smtClean="0"/>
+          </a:p>
+          <a:p>
+            <a:r>
+              <a:rPr lang="en-US" baseline="0" dirty="0" smtClean="0"/>
+              <a:t>  - buy as much expertise as they need</a:t>
+            </a:r>
+          </a:p>
+          <a:p>
+            <a:r>
+              <a:rPr lang="en-US" baseline="0" dirty="0" smtClean="0"/>
+              <a:t>  - this </a:t>
+            </a:r>
+            <a:r>
+              <a:rPr lang="en-US" baseline="0" dirty="0" err="1" smtClean="0"/>
+              <a:t>prob</a:t>
+            </a:r>
+            <a:r>
+              <a:rPr lang="en-US" baseline="0" dirty="0" smtClean="0"/>
+              <a:t> isn’t the case</a:t>
+            </a:r>
+          </a:p>
+          <a:p>
+            <a:r>
+              <a:rPr lang="en-US" baseline="0" dirty="0" smtClean="0"/>
+              <a:t>  - still use SMT</a:t>
+            </a:r>
+          </a:p>
+          <a:p>
+            <a:r>
+              <a:rPr lang="en-US" baseline="0" dirty="0" smtClean="0"/>
+              <a:t>      - cos it’s better than NMT</a:t>
+            </a:r>
+          </a:p>
+          <a:p>
+            <a:r>
+              <a:rPr lang="en-US" baseline="0" dirty="0" smtClean="0"/>
+              <a:t>      - faster or cost them less</a:t>
+            </a:r>
+          </a:p>
+          <a:p>
+            <a:endParaRPr lang="en-US" baseline="0" dirty="0" smtClean="0"/>
+          </a:p>
+          <a:p>
+            <a:r>
+              <a:rPr lang="en-US" baseline="0" dirty="0" smtClean="0"/>
+              <a:t>Any research which we do</a:t>
+            </a:r>
+          </a:p>
+          <a:p>
+            <a:r>
+              <a:rPr lang="en-US" baseline="0" dirty="0" smtClean="0"/>
+              <a:t>  - to make </a:t>
+            </a:r>
+            <a:r>
+              <a:rPr lang="en-US" baseline="0" dirty="0" err="1" smtClean="0"/>
+              <a:t>smt</a:t>
+            </a:r>
+            <a:r>
+              <a:rPr lang="en-US" baseline="0" dirty="0" smtClean="0"/>
+              <a:t> better</a:t>
+            </a:r>
+          </a:p>
+          <a:p>
+            <a:r>
+              <a:rPr lang="en-US" baseline="0" dirty="0" smtClean="0"/>
+              <a:t>  - faster</a:t>
+            </a:r>
+          </a:p>
+          <a:p>
+            <a:r>
+              <a:rPr lang="en-US" baseline="0" dirty="0" smtClean="0"/>
+              <a:t>Still relevant</a:t>
+            </a:r>
+          </a:p>
+          <a:p>
+            <a:endParaRPr lang="en-US" baseline="0" dirty="0" smtClean="0"/>
+          </a:p>
+        </p:txBody>
+      </p:sp>
+      <p:sp>
+        <p:nvSpPr>
+          <p:cNvPr id="4" name="Slide Number Placeholder 3"/>
+          <p:cNvSpPr>
+            <a:spLocks noGrp="1"/>
+          </p:cNvSpPr>
+          <p:nvPr>
+            <p:ph type="sldNum" idx="10"/>
+          </p:nvPr>
+        </p:nvSpPr>
+        <p:spPr/>
+        <p:txBody>
+          <a:bodyPr/>
+          <a:lstStyle/>
+          <a:p>
+            <a:pPr algn="r"/>
+            <a:fld id="{643E5F58-1531-4090-BA92-D0DBA0679331}" type="slidenum">
+              <a:rPr lang="en-GB" sz="1400" b="0" strike="noStrike" spc="-1" smtClean="0">
+                <a:solidFill>
+                  <a:srgbClr val="000000"/>
+                </a:solidFill>
+                <a:uFill>
+                  <a:solidFill>
+                    <a:srgbClr val="FFFFFF"/>
+                  </a:solidFill>
+                </a:uFill>
+                <a:latin typeface="Times New Roman"/>
+              </a:rPr>
+              <a:t>4</a:t>
+            </a:fld>
+            <a:endParaRPr lang="en-GB" sz="1400" b="0" strike="noStrike" spc="-1">
+              <a:solidFill>
+                <a:srgbClr val="000000"/>
+              </a:solidFill>
+              <a:uFill>
+                <a:solidFill>
+                  <a:srgbClr val="FFFFFF"/>
+                </a:solidFill>
+              </a:uFill>
+              <a:latin typeface="Times New Roman"/>
+            </a:endParaRPr>
+          </a:p>
+        </p:txBody>
+      </p:sp>
+    </p:spTree>
+    <p:extLst>
+      <p:ext uri="{BB962C8B-B14F-4D97-AF65-F5344CB8AC3E}">
+        <p14:creationId xmlns:p14="http://schemas.microsoft.com/office/powerpoint/2010/main" val="751635510"/>
+      </p:ext>
+    </p:extLst>
+  </p:cSld>
+  <p:clrMapOvr>
+    <a:masterClrMapping/>
+  </p:clrMapOvr>
+</p:notes>
+</file>
+
+<file path=ppt/notesSlides/notesSlide5.xml><?xml version="1.0" encoding="utf-8"?>
+<p:notes xmlns:a="http://schemas.openxmlformats.org/drawingml/2006/main" xmlns:r="http://schemas.openxmlformats.org/officeDocument/2006/relationships" xmlns:p="http://schemas.openxmlformats.org/presentationml/2006/main">
+  <p:cSld>
+    <p:spTree>
+      <p:nvGrpSpPr>
+        <p:cNvPr id="1" name=""/>
+        <p:cNvGrpSpPr/>
+        <p:nvPr/>
+      </p:nvGrpSpPr>
+      <p:grpSpPr>
+        <a:xfrm>
+          <a:off x="0" y="0"/>
+          <a:ext cx="0" cy="0"/>
+          <a:chOff x="0" y="0"/>
+          <a:chExt cx="0" cy="0"/>
+        </a:xfrm>
+      </p:grpSpPr>
+      <p:sp>
+        <p:nvSpPr>
+          <p:cNvPr id="56" name="PlaceHolder 1"/>
+          <p:cNvSpPr>
+            <a:spLocks noGrp="1"/>
+          </p:cNvSpPr>
+          <p:nvPr>
+            <p:ph type="body"/>
+          </p:nvPr>
+        </p:nvSpPr>
+        <p:spPr>
+          <a:xfrm>
+            <a:off x="756000" y="5078520"/>
+            <a:ext cx="6047640" cy="4811040"/>
+          </a:xfrm>
+          <a:prstGeom prst="rect">
+            <a:avLst/>
+          </a:prstGeom>
+        </p:spPr>
+        <p:txBody>
+          <a:bodyPr lIns="0" tIns="0" rIns="0" bIns="0"/>
+          <a:lstStyle/>
+          <a:p>
+            <a:r>
+              <a:rPr lang="en-GB" sz="2000" b="0" strike="noStrike" spc="-1">
+                <a:solidFill>
+                  <a:srgbClr val="000000"/>
+                </a:solidFill>
+                <a:uFill>
+                  <a:solidFill>
+                    <a:srgbClr val="FFFFFF"/>
+                  </a:solidFill>
+                </a:uFill>
+                <a:latin typeface="Arial"/>
+              </a:rPr>
+              <a:t>Only </a:t>
+            </a:r>
+          </a:p>
+          <a:p>
+            <a:r>
+              <a:rPr lang="en-GB" sz="2000" b="0" strike="noStrike" spc="-1">
+                <a:solidFill>
+                  <a:srgbClr val="000000"/>
+                </a:solidFill>
+                <a:uFill>
+                  <a:solidFill>
+                    <a:srgbClr val="FFFFFF"/>
+                  </a:solidFill>
+                </a:uFill>
+                <a:latin typeface="Arial"/>
+              </a:rPr>
+              <a:t>    ru-en</a:t>
+            </a:r>
+          </a:p>
+          <a:p>
+            <a:r>
+              <a:rPr lang="en-GB" sz="2000" b="0" strike="noStrike" spc="-1">
+                <a:solidFill>
+                  <a:srgbClr val="000000"/>
+                </a:solidFill>
+                <a:uFill>
+                  <a:solidFill>
+                    <a:srgbClr val="FFFFFF"/>
+                  </a:solidFill>
+                </a:uFill>
+                <a:latin typeface="Arial"/>
+              </a:rPr>
+              <a:t>    Fr-es</a:t>
+            </a:r>
+          </a:p>
+          <a:p>
+            <a:r>
+              <a:rPr lang="en-GB" sz="2000" b="0" strike="noStrike" spc="-1">
+                <a:solidFill>
+                  <a:srgbClr val="000000"/>
+                </a:solidFill>
+                <a:uFill>
+                  <a:solidFill>
+                    <a:srgbClr val="FFFFFF"/>
+                  </a:solidFill>
+                </a:uFill>
+                <a:latin typeface="Arial"/>
+              </a:rPr>
+              <a:t>    Es-fr</a:t>
+            </a:r>
+          </a:p>
+          <a:p>
+            <a:r>
+              <a:rPr lang="en-GB" sz="2000" b="0" strike="noStrike" spc="-1">
+                <a:solidFill>
+                  <a:srgbClr val="000000"/>
+                </a:solidFill>
+                <a:uFill>
+                  <a:solidFill>
+                    <a:srgbClr val="FFFFFF"/>
+                  </a:solidFill>
+                </a:uFill>
+                <a:latin typeface="Arial"/>
+              </a:rPr>
+              <a:t>Where pb based wins</a:t>
+            </a:r>
+          </a:p>
+          <a:p>
+            <a:endParaRPr lang="en-GB" sz="2000" b="0" strike="noStrike" spc="-1">
+              <a:solidFill>
+                <a:srgbClr val="000000"/>
+              </a:solidFill>
+              <a:uFill>
+                <a:solidFill>
+                  <a:srgbClr val="FFFFFF"/>
+                </a:solidFill>
+              </a:uFill>
+              <a:latin typeface="Arial"/>
+            </a:endParaRPr>
+          </a:p>
+          <a:p>
+            <a:r>
+              <a:rPr lang="en-GB" sz="2000" b="0" strike="noStrike" spc="-1">
+                <a:solidFill>
+                  <a:srgbClr val="000000"/>
+                </a:solidFill>
+                <a:uFill>
+                  <a:solidFill>
+                    <a:srgbClr val="FFFFFF"/>
+                  </a:solidFill>
+                </a:uFill>
+                <a:latin typeface="Arial"/>
+              </a:rPr>
+              <a:t>NMT wins all the rest </a:t>
+            </a:r>
+          </a:p>
+          <a:p>
+            <a:r>
+              <a:rPr lang="en-GB" sz="2000" b="0" strike="noStrike" spc="-1">
+                <a:solidFill>
+                  <a:srgbClr val="000000"/>
+                </a:solidFill>
+                <a:uFill>
+                  <a:solidFill>
+                    <a:srgbClr val="FFFFFF"/>
+                  </a:solidFill>
+                </a:uFill>
+                <a:latin typeface="Arial"/>
+              </a:rPr>
+              <a:t>  - sometime by huge margins</a:t>
+            </a:r>
+          </a:p>
+          <a:p>
+            <a:endParaRPr lang="en-GB" sz="2000" b="0" strike="noStrike" spc="-1">
+              <a:solidFill>
+                <a:srgbClr val="000000"/>
+              </a:solidFill>
+              <a:uFill>
+                <a:solidFill>
+                  <a:srgbClr val="FFFFFF"/>
+                </a:solidFill>
+              </a:uFill>
+              <a:latin typeface="Arial"/>
+            </a:endParaRPr>
+          </a:p>
+        </p:txBody>
+      </p:sp>
+    </p:spTree>
+  </p:cSld>
+  <p:clrMapOvr>
+    <a:masterClrMapping/>
+  </p:clrMapOvr>
+</p:notes>
+</file>
+
+<file path=ppt/notesSlides/notesSlide6.xml><?xml version="1.0" encoding="utf-8"?>
+<p:notes xmlns:a="http://schemas.openxmlformats.org/drawingml/2006/main" xmlns:r="http://schemas.openxmlformats.org/officeDocument/2006/relationships" xmlns:p="http://schemas.openxmlformats.org/presentationml/2006/main">
+  <p:cSld>
+    <p:spTree>
+      <p:nvGrpSpPr>
+        <p:cNvPr id="1" name=""/>
+        <p:cNvGrpSpPr/>
+        <p:nvPr/>
+      </p:nvGrpSpPr>
+      <p:grpSpPr>
+        <a:xfrm>
+          <a:off x="0" y="0"/>
+          <a:ext cx="0" cy="0"/>
+          <a:chOff x="0" y="0"/>
+          <a:chExt cx="0" cy="0"/>
+        </a:xfrm>
+      </p:grpSpPr>
+      <p:sp>
+        <p:nvSpPr>
+          <p:cNvPr id="2" name="Slide Image Placeholder 1"/>
+          <p:cNvSpPr>
+            <a:spLocks noGrp="1" noRot="1" noChangeAspect="1"/>
+          </p:cNvSpPr>
+          <p:nvPr>
+            <p:ph type="sldImg"/>
+          </p:nvPr>
+        </p:nvSpPr>
+        <p:spPr>
+          <a:xfrm>
+            <a:off x="1374775" y="1336675"/>
+            <a:ext cx="4810125" cy="3608388"/>
+          </a:xfrm>
+          <a:prstGeom prst="rect">
+            <a:avLst/>
+          </a:prstGeom>
+          <a:noFill/>
+          <a:ln w="12700">
+            <a:solidFill>
+              <a:prstClr val="black"/>
+            </a:solidFill>
+          </a:ln>
+        </p:spPr>
+      </p:sp>
+      <p:sp>
+        <p:nvSpPr>
+          <p:cNvPr id="3" name="Notes Placeholder 2"/>
+          <p:cNvSpPr>
+            <a:spLocks noGrp="1"/>
+          </p:cNvSpPr>
+          <p:nvPr>
+            <p:ph type="body" idx="1"/>
+          </p:nvPr>
+        </p:nvSpPr>
+        <p:spPr/>
+        <p:txBody>
+          <a:bodyPr/>
+          <a:lstStyle/>
+          <a:p>
+            <a:endParaRPr lang="en-US" dirty="0"/>
+          </a:p>
+        </p:txBody>
+      </p:sp>
+      <p:sp>
+        <p:nvSpPr>
+          <p:cNvPr id="4" name="Slide Number Placeholder 3"/>
+          <p:cNvSpPr>
+            <a:spLocks noGrp="1"/>
+          </p:cNvSpPr>
+          <p:nvPr>
+            <p:ph type="sldNum" idx="10"/>
+          </p:nvPr>
+        </p:nvSpPr>
+        <p:spPr/>
+        <p:txBody>
+          <a:bodyPr/>
+          <a:lstStyle/>
+          <a:p>
+            <a:pPr algn="r"/>
+            <a:fld id="{643E5F58-1531-4090-BA92-D0DBA0679331}" type="slidenum">
+              <a:rPr lang="en-GB" sz="1400" b="0" strike="noStrike" spc="-1" smtClean="0">
+                <a:solidFill>
+                  <a:srgbClr val="000000"/>
+                </a:solidFill>
+                <a:uFill>
+                  <a:solidFill>
+                    <a:srgbClr val="FFFFFF"/>
+                  </a:solidFill>
+                </a:uFill>
+                <a:latin typeface="Times New Roman"/>
+              </a:rPr>
+              <a:t>8</a:t>
             </a:fld>
             <a:endParaRPr lang="en-GB" sz="1400" b="0" strike="noStrike" spc="-1">
               <a:solidFill>
@@ -3276,7 +4118,7 @@
           <a:p>
             <a:pPr algn="ctr"/>
             <a:r>
-              <a:rPr lang="en-GB" sz="3200" b="0" strike="noStrike" spc="-1">
+              <a:rPr lang="en-GB" sz="3200" b="0" strike="noStrike" spc="-1" dirty="0">
                 <a:solidFill>
                   <a:srgbClr val="000000"/>
                 </a:solidFill>
@@ -3293,7 +4135,7 @@
           <a:p>
             <a:pPr algn="ctr"/>
             <a:r>
-              <a:rPr lang="en-GB" sz="3200" b="0" strike="noStrike" spc="-1">
+              <a:rPr lang="en-GB" sz="3200" b="0" strike="noStrike" spc="-1" dirty="0">
                 <a:solidFill>
                   <a:srgbClr val="000000"/>
                 </a:solidFill>
@@ -3317,7 +4159,1022 @@
 </p:sld>
 </file>
 
+<file path=ppt/slides/slide10.xml><?xml version="1.0" encoding="utf-8"?>
+<p:sld xmlns:a="http://schemas.openxmlformats.org/drawingml/2006/main" xmlns:r="http://schemas.openxmlformats.org/officeDocument/2006/relationships" xmlns:p="http://schemas.openxmlformats.org/presentationml/2006/main">
+  <p:cSld>
+    <p:spTree>
+      <p:nvGrpSpPr>
+        <p:cNvPr id="1" name=""/>
+        <p:cNvGrpSpPr/>
+        <p:nvPr/>
+      </p:nvGrpSpPr>
+      <p:grpSpPr>
+        <a:xfrm>
+          <a:off x="0" y="0"/>
+          <a:ext cx="0" cy="0"/>
+          <a:chOff x="0" y="0"/>
+          <a:chExt cx="0" cy="0"/>
+        </a:xfrm>
+      </p:grpSpPr>
+      <p:sp>
+        <p:nvSpPr>
+          <p:cNvPr id="2" name="Title 1"/>
+          <p:cNvSpPr>
+            <a:spLocks noGrp="1"/>
+          </p:cNvSpPr>
+          <p:nvPr>
+            <p:ph type="title"/>
+          </p:nvPr>
+        </p:nvSpPr>
+        <p:spPr/>
+        <p:txBody>
+          <a:bodyPr/>
+          <a:lstStyle/>
+          <a:p>
+            <a:r>
+              <a:rPr lang="en-US" dirty="0"/>
+              <a:t>Low-Resource Languages</a:t>
+            </a:r>
+          </a:p>
+        </p:txBody>
+      </p:sp>
+      <p:sp>
+        <p:nvSpPr>
+          <p:cNvPr id="3" name="Text Placeholder 2"/>
+          <p:cNvSpPr>
+            <a:spLocks noGrp="1"/>
+          </p:cNvSpPr>
+          <p:nvPr>
+            <p:ph type="body"/>
+          </p:nvPr>
+        </p:nvSpPr>
+        <p:spPr/>
+        <p:txBody>
+          <a:bodyPr/>
+          <a:lstStyle/>
+          <a:p>
+            <a:r>
+              <a:rPr lang="en-US" dirty="0" err="1" smtClean="0"/>
+              <a:t>Loreili</a:t>
+            </a:r>
+            <a:r>
+              <a:rPr lang="en-US" dirty="0" smtClean="0"/>
+              <a:t>/Lane Schwartz results</a:t>
+            </a:r>
+            <a:endParaRPr lang="en-US" dirty="0"/>
+          </a:p>
+        </p:txBody>
+      </p:sp>
+    </p:spTree>
+    <p:extLst>
+      <p:ext uri="{BB962C8B-B14F-4D97-AF65-F5344CB8AC3E}">
+        <p14:creationId xmlns:p14="http://schemas.microsoft.com/office/powerpoint/2010/main" val="1319069419"/>
+      </p:ext>
+    </p:extLst>
+  </p:cSld>
+  <p:clrMapOvr>
+    <a:masterClrMapping/>
+  </p:clrMapOvr>
+</p:sld>
+</file>
+
+<file path=ppt/slides/slide11.xml><?xml version="1.0" encoding="utf-8"?>
+<p:sld xmlns:a="http://schemas.openxmlformats.org/drawingml/2006/main" xmlns:r="http://schemas.openxmlformats.org/officeDocument/2006/relationships" xmlns:p="http://schemas.openxmlformats.org/presentationml/2006/main">
+  <p:cSld>
+    <p:spTree>
+      <p:nvGrpSpPr>
+        <p:cNvPr id="1" name=""/>
+        <p:cNvGrpSpPr/>
+        <p:nvPr/>
+      </p:nvGrpSpPr>
+      <p:grpSpPr>
+        <a:xfrm>
+          <a:off x="0" y="0"/>
+          <a:ext cx="0" cy="0"/>
+          <a:chOff x="0" y="0"/>
+          <a:chExt cx="0" cy="0"/>
+        </a:xfrm>
+      </p:grpSpPr>
+      <p:sp>
+        <p:nvSpPr>
+          <p:cNvPr id="2" name="Title 1"/>
+          <p:cNvSpPr>
+            <a:spLocks noGrp="1"/>
+          </p:cNvSpPr>
+          <p:nvPr>
+            <p:ph type="title"/>
+          </p:nvPr>
+        </p:nvSpPr>
+        <p:spPr/>
+        <p:txBody>
+          <a:bodyPr/>
+          <a:lstStyle/>
+          <a:p>
+            <a:r>
+              <a:rPr lang="en-US" dirty="0" smtClean="0"/>
+              <a:t>Out of Domain</a:t>
+            </a:r>
+            <a:endParaRPr lang="en-US" dirty="0"/>
+          </a:p>
+        </p:txBody>
+      </p:sp>
+      <p:sp>
+        <p:nvSpPr>
+          <p:cNvPr id="4" name="TextShape 5"/>
+          <p:cNvSpPr txBox="1"/>
+          <p:nvPr/>
+        </p:nvSpPr>
+        <p:spPr>
+          <a:xfrm>
+            <a:off x="504000" y="1357513"/>
+            <a:ext cx="3456000" cy="411934"/>
+          </a:xfrm>
+          <a:prstGeom prst="rect">
+            <a:avLst/>
+          </a:prstGeom>
+          <a:noFill/>
+          <a:ln>
+            <a:noFill/>
+          </a:ln>
+        </p:spPr>
+        <p:txBody>
+          <a:bodyPr lIns="90000" tIns="45000" rIns="90000" bIns="45000"/>
+          <a:lstStyle/>
+          <a:p>
+            <a:r>
+              <a:rPr lang="en-US" sz="2400" b="1" dirty="0" smtClean="0"/>
+              <a:t>Catalan-Spanish</a:t>
+            </a:r>
+            <a:endParaRPr lang="en-US" sz="2400" b="1" dirty="0"/>
+          </a:p>
+        </p:txBody>
+      </p:sp>
+      <p:graphicFrame>
+        <p:nvGraphicFramePr>
+          <p:cNvPr id="5" name="Table 4"/>
+          <p:cNvGraphicFramePr>
+            <a:graphicFrameLocks noGrp="1"/>
+          </p:cNvGraphicFramePr>
+          <p:nvPr>
+            <p:extLst>
+              <p:ext uri="{D42A27DB-BD31-4B8C-83A1-F6EECF244321}">
+                <p14:modId xmlns:p14="http://schemas.microsoft.com/office/powerpoint/2010/main" val="2134180661"/>
+              </p:ext>
+            </p:extLst>
+          </p:nvPr>
+        </p:nvGraphicFramePr>
+        <p:xfrm>
+          <a:off x="1184158" y="2063413"/>
+          <a:ext cx="6720417" cy="1483360"/>
+        </p:xfrm>
+        <a:graphic>
+          <a:graphicData uri="http://schemas.openxmlformats.org/drawingml/2006/table">
+            <a:tbl>
+              <a:tblPr firstRow="1" bandRow="1">
+                <a:tableStyleId>{5C22544A-7EE6-4342-B048-85BDC9FD1C3A}</a:tableStyleId>
+              </a:tblPr>
+              <a:tblGrid>
+                <a:gridCol w="2240139"/>
+                <a:gridCol w="2240139"/>
+                <a:gridCol w="2240139"/>
+              </a:tblGrid>
+              <a:tr h="370840">
+                <a:tc>
+                  <a:txBody>
+                    <a:bodyPr/>
+                    <a:lstStyle/>
+                    <a:p>
+                      <a:endParaRPr lang="en-US" dirty="0"/>
+                    </a:p>
+                  </a:txBody>
+                  <a:tcPr/>
+                </a:tc>
+                <a:tc>
+                  <a:txBody>
+                    <a:bodyPr/>
+                    <a:lstStyle/>
+                    <a:p>
+                      <a:r>
+                        <a:rPr lang="en-US" dirty="0" smtClean="0"/>
+                        <a:t>In-Domain</a:t>
+                      </a:r>
+                      <a:endParaRPr lang="en-US" dirty="0"/>
+                    </a:p>
+                  </a:txBody>
+                  <a:tcPr/>
+                </a:tc>
+                <a:tc>
+                  <a:txBody>
+                    <a:bodyPr/>
+                    <a:lstStyle/>
+                    <a:p>
+                      <a:r>
+                        <a:rPr lang="en-US" dirty="0" smtClean="0"/>
+                        <a:t>Out-of-Domain</a:t>
+                      </a:r>
+                      <a:endParaRPr lang="en-US" dirty="0"/>
+                    </a:p>
+                  </a:txBody>
+                  <a:tcPr/>
+                </a:tc>
+              </a:tr>
+              <a:tr h="370840">
+                <a:tc>
+                  <a:txBody>
+                    <a:bodyPr/>
+                    <a:lstStyle/>
+                    <a:p>
+                      <a:r>
+                        <a:rPr lang="en-US" dirty="0" smtClean="0"/>
+                        <a:t>Rule-based</a:t>
+                      </a:r>
+                      <a:endParaRPr lang="en-US" dirty="0"/>
+                    </a:p>
+                  </a:txBody>
+                  <a:tcPr/>
+                </a:tc>
+                <a:tc>
+                  <a:txBody>
+                    <a:bodyPr/>
+                    <a:lstStyle/>
+                    <a:p>
+                      <a:r>
+                        <a:rPr lang="en-US" dirty="0" smtClean="0"/>
+                        <a:t>75.20</a:t>
+                      </a:r>
+                      <a:endParaRPr lang="en-US" dirty="0"/>
+                    </a:p>
+                  </a:txBody>
+                  <a:tcPr/>
+                </a:tc>
+                <a:tc>
+                  <a:txBody>
+                    <a:bodyPr/>
+                    <a:lstStyle/>
+                    <a:p>
+                      <a:r>
+                        <a:rPr lang="en-US" dirty="0" smtClean="0"/>
+                        <a:t>50.53</a:t>
+                      </a:r>
+                      <a:endParaRPr lang="en-US" dirty="0"/>
+                    </a:p>
+                  </a:txBody>
+                  <a:tcPr/>
+                </a:tc>
+              </a:tr>
+              <a:tr h="370840">
+                <a:tc>
+                  <a:txBody>
+                    <a:bodyPr/>
+                    <a:lstStyle/>
+                    <a:p>
+                      <a:r>
+                        <a:rPr lang="en-US" dirty="0" smtClean="0"/>
+                        <a:t>Phrase-based</a:t>
+                      </a:r>
+                      <a:endParaRPr lang="en-US" dirty="0"/>
+                    </a:p>
+                  </a:txBody>
+                  <a:tcPr/>
+                </a:tc>
+                <a:tc>
+                  <a:txBody>
+                    <a:bodyPr/>
+                    <a:lstStyle/>
+                    <a:p>
+                      <a:r>
+                        <a:rPr lang="en-US" dirty="0" smtClean="0"/>
+                        <a:t>81.80</a:t>
+                      </a:r>
+                      <a:endParaRPr lang="en-US" dirty="0"/>
+                    </a:p>
+                  </a:txBody>
+                  <a:tcPr/>
+                </a:tc>
+                <a:tc>
+                  <a:txBody>
+                    <a:bodyPr/>
+                    <a:lstStyle/>
+                    <a:p>
+                      <a:r>
+                        <a:rPr lang="en-US" b="1" dirty="0" smtClean="0"/>
+                        <a:t>57.20</a:t>
+                      </a:r>
+                      <a:endParaRPr lang="en-US" b="1" dirty="0"/>
+                    </a:p>
+                  </a:txBody>
+                  <a:tcPr/>
+                </a:tc>
+              </a:tr>
+              <a:tr h="370840">
+                <a:tc>
+                  <a:txBody>
+                    <a:bodyPr/>
+                    <a:lstStyle/>
+                    <a:p>
+                      <a:r>
+                        <a:rPr lang="en-US" dirty="0" smtClean="0"/>
+                        <a:t>Neural</a:t>
+                      </a:r>
+                      <a:endParaRPr lang="en-US" dirty="0"/>
+                    </a:p>
+                  </a:txBody>
+                  <a:tcPr/>
+                </a:tc>
+                <a:tc>
+                  <a:txBody>
+                    <a:bodyPr/>
+                    <a:lstStyle/>
+                    <a:p>
+                      <a:r>
+                        <a:rPr lang="en-US" b="1" dirty="0" smtClean="0"/>
+                        <a:t>83.01</a:t>
+                      </a:r>
+                      <a:endParaRPr lang="en-US" b="1" dirty="0"/>
+                    </a:p>
+                  </a:txBody>
+                  <a:tcPr/>
+                </a:tc>
+                <a:tc>
+                  <a:txBody>
+                    <a:bodyPr/>
+                    <a:lstStyle/>
+                    <a:p>
+                      <a:r>
+                        <a:rPr lang="en-US" dirty="0" smtClean="0"/>
+                        <a:t>52.10</a:t>
+                      </a:r>
+                      <a:endParaRPr lang="en-US" dirty="0"/>
+                    </a:p>
+                  </a:txBody>
+                  <a:tcPr/>
+                </a:tc>
+              </a:tr>
+            </a:tbl>
+          </a:graphicData>
+        </a:graphic>
+      </p:graphicFrame>
+      <p:sp>
+        <p:nvSpPr>
+          <p:cNvPr id="6" name="TextShape 5"/>
+          <p:cNvSpPr txBox="1"/>
+          <p:nvPr/>
+        </p:nvSpPr>
+        <p:spPr>
+          <a:xfrm>
+            <a:off x="5313733" y="3745566"/>
+            <a:ext cx="3456000" cy="602280"/>
+          </a:xfrm>
+          <a:prstGeom prst="rect">
+            <a:avLst/>
+          </a:prstGeom>
+          <a:noFill/>
+          <a:ln>
+            <a:noFill/>
+          </a:ln>
+        </p:spPr>
+        <p:txBody>
+          <a:bodyPr lIns="90000" tIns="45000" rIns="90000" bIns="45000"/>
+          <a:lstStyle/>
+          <a:p>
+            <a:r>
+              <a:rPr lang="en-US" dirty="0" smtClean="0"/>
+              <a:t>(Costa-</a:t>
+            </a:r>
+            <a:r>
+              <a:rPr lang="en-US" dirty="0" err="1" smtClean="0"/>
+              <a:t>jussa</a:t>
+            </a:r>
+            <a:r>
+              <a:rPr lang="en-GB" sz="1800" b="0" strike="noStrike" spc="-1" dirty="0" smtClean="0">
+                <a:solidFill>
+                  <a:srgbClr val="000000"/>
+                </a:solidFill>
+                <a:uFill>
+                  <a:solidFill>
+                    <a:srgbClr val="FFFFFF"/>
+                  </a:solidFill>
+                </a:uFill>
+                <a:latin typeface="Arial"/>
+              </a:rPr>
+              <a:t>, 2017)</a:t>
+            </a:r>
+            <a:endParaRPr lang="en-GB" sz="1800" b="0" strike="noStrike" spc="-1" dirty="0">
+              <a:solidFill>
+                <a:srgbClr val="000000"/>
+              </a:solidFill>
+              <a:uFill>
+                <a:solidFill>
+                  <a:srgbClr val="FFFFFF"/>
+                </a:solidFill>
+              </a:uFill>
+              <a:latin typeface="Arial"/>
+            </a:endParaRPr>
+          </a:p>
+        </p:txBody>
+      </p:sp>
+    </p:spTree>
+    <p:extLst>
+      <p:ext uri="{BB962C8B-B14F-4D97-AF65-F5344CB8AC3E}">
+        <p14:creationId xmlns:p14="http://schemas.microsoft.com/office/powerpoint/2010/main" val="40022982"/>
+      </p:ext>
+    </p:extLst>
+  </p:cSld>
+  <p:clrMapOvr>
+    <a:masterClrMapping/>
+  </p:clrMapOvr>
+  <p:timing>
+    <p:tnLst>
+      <p:par>
+        <p:cTn id="1" dur="indefinite" restart="never" nodeType="tmRoot"/>
+      </p:par>
+    </p:tnLst>
+  </p:timing>
+</p:sld>
+</file>
+
+<file path=ppt/slides/slide12.xml><?xml version="1.0" encoding="utf-8"?>
+<p:sld xmlns:a="http://schemas.openxmlformats.org/drawingml/2006/main" xmlns:r="http://schemas.openxmlformats.org/officeDocument/2006/relationships" xmlns:p="http://schemas.openxmlformats.org/presentationml/2006/main">
+  <p:cSld>
+    <p:spTree>
+      <p:nvGrpSpPr>
+        <p:cNvPr id="1" name=""/>
+        <p:cNvGrpSpPr/>
+        <p:nvPr/>
+      </p:nvGrpSpPr>
+      <p:grpSpPr>
+        <a:xfrm>
+          <a:off x="0" y="0"/>
+          <a:ext cx="0" cy="0"/>
+          <a:chOff x="0" y="0"/>
+          <a:chExt cx="0" cy="0"/>
+        </a:xfrm>
+      </p:grpSpPr>
+      <p:sp>
+        <p:nvSpPr>
+          <p:cNvPr id="2" name="Title 1"/>
+          <p:cNvSpPr>
+            <a:spLocks noGrp="1"/>
+          </p:cNvSpPr>
+          <p:nvPr>
+            <p:ph type="title"/>
+          </p:nvPr>
+        </p:nvSpPr>
+        <p:spPr/>
+        <p:txBody>
+          <a:bodyPr/>
+          <a:lstStyle/>
+          <a:p>
+            <a:r>
+              <a:rPr lang="en-US" dirty="0" smtClean="0"/>
+              <a:t>Speed</a:t>
+            </a:r>
+            <a:endParaRPr lang="en-US" dirty="0"/>
+          </a:p>
+        </p:txBody>
+      </p:sp>
+      <p:graphicFrame>
+        <p:nvGraphicFramePr>
+          <p:cNvPr id="4" name="Table 3"/>
+          <p:cNvGraphicFramePr>
+            <a:graphicFrameLocks noGrp="1"/>
+          </p:cNvGraphicFramePr>
+          <p:nvPr>
+            <p:extLst>
+              <p:ext uri="{D42A27DB-BD31-4B8C-83A1-F6EECF244321}">
+                <p14:modId xmlns:p14="http://schemas.microsoft.com/office/powerpoint/2010/main" val="1729064966"/>
+              </p:ext>
+            </p:extLst>
+          </p:nvPr>
+        </p:nvGraphicFramePr>
+        <p:xfrm>
+          <a:off x="982681" y="1563480"/>
+          <a:ext cx="4480278" cy="1483360"/>
+        </p:xfrm>
+        <a:graphic>
+          <a:graphicData uri="http://schemas.openxmlformats.org/drawingml/2006/table">
+            <a:tbl>
+              <a:tblPr firstRow="1" bandRow="1">
+                <a:tableStyleId>{5C22544A-7EE6-4342-B048-85BDC9FD1C3A}</a:tableStyleId>
+              </a:tblPr>
+              <a:tblGrid>
+                <a:gridCol w="2240139"/>
+                <a:gridCol w="2240139"/>
+              </a:tblGrid>
+              <a:tr h="370840">
+                <a:tc>
+                  <a:txBody>
+                    <a:bodyPr/>
+                    <a:lstStyle/>
+                    <a:p>
+                      <a:endParaRPr lang="en-US" dirty="0"/>
+                    </a:p>
+                  </a:txBody>
+                  <a:tcPr/>
+                </a:tc>
+                <a:tc>
+                  <a:txBody>
+                    <a:bodyPr/>
+                    <a:lstStyle/>
+                    <a:p>
+                      <a:r>
+                        <a:rPr lang="en-US" dirty="0" smtClean="0"/>
+                        <a:t>Words /</a:t>
+                      </a:r>
+                      <a:r>
+                        <a:rPr lang="en-US" baseline="0" dirty="0" smtClean="0"/>
+                        <a:t> sec</a:t>
+                      </a:r>
+                      <a:endParaRPr lang="en-US" dirty="0"/>
+                    </a:p>
+                  </a:txBody>
+                  <a:tcPr/>
+                </a:tc>
+              </a:tr>
+              <a:tr h="370840">
+                <a:tc>
+                  <a:txBody>
+                    <a:bodyPr/>
+                    <a:lstStyle/>
+                    <a:p>
+                      <a:r>
+                        <a:rPr lang="en-US" dirty="0" smtClean="0"/>
+                        <a:t>Moses (16 cores)</a:t>
+                      </a:r>
+                      <a:endParaRPr lang="en-US" dirty="0"/>
+                    </a:p>
+                  </a:txBody>
+                  <a:tcPr/>
+                </a:tc>
+                <a:tc>
+                  <a:txBody>
+                    <a:bodyPr/>
+                    <a:lstStyle/>
+                    <a:p>
+                      <a:r>
+                        <a:rPr lang="en-US" b="0" dirty="0" smtClean="0"/>
+                        <a:t>455.3</a:t>
+                      </a:r>
+                      <a:endParaRPr lang="en-US" b="0" dirty="0"/>
+                    </a:p>
+                  </a:txBody>
+                  <a:tcPr/>
+                </a:tc>
+              </a:tr>
+              <a:tr h="370840">
+                <a:tc>
+                  <a:txBody>
+                    <a:bodyPr/>
+                    <a:lstStyle/>
+                    <a:p>
+                      <a:r>
+                        <a:rPr lang="en-US" dirty="0" err="1" smtClean="0"/>
+                        <a:t>Nematus</a:t>
+                      </a:r>
+                      <a:r>
+                        <a:rPr lang="en-US" baseline="0" dirty="0" smtClean="0"/>
+                        <a:t> (1 GPU)</a:t>
+                      </a:r>
+                      <a:endParaRPr lang="en-US" dirty="0"/>
+                    </a:p>
+                  </a:txBody>
+                  <a:tcPr/>
+                </a:tc>
+                <a:tc>
+                  <a:txBody>
+                    <a:bodyPr/>
+                    <a:lstStyle/>
+                    <a:p>
+                      <a:r>
+                        <a:rPr lang="en-US" b="0" dirty="0" smtClean="0"/>
+                        <a:t>268.4</a:t>
+                      </a:r>
+                      <a:endParaRPr lang="en-US" b="0" dirty="0"/>
+                    </a:p>
+                  </a:txBody>
+                  <a:tcPr/>
+                </a:tc>
+              </a:tr>
+              <a:tr h="370840">
+                <a:tc>
+                  <a:txBody>
+                    <a:bodyPr/>
+                    <a:lstStyle/>
+                    <a:p>
+                      <a:r>
+                        <a:rPr lang="en-US" dirty="0" err="1" smtClean="0"/>
+                        <a:t>AmuNMT</a:t>
+                      </a:r>
+                      <a:r>
+                        <a:rPr lang="en-US" baseline="0" dirty="0" smtClean="0"/>
+                        <a:t> (1 GPU)</a:t>
+                      </a:r>
+                      <a:endParaRPr lang="en-US" dirty="0"/>
+                    </a:p>
+                  </a:txBody>
+                  <a:tcPr/>
+                </a:tc>
+                <a:tc>
+                  <a:txBody>
+                    <a:bodyPr/>
+                    <a:lstStyle/>
+                    <a:p>
+                      <a:r>
+                        <a:rPr lang="en-US" b="1" dirty="0" smtClean="0"/>
+                        <a:t>864.7</a:t>
+                      </a:r>
+                      <a:endParaRPr lang="en-US" b="1" dirty="0"/>
+                    </a:p>
+                  </a:txBody>
+                  <a:tcPr/>
+                </a:tc>
+              </a:tr>
+            </a:tbl>
+          </a:graphicData>
+        </a:graphic>
+      </p:graphicFrame>
+      <p:sp>
+        <p:nvSpPr>
+          <p:cNvPr id="5" name="TextShape 5"/>
+          <p:cNvSpPr txBox="1"/>
+          <p:nvPr/>
+        </p:nvSpPr>
+        <p:spPr>
+          <a:xfrm>
+            <a:off x="5623698" y="1563480"/>
+            <a:ext cx="3456000" cy="602280"/>
+          </a:xfrm>
+          <a:prstGeom prst="rect">
+            <a:avLst/>
+          </a:prstGeom>
+          <a:noFill/>
+          <a:ln>
+            <a:noFill/>
+          </a:ln>
+        </p:spPr>
+        <p:txBody>
+          <a:bodyPr lIns="90000" tIns="45000" rIns="90000" bIns="45000"/>
+          <a:lstStyle/>
+          <a:p>
+            <a:r>
+              <a:rPr lang="en-GB" sz="1800" b="0" strike="noStrike" spc="-1">
+                <a:solidFill>
+                  <a:srgbClr val="000000"/>
+                </a:solidFill>
+                <a:uFill>
+                  <a:solidFill>
+                    <a:srgbClr val="FFFFFF"/>
+                  </a:solidFill>
+                </a:uFill>
+                <a:latin typeface="Arial"/>
+              </a:rPr>
+              <a:t>(</a:t>
+            </a:r>
+            <a:r>
+              <a:rPr lang="en-GB" sz="1800" b="0" strike="noStrike" spc="-1" dirty="0" err="1">
+                <a:solidFill>
+                  <a:srgbClr val="000000"/>
+                </a:solidFill>
+                <a:uFill>
+                  <a:solidFill>
+                    <a:srgbClr val="FFFFFF"/>
+                  </a:solidFill>
+                </a:uFill>
+                <a:latin typeface="Arial"/>
+              </a:rPr>
+              <a:t>Junczys-Dowmunt</a:t>
+            </a:r>
+            <a:r>
+              <a:rPr lang="en-GB" sz="1800" b="0" strike="noStrike" spc="-1" dirty="0">
+                <a:solidFill>
+                  <a:srgbClr val="000000"/>
+                </a:solidFill>
+                <a:uFill>
+                  <a:solidFill>
+                    <a:srgbClr val="FFFFFF"/>
+                  </a:solidFill>
+                </a:uFill>
+                <a:latin typeface="Arial"/>
+              </a:rPr>
+              <a:t> et al, 2014)</a:t>
+            </a:r>
+          </a:p>
+        </p:txBody>
+      </p:sp>
+      <p:sp>
+        <p:nvSpPr>
+          <p:cNvPr id="6" name="TextShape 5"/>
+          <p:cNvSpPr txBox="1"/>
+          <p:nvPr/>
+        </p:nvSpPr>
+        <p:spPr>
+          <a:xfrm>
+            <a:off x="504000" y="3403289"/>
+            <a:ext cx="3456000" cy="411934"/>
+          </a:xfrm>
+          <a:prstGeom prst="rect">
+            <a:avLst/>
+          </a:prstGeom>
+          <a:noFill/>
+          <a:ln>
+            <a:noFill/>
+          </a:ln>
+        </p:spPr>
+        <p:txBody>
+          <a:bodyPr lIns="90000" tIns="45000" rIns="90000" bIns="45000"/>
+          <a:lstStyle/>
+          <a:p>
+            <a:r>
+              <a:rPr lang="en-US" sz="2400" b="1" smtClean="0"/>
+              <a:t>Moses2</a:t>
+            </a:r>
+            <a:endParaRPr lang="en-US" sz="2400" b="1" dirty="0"/>
+          </a:p>
+        </p:txBody>
+      </p:sp>
+    </p:spTree>
+    <p:extLst>
+      <p:ext uri="{BB962C8B-B14F-4D97-AF65-F5344CB8AC3E}">
+        <p14:creationId xmlns:p14="http://schemas.microsoft.com/office/powerpoint/2010/main" val="893149979"/>
+      </p:ext>
+    </p:extLst>
+  </p:cSld>
+  <p:clrMapOvr>
+    <a:masterClrMapping/>
+  </p:clrMapOvr>
+  <p:timing>
+    <p:tnLst>
+      <p:par>
+        <p:cTn id="1" dur="indefinite" restart="never" nodeType="tmRoot"/>
+      </p:par>
+    </p:tnLst>
+  </p:timing>
+</p:sld>
+</file>
+
+<file path=ppt/slides/slide13.xml><?xml version="1.0" encoding="utf-8"?>
+<p:sld xmlns:a="http://schemas.openxmlformats.org/drawingml/2006/main" xmlns:r="http://schemas.openxmlformats.org/officeDocument/2006/relationships" xmlns:p="http://schemas.openxmlformats.org/presentationml/2006/main">
+  <p:cSld>
+    <p:spTree>
+      <p:nvGrpSpPr>
+        <p:cNvPr id="1" name=""/>
+        <p:cNvGrpSpPr/>
+        <p:nvPr/>
+      </p:nvGrpSpPr>
+      <p:grpSpPr>
+        <a:xfrm>
+          <a:off x="0" y="0"/>
+          <a:ext cx="0" cy="0"/>
+          <a:chOff x="0" y="0"/>
+          <a:chExt cx="0" cy="0"/>
+        </a:xfrm>
+      </p:grpSpPr>
+      <p:sp>
+        <p:nvSpPr>
+          <p:cNvPr id="2" name="Title 1"/>
+          <p:cNvSpPr>
+            <a:spLocks noGrp="1"/>
+          </p:cNvSpPr>
+          <p:nvPr>
+            <p:ph type="title"/>
+          </p:nvPr>
+        </p:nvSpPr>
+        <p:spPr/>
+        <p:txBody>
+          <a:bodyPr/>
+          <a:lstStyle/>
+          <a:p>
+            <a:r>
+              <a:rPr lang="en-US" dirty="0" smtClean="0"/>
+              <a:t>Speed / Quality trade-off</a:t>
+            </a:r>
+            <a:endParaRPr lang="en-US" dirty="0"/>
+          </a:p>
+        </p:txBody>
+      </p:sp>
+      <p:sp>
+        <p:nvSpPr>
+          <p:cNvPr id="3" name="Text Placeholder 2"/>
+          <p:cNvSpPr>
+            <a:spLocks noGrp="1"/>
+          </p:cNvSpPr>
+          <p:nvPr>
+            <p:ph type="body"/>
+          </p:nvPr>
+        </p:nvSpPr>
+        <p:spPr/>
+        <p:txBody>
+          <a:bodyPr/>
+          <a:lstStyle/>
+          <a:p>
+            <a:r>
+              <a:rPr lang="en-US" dirty="0" smtClean="0"/>
+              <a:t>Compare</a:t>
+            </a:r>
+          </a:p>
+          <a:p>
+            <a:pPr lvl="1"/>
+            <a:r>
+              <a:rPr lang="en-US" dirty="0" smtClean="0"/>
+              <a:t> Moses/Moses2 with different cube-pruning setting</a:t>
+            </a:r>
+          </a:p>
+          <a:p>
+            <a:pPr lvl="1"/>
+            <a:r>
+              <a:rPr lang="en-US" dirty="0" err="1" smtClean="0"/>
+              <a:t>Amun</a:t>
+            </a:r>
+            <a:r>
+              <a:rPr lang="en-US" dirty="0" smtClean="0"/>
+              <a:t> with different beams</a:t>
+            </a:r>
+            <a:endParaRPr lang="en-US" dirty="0"/>
+          </a:p>
+        </p:txBody>
+      </p:sp>
+    </p:spTree>
+    <p:extLst>
+      <p:ext uri="{BB962C8B-B14F-4D97-AF65-F5344CB8AC3E}">
+        <p14:creationId xmlns:p14="http://schemas.microsoft.com/office/powerpoint/2010/main" val="283848350"/>
+      </p:ext>
+    </p:extLst>
+  </p:cSld>
+  <p:clrMapOvr>
+    <a:masterClrMapping/>
+  </p:clrMapOvr>
+</p:sld>
+</file>
+
 <file path=ppt/slides/slide2.xml><?xml version="1.0" encoding="utf-8"?>
+<p:sld xmlns:a="http://schemas.openxmlformats.org/drawingml/2006/main" xmlns:r="http://schemas.openxmlformats.org/officeDocument/2006/relationships" xmlns:p="http://schemas.openxmlformats.org/presentationml/2006/main">
+  <p:cSld>
+    <p:spTree>
+      <p:nvGrpSpPr>
+        <p:cNvPr id="1" name=""/>
+        <p:cNvGrpSpPr/>
+        <p:nvPr/>
+      </p:nvGrpSpPr>
+      <p:grpSpPr>
+        <a:xfrm>
+          <a:off x="0" y="0"/>
+          <a:ext cx="0" cy="0"/>
+          <a:chOff x="0" y="0"/>
+          <a:chExt cx="0" cy="0"/>
+        </a:xfrm>
+      </p:grpSpPr>
+      <p:sp>
+        <p:nvSpPr>
+          <p:cNvPr id="44" name="TextShape 1"/>
+          <p:cNvSpPr txBox="1"/>
+          <p:nvPr/>
+        </p:nvSpPr>
+        <p:spPr>
+          <a:xfrm>
+            <a:off x="504000" y="301320"/>
+            <a:ext cx="9071640" cy="1262160"/>
+          </a:xfrm>
+          <a:prstGeom prst="rect">
+            <a:avLst/>
+          </a:prstGeom>
+          <a:noFill/>
+          <a:ln>
+            <a:noFill/>
+          </a:ln>
+        </p:spPr>
+        <p:txBody>
+          <a:bodyPr lIns="0" tIns="0" rIns="0" bIns="0" anchor="ctr"/>
+          <a:lstStyle/>
+          <a:p>
+            <a:pPr algn="ctr"/>
+            <a:endParaRPr lang="en-GB" sz="4400" b="0" strike="noStrike" spc="-1">
+              <a:solidFill>
+                <a:srgbClr val="000000"/>
+              </a:solidFill>
+              <a:uFill>
+                <a:solidFill>
+                  <a:srgbClr val="FFFFFF"/>
+                </a:solidFill>
+              </a:uFill>
+              <a:latin typeface="Arial"/>
+            </a:endParaRPr>
+          </a:p>
+        </p:txBody>
+      </p:sp>
+      <p:sp>
+        <p:nvSpPr>
+          <p:cNvPr id="45" name="TextShape 2"/>
+          <p:cNvSpPr txBox="1"/>
+          <p:nvPr/>
+        </p:nvSpPr>
+        <p:spPr>
+          <a:xfrm>
+            <a:off x="504000" y="1769040"/>
+            <a:ext cx="9071640" cy="4384440"/>
+          </a:xfrm>
+          <a:prstGeom prst="rect">
+            <a:avLst/>
+          </a:prstGeom>
+          <a:noFill/>
+          <a:ln>
+            <a:noFill/>
+          </a:ln>
+        </p:spPr>
+        <p:txBody>
+          <a:bodyPr lIns="0" tIns="0" rIns="0" bIns="0" anchor="ctr"/>
+          <a:lstStyle/>
+          <a:p>
+            <a:pPr algn="ctr"/>
+            <a:r>
+              <a:rPr lang="en-GB" sz="3200" b="0" strike="noStrike" spc="-1" dirty="0" smtClean="0">
+                <a:solidFill>
+                  <a:srgbClr val="000000"/>
+                </a:solidFill>
+                <a:uFill>
+                  <a:solidFill>
+                    <a:srgbClr val="FFFFFF"/>
+                  </a:solidFill>
+                </a:uFill>
+                <a:latin typeface="Arial"/>
+              </a:rPr>
+              <a:t>SMT </a:t>
+            </a:r>
+            <a:r>
+              <a:rPr lang="en-GB" sz="3200" b="0" strike="sngStrike" spc="-1" dirty="0" smtClean="0">
+                <a:solidFill>
+                  <a:srgbClr val="000000"/>
+                </a:solidFill>
+                <a:uFill>
+                  <a:solidFill>
+                    <a:srgbClr val="FFFFFF"/>
+                  </a:solidFill>
+                </a:uFill>
+                <a:latin typeface="Arial"/>
+              </a:rPr>
+              <a:t>Moses</a:t>
+            </a:r>
+            <a:r>
+              <a:rPr lang="en-GB" sz="3200" b="0" strike="noStrike" spc="-1" dirty="0" smtClean="0">
+                <a:solidFill>
+                  <a:srgbClr val="000000"/>
+                </a:solidFill>
+                <a:uFill>
+                  <a:solidFill>
+                    <a:srgbClr val="FFFFFF"/>
+                  </a:solidFill>
+                </a:uFill>
+                <a:latin typeface="Arial"/>
+              </a:rPr>
+              <a:t> </a:t>
+            </a:r>
+            <a:r>
+              <a:rPr lang="en-GB" sz="3200" b="0" strike="noStrike" spc="-1" dirty="0">
+                <a:solidFill>
+                  <a:srgbClr val="000000"/>
+                </a:solidFill>
+                <a:uFill>
+                  <a:solidFill>
+                    <a:srgbClr val="FFFFFF"/>
+                  </a:solidFill>
+                </a:uFill>
+                <a:latin typeface="Arial"/>
+              </a:rPr>
+              <a:t>in a Neural MT World</a:t>
+            </a:r>
+          </a:p>
+          <a:p>
+            <a:pPr algn="ctr"/>
+            <a:r>
+              <a:rPr lang="en-GB" sz="3200" b="0" strike="noStrike" spc="-1" dirty="0">
+                <a:solidFill>
+                  <a:srgbClr val="000000"/>
+                </a:solidFill>
+                <a:uFill>
+                  <a:solidFill>
+                    <a:srgbClr val="FFFFFF"/>
+                  </a:solidFill>
+                </a:uFill>
+                <a:latin typeface="Arial"/>
+              </a:rPr>
+              <a:t>Hieu Hoang</a:t>
+            </a:r>
+          </a:p>
+        </p:txBody>
+      </p:sp>
+    </p:spTree>
+    <p:extLst>
+      <p:ext uri="{BB962C8B-B14F-4D97-AF65-F5344CB8AC3E}">
+        <p14:creationId xmlns:p14="http://schemas.microsoft.com/office/powerpoint/2010/main" val="1813775103"/>
+      </p:ext>
+    </p:extLst>
+  </p:cSld>
+  <p:clrMapOvr>
+    <a:masterClrMapping/>
+  </p:clrMapOvr>
+</p:sld>
+</file>
+
+<file path=ppt/slides/slide3.xml><?xml version="1.0" encoding="utf-8"?>
 <p:sld xmlns:a="http://schemas.openxmlformats.org/drawingml/2006/main" xmlns:r="http://schemas.openxmlformats.org/officeDocument/2006/relationships" xmlns:p="http://schemas.openxmlformats.org/presentationml/2006/main">
   <p:cSld>
     <p:spTree>
@@ -3358,7 +5215,21 @@
           <a:lstStyle/>
           <a:p>
             <a:pPr algn="ctr"/>
-            <a:endParaRPr lang="en-GB" sz="4400" b="0" strike="noStrike" spc="-1">
+            <a:r>
+              <a:rPr lang="en-GB" sz="4400" b="0" strike="noStrike" spc="-1" dirty="0" smtClean="0">
+                <a:solidFill>
+                  <a:srgbClr val="000000"/>
+                </a:solidFill>
+                <a:uFill>
+                  <a:solidFill>
+                    <a:srgbClr val="FFFFFF"/>
+                  </a:solidFill>
+                </a:uFill>
+                <a:latin typeface="Arial"/>
+              </a:rPr>
+              <a:t>Why work on SMT?</a:t>
+            </a:r>
+            <a:endParaRPr lang="en-GB" sz="4400" b="0" strike="noStrike" spc="-1" dirty="0">
               <a:solidFill>
                 <a:srgbClr val="000000"/>
               </a:solidFill>
@@ -3395,7 +5266,31 @@
           <a:bodyPr lIns="0" tIns="0" rIns="0" bIns="0"/>
           <a:lstStyle/>
           <a:p>
-            <a:endParaRPr lang="en-GB" sz="3200" b="0" strike="noStrike" spc="-1">
+            <a:pPr marL="457200" indent="-457200">
+              <a:buFont typeface="Arial" charset="0"/>
+              <a:buChar char="•"/>
+            </a:pPr>
+            <a:r>
+              <a:rPr lang="en-GB" sz="3200" spc="-1" dirty="0" smtClean="0">
+                <a:solidFill>
+                  <a:srgbClr val="000000"/>
+                </a:solidFill>
+                <a:uFill>
+                  <a:solidFill>
+                    <a:srgbClr val="FFFFFF"/>
+                  </a:solidFill>
+                </a:uFill>
+                <a:latin typeface="Arial"/>
+              </a:rPr>
+              <a:t>It’s still being used</a:t>
+            </a:r>
+          </a:p>
+          <a:p>
+            <a:pPr marL="457200" indent="-457200">
+              <a:buFont typeface="Arial" charset="0"/>
+              <a:buChar char="•"/>
+            </a:pPr>
+            <a:endParaRPr lang="en-GB" sz="3200" spc="-1" dirty="0" smtClean="0">
               <a:solidFill>
                 <a:srgbClr val="000000"/>
               </a:solidFill>
@@ -3407,6 +5302,123 @@
               <a:latin typeface="Arial"/>
             </a:endParaRPr>
           </a:p>
+          <a:p>
+            <a:pPr marL="457200" indent="-457200">
+              <a:buFont typeface="Arial" charset="0"/>
+              <a:buChar char="•"/>
+            </a:pPr>
+            <a:r>
+              <a:rPr lang="en-GB" sz="3200" b="0" strike="noStrike" spc="-1" dirty="0" smtClean="0">
+                <a:solidFill>
+                  <a:srgbClr val="000000"/>
+                </a:solidFill>
+                <a:uFill>
+                  <a:solidFill>
+                    <a:srgbClr val="FFFFFF"/>
+                  </a:solidFill>
+                </a:uFill>
+                <a:latin typeface="Arial"/>
+              </a:rPr>
+              <a:t>Competitive quality</a:t>
+            </a:r>
+          </a:p>
+          <a:p>
+            <a:pPr marL="914400" lvl="1" indent="-457200">
+              <a:buFont typeface="Arial" charset="0"/>
+              <a:buChar char="•"/>
+            </a:pPr>
+            <a:r>
+              <a:rPr lang="en-GB" sz="3200" spc="-1" dirty="0" smtClean="0">
+                <a:solidFill>
+                  <a:srgbClr val="000000"/>
+                </a:solidFill>
+                <a:uFill>
+                  <a:solidFill>
+                    <a:srgbClr val="FFFFFF"/>
+                  </a:solidFill>
+                </a:uFill>
+                <a:latin typeface="Arial"/>
+              </a:rPr>
+              <a:t>Some language pairs</a:t>
+            </a:r>
+          </a:p>
+          <a:p>
+            <a:pPr marL="914400" lvl="1" indent="-457200">
+              <a:buFont typeface="Arial" charset="0"/>
+              <a:buChar char="•"/>
+            </a:pPr>
+            <a:r>
+              <a:rPr lang="en-GB" sz="3200" b="0" strike="noStrike" spc="-1" dirty="0" smtClean="0">
+                <a:solidFill>
+                  <a:srgbClr val="000000"/>
+                </a:solidFill>
+                <a:uFill>
+                  <a:solidFill>
+                    <a:srgbClr val="FFFFFF"/>
+                  </a:solidFill>
+                </a:uFill>
+                <a:latin typeface="Arial"/>
+              </a:rPr>
+              <a:t>Low resource languages</a:t>
+            </a:r>
+          </a:p>
+          <a:p>
+            <a:pPr marL="914400" lvl="1" indent="-457200">
+              <a:buFont typeface="Arial" charset="0"/>
+              <a:buChar char="•"/>
+            </a:pPr>
+            <a:r>
+              <a:rPr lang="en-GB" sz="3200" spc="-1" dirty="0" smtClean="0">
+                <a:solidFill>
+                  <a:srgbClr val="000000"/>
+                </a:solidFill>
+                <a:uFill>
+                  <a:solidFill>
+                    <a:srgbClr val="FFFFFF"/>
+                  </a:solidFill>
+                </a:uFill>
+                <a:latin typeface="Arial"/>
+              </a:rPr>
+              <a:t>Out-of-domain</a:t>
+            </a:r>
+          </a:p>
+          <a:p>
+            <a:pPr marL="457200" indent="-457200">
+              <a:buFont typeface="Arial" charset="0"/>
+              <a:buChar char="•"/>
+            </a:pPr>
+            <a:endParaRPr lang="en-GB" sz="3200" spc="-1" dirty="0">
+              <a:solidFill>
+                <a:srgbClr val="000000"/>
+              </a:solidFill>
+              <a:uFill>
+                <a:solidFill>
+                  <a:srgbClr val="FFFFFF"/>
+                </a:solidFill>
+              </a:uFill>
+              <a:latin typeface="Arial"/>
+            </a:endParaRPr>
+          </a:p>
+          <a:p>
+            <a:pPr marL="457200" indent="-457200">
+              <a:buFont typeface="Arial" charset="0"/>
+              <a:buChar char="•"/>
+            </a:pPr>
+            <a:r>
+              <a:rPr lang="en-GB" sz="3200" b="0" strike="noStrike" spc="-1" dirty="0" smtClean="0">
+                <a:solidFill>
+                  <a:srgbClr val="000000"/>
+                </a:solidFill>
+                <a:uFill>
+                  <a:solidFill>
+                    <a:srgbClr val="FFFFFF"/>
+                  </a:solidFill>
+                </a:uFill>
+                <a:latin typeface="Arial"/>
+              </a:rPr>
+              <a:t>Translation speed</a:t>
+            </a:r>
+          </a:p>
         </p:txBody>
       </p:sp>
     </p:spTree>
@@ -3417,7 +5429,202 @@
 </p:sld>
 </file>
 
-<file path=ppt/slides/slide3.xml><?xml version="1.0" encoding="utf-8"?>
+<file path=ppt/slides/slide4.xml><?xml version="1.0" encoding="utf-8"?>
+<p:sld xmlns:a="http://schemas.openxmlformats.org/drawingml/2006/main" xmlns:r="http://schemas.openxmlformats.org/officeDocument/2006/relationships" xmlns:p="http://schemas.openxmlformats.org/presentationml/2006/main">
+  <p:cSld>
+    <p:spTree>
+      <p:nvGrpSpPr>
+        <p:cNvPr id="1" name=""/>
+        <p:cNvGrpSpPr/>
+        <p:nvPr/>
+      </p:nvGrpSpPr>
+      <p:grpSpPr>
+        <a:xfrm>
+          <a:off x="0" y="0"/>
+          <a:ext cx="0" cy="0"/>
+          <a:chOff x="0" y="0"/>
+          <a:chExt cx="0" cy="0"/>
+        </a:xfrm>
+      </p:grpSpPr>
+      <p:sp>
+        <p:nvSpPr>
+          <p:cNvPr id="2" name="Title 1"/>
+          <p:cNvSpPr>
+            <a:spLocks noGrp="1"/>
+          </p:cNvSpPr>
+          <p:nvPr>
+            <p:ph type="title"/>
+          </p:nvPr>
+        </p:nvSpPr>
+        <p:spPr/>
+        <p:txBody>
+          <a:bodyPr/>
+          <a:lstStyle/>
+          <a:p>
+            <a:r>
+              <a:rPr lang="en-US" smtClean="0"/>
+              <a:t>It’s still used</a:t>
+            </a:r>
+            <a:endParaRPr lang="en-US"/>
+          </a:p>
+        </p:txBody>
+      </p:sp>
+      <p:sp>
+        <p:nvSpPr>
+          <p:cNvPr id="3" name="Text Placeholder 2"/>
+          <p:cNvSpPr>
+            <a:spLocks noGrp="1"/>
+          </p:cNvSpPr>
+          <p:nvPr>
+            <p:ph type="body"/>
+          </p:nvPr>
+        </p:nvSpPr>
+        <p:spPr>
+          <a:xfrm>
+            <a:off x="504000" y="1350818"/>
+            <a:ext cx="9071640" cy="5527964"/>
+          </a:xfrm>
+        </p:spPr>
+        <p:txBody>
+          <a:bodyPr/>
+          <a:lstStyle/>
+          <a:p>
+            <a:pPr marL="571500" indent="-571500">
+              <a:buFont typeface="Arial" charset="0"/>
+              <a:buChar char="•"/>
+            </a:pPr>
+            <a:r>
+              <a:rPr lang="en-US" dirty="0"/>
+              <a:t>EU, UN, WIPO, </a:t>
+            </a:r>
+            <a:r>
+              <a:rPr lang="en-US" dirty="0" err="1"/>
+              <a:t>AutoDesk</a:t>
+            </a:r>
+            <a:r>
+              <a:rPr lang="en-US" dirty="0"/>
+              <a:t>, Adobe, Amazon, </a:t>
+            </a:r>
+            <a:r>
+              <a:rPr lang="en-US" dirty="0" smtClean="0"/>
+              <a:t>eBay</a:t>
+            </a:r>
+          </a:p>
+          <a:p>
+            <a:pPr marL="285750" lvl="1" indent="-285750">
+              <a:buFont typeface="Arial" charset="0"/>
+              <a:buChar char="•"/>
+            </a:pPr>
+            <a:r>
+              <a:rPr lang="en-US" dirty="0" smtClean="0"/>
+              <a:t>All use Moses</a:t>
+            </a:r>
+          </a:p>
+          <a:p>
+            <a:pPr marL="285750" lvl="1" indent="-285750">
+              <a:buFont typeface="Arial" charset="0"/>
+              <a:buChar char="•"/>
+            </a:pPr>
+            <a:endParaRPr lang="en-US" dirty="0" smtClean="0"/>
+          </a:p>
+          <a:p>
+            <a:pPr marL="571500" indent="-571500">
+              <a:buFont typeface="Arial" charset="0"/>
+              <a:buChar char="•"/>
+            </a:pPr>
+            <a:r>
+              <a:rPr lang="en-US" dirty="0" smtClean="0"/>
+              <a:t>Google</a:t>
+            </a:r>
+          </a:p>
+          <a:p>
+            <a:pPr marL="285750" lvl="1" indent="-285750">
+              <a:buFont typeface="Arial" charset="0"/>
+              <a:buChar char="•"/>
+            </a:pPr>
+            <a:r>
+              <a:rPr lang="en-US" dirty="0" smtClean="0"/>
+              <a:t>20 language pairs uses NMT</a:t>
+            </a:r>
+          </a:p>
+          <a:p>
+            <a:pPr marL="285750" lvl="1" indent="-285750">
+              <a:buFont typeface="Arial" charset="0"/>
+              <a:buChar char="•"/>
+            </a:pPr>
+            <a:r>
+              <a:rPr lang="en-US" dirty="0" smtClean="0"/>
+              <a:t>83 more to go!</a:t>
+            </a:r>
+          </a:p>
+          <a:p>
+            <a:pPr marL="285750" lvl="1" indent="-285750">
+              <a:buFont typeface="Arial" charset="0"/>
+              <a:buChar char="•"/>
+            </a:pPr>
+            <a:endParaRPr lang="en-US" dirty="0"/>
+          </a:p>
+          <a:p>
+            <a:pPr marL="571500" indent="-571500">
+              <a:buFont typeface="Arial" charset="0"/>
+              <a:buChar char="•"/>
+            </a:pPr>
+            <a:r>
+              <a:rPr lang="en-US" dirty="0" smtClean="0"/>
+              <a:t>Bing</a:t>
+            </a:r>
+          </a:p>
+          <a:p>
+            <a:pPr marL="285750" lvl="1" indent="-285750">
+              <a:buFont typeface="Arial" charset="0"/>
+              <a:buChar char="•"/>
+            </a:pPr>
+            <a:r>
+              <a:rPr lang="en-US" dirty="0" smtClean="0"/>
+              <a:t>11 </a:t>
+            </a:r>
+            <a:r>
+              <a:rPr lang="en-US" dirty="0"/>
+              <a:t>language pairs uses NMT</a:t>
+            </a:r>
+          </a:p>
+          <a:p>
+            <a:pPr marL="285750" lvl="1" indent="-285750">
+              <a:buFont typeface="Arial" charset="0"/>
+              <a:buChar char="•"/>
+            </a:pPr>
+            <a:r>
+              <a:rPr lang="en-US" dirty="0" smtClean="0"/>
+              <a:t>51 </a:t>
+            </a:r>
+            <a:r>
+              <a:rPr lang="en-US" dirty="0"/>
+              <a:t>more to go!</a:t>
+            </a:r>
+          </a:p>
+          <a:p>
+            <a:pPr marL="285750" lvl="1" indent="-285750">
+              <a:buFont typeface="Arial" charset="0"/>
+              <a:buChar char="•"/>
+            </a:pPr>
+            <a:endParaRPr lang="en-US" dirty="0"/>
+          </a:p>
+        </p:txBody>
+      </p:sp>
+    </p:spTree>
+    <p:extLst>
+      <p:ext uri="{BB962C8B-B14F-4D97-AF65-F5344CB8AC3E}">
+        <p14:creationId xmlns:p14="http://schemas.microsoft.com/office/powerpoint/2010/main" val="926630160"/>
+      </p:ext>
+    </p:extLst>
+  </p:cSld>
+  <p:clrMapOvr>
+    <a:masterClrMapping/>
+  </p:clrMapOvr>
+</p:sld>
+</file>
+
+<file path=ppt/slides/slide5.xml><?xml version="1.0" encoding="utf-8"?>
 <p:sld xmlns:a="http://schemas.openxmlformats.org/drawingml/2006/main" xmlns:r="http://schemas.openxmlformats.org/officeDocument/2006/relationships" xmlns:p="http://schemas.openxmlformats.org/presentationml/2006/main">
   <p:cSld>
     <p:spTree>
@@ -8719,7 +10926,7 @@
 </p:sld>
 </file>
 
-<file path=ppt/slides/slide4.xml><?xml version="1.0" encoding="utf-8"?>
+<file path=ppt/slides/slide6.xml><?xml version="1.0" encoding="utf-8"?>
 <p:sld xmlns:a="http://schemas.openxmlformats.org/drawingml/2006/main" xmlns:r="http://schemas.openxmlformats.org/officeDocument/2006/relationships" xmlns:p="http://schemas.openxmlformats.org/presentationml/2006/main">
   <p:cSld>
     <p:spTree>
@@ -9045,7 +11252,7 @@
 </p:sld>
 </file>
 
-<file path=ppt/slides/slide5.xml><?xml version="1.0" encoding="utf-8"?>
+<file path=ppt/slides/slide7.xml><?xml version="1.0" encoding="utf-8"?>
 <p:sld xmlns:a="http://schemas.openxmlformats.org/drawingml/2006/main" xmlns:r="http://schemas.openxmlformats.org/officeDocument/2006/relationships" xmlns:p="http://schemas.openxmlformats.org/presentationml/2006/main">
   <p:cSld>
     <p:spTree>
@@ -10445,15 +12652,7 @@
             </a:r>
             <a:r>
               <a:rPr lang="en-US" dirty="0" smtClean="0"/>
-              <a:t>, </a:t>
-            </a:r>
-            <a:r>
-              <a:rPr lang="en-US" dirty="0" smtClean="0"/>
-              <a:t>MTMA  </a:t>
-            </a:r>
-            <a:r>
-              <a:rPr lang="en-US" dirty="0" smtClean="0"/>
-              <a:t>2016)</a:t>
+              <a:t>, MTMA  2016)</a:t>
             </a:r>
             <a:endParaRPr lang="en-US" dirty="0"/>
           </a:p>
@@ -10463,1495 +12662,6 @@
     <p:extLst>
       <p:ext uri="{BB962C8B-B14F-4D97-AF65-F5344CB8AC3E}">
         <p14:creationId xmlns:p14="http://schemas.microsoft.com/office/powerpoint/2010/main" val="254157202"/>
-      </p:ext>
-    </p:extLst>
-  </p:cSld>
-  <p:clrMapOvr>
-    <a:masterClrMapping/>
-  </p:clrMapOvr>
-  <p:timing>
-    <p:tnLst>
-      <p:par>
-        <p:cTn id="1" dur="indefinite" restart="never" nodeType="tmRoot"/>
-      </p:par>
-    </p:tnLst>
-  </p:timing>
-</p:sld>
-</file>
-
-<file path=ppt/slides/slide6.xml><?xml version="1.0" encoding="utf-8"?>
-<p:sld xmlns:a="http://schemas.openxmlformats.org/drawingml/2006/main" xmlns:r="http://schemas.openxmlformats.org/officeDocument/2006/relationships" xmlns:p="http://schemas.openxmlformats.org/presentationml/2006/main">
-  <p:cSld>
-    <p:spTree>
-      <p:nvGrpSpPr>
-        <p:cNvPr id="1" name=""/>
-        <p:cNvGrpSpPr/>
-        <p:nvPr/>
-      </p:nvGrpSpPr>
-      <p:grpSpPr>
-        <a:xfrm>
-          <a:off x="0" y="0"/>
-          <a:ext cx="0" cy="0"/>
-          <a:chOff x="0" y="0"/>
-          <a:chExt cx="0" cy="0"/>
-        </a:xfrm>
-      </p:grpSpPr>
-      <p:sp>
-        <p:nvSpPr>
-          <p:cNvPr id="2" name="Title 1"/>
-          <p:cNvSpPr>
-            <a:spLocks noGrp="1"/>
-          </p:cNvSpPr>
-          <p:nvPr>
-            <p:ph type="title"/>
-          </p:nvPr>
-        </p:nvSpPr>
-        <p:spPr/>
-        <p:txBody>
-          <a:bodyPr/>
-          <a:lstStyle/>
-          <a:p>
-            <a:r>
-              <a:rPr lang="en-US" dirty="0" smtClean="0"/>
-              <a:t>Phrase-based v. Hierarchical SMT</a:t>
-            </a:r>
-            <a:endParaRPr lang="en-US" dirty="0"/>
-          </a:p>
-        </p:txBody>
-      </p:sp>
-      <p:graphicFrame>
-        <p:nvGraphicFramePr>
-          <p:cNvPr id="6" name="Table 5"/>
-          <p:cNvGraphicFramePr>
-            <a:graphicFrameLocks noGrp="1"/>
-          </p:cNvGraphicFramePr>
-          <p:nvPr>
-            <p:extLst>
-              <p:ext uri="{D42A27DB-BD31-4B8C-83A1-F6EECF244321}">
-                <p14:modId xmlns:p14="http://schemas.microsoft.com/office/powerpoint/2010/main" val="889369606"/>
-              </p:ext>
-            </p:extLst>
-          </p:nvPr>
-        </p:nvGraphicFramePr>
-        <p:xfrm>
-          <a:off x="1295234" y="1921314"/>
-          <a:ext cx="4480278" cy="1483360"/>
-        </p:xfrm>
-        <a:graphic>
-          <a:graphicData uri="http://schemas.openxmlformats.org/drawingml/2006/table">
-            <a:tbl>
-              <a:tblPr firstRow="1" bandRow="1">
-                <a:tableStyleId>{5C22544A-7EE6-4342-B048-85BDC9FD1C3A}</a:tableStyleId>
-              </a:tblPr>
-              <a:tblGrid>
-                <a:gridCol w="2240139"/>
-                <a:gridCol w="2240139"/>
-              </a:tblGrid>
-              <a:tr h="370840">
-                <a:tc>
-                  <a:txBody>
-                    <a:bodyPr/>
-                    <a:lstStyle/>
-                    <a:p>
-                      <a:endParaRPr lang="en-US" dirty="0"/>
-                    </a:p>
-                  </a:txBody>
-                  <a:tcPr/>
-                </a:tc>
-                <a:tc>
-                  <a:txBody>
-                    <a:bodyPr/>
-                    <a:lstStyle/>
-                    <a:p>
-                      <a:r>
-                        <a:rPr lang="en-US" dirty="0" smtClean="0"/>
-                        <a:t>BLEU</a:t>
-                      </a:r>
-                      <a:endParaRPr lang="en-US" dirty="0"/>
-                    </a:p>
-                  </a:txBody>
-                  <a:tcPr/>
-                </a:tc>
-              </a:tr>
-              <a:tr h="370840">
-                <a:tc>
-                  <a:txBody>
-                    <a:bodyPr/>
-                    <a:lstStyle/>
-                    <a:p>
-                      <a:r>
-                        <a:rPr lang="en-US" dirty="0" smtClean="0"/>
-                        <a:t>PB</a:t>
-                      </a:r>
-                      <a:endParaRPr lang="en-US" dirty="0"/>
-                    </a:p>
-                  </a:txBody>
-                  <a:tcPr/>
-                </a:tc>
-                <a:tc>
-                  <a:txBody>
-                    <a:bodyPr/>
-                    <a:lstStyle/>
-                    <a:p>
-                      <a:r>
-                        <a:rPr lang="en-US" dirty="0" smtClean="0"/>
-                        <a:t>29.8</a:t>
-                      </a:r>
-                      <a:endParaRPr lang="en-US" dirty="0"/>
-                    </a:p>
-                  </a:txBody>
-                  <a:tcPr/>
-                </a:tc>
-              </a:tr>
-              <a:tr h="370840">
-                <a:tc>
-                  <a:txBody>
-                    <a:bodyPr/>
-                    <a:lstStyle/>
-                    <a:p>
-                      <a:r>
-                        <a:rPr lang="en-US" dirty="0" smtClean="0"/>
-                        <a:t>Hierarchical</a:t>
-                      </a:r>
-                      <a:endParaRPr lang="en-US" dirty="0"/>
-                    </a:p>
-                  </a:txBody>
-                  <a:tcPr/>
-                </a:tc>
-                <a:tc>
-                  <a:txBody>
-                    <a:bodyPr/>
-                    <a:lstStyle/>
-                    <a:p>
-                      <a:r>
-                        <a:rPr lang="en-US" b="1" dirty="0" smtClean="0"/>
-                        <a:t>32.56</a:t>
-                      </a:r>
-                      <a:endParaRPr lang="en-US" b="1" dirty="0"/>
-                    </a:p>
-                  </a:txBody>
-                  <a:tcPr/>
-                </a:tc>
-              </a:tr>
-              <a:tr h="370840">
-                <a:tc>
-                  <a:txBody>
-                    <a:bodyPr/>
-                    <a:lstStyle/>
-                    <a:p>
-                      <a:r>
-                        <a:rPr lang="en-US" dirty="0" smtClean="0"/>
-                        <a:t>NMT (LSTM)</a:t>
-                      </a:r>
-                      <a:endParaRPr lang="en-US" dirty="0"/>
-                    </a:p>
-                  </a:txBody>
-                  <a:tcPr/>
-                </a:tc>
-                <a:tc>
-                  <a:txBody>
-                    <a:bodyPr/>
-                    <a:lstStyle/>
-                    <a:p>
-                      <a:r>
-                        <a:rPr lang="en-US" b="0" dirty="0" smtClean="0"/>
-                        <a:t>32.19</a:t>
-                      </a:r>
-                      <a:endParaRPr lang="en-US" b="0" dirty="0"/>
-                    </a:p>
-                  </a:txBody>
-                  <a:tcPr/>
-                </a:tc>
-              </a:tr>
-            </a:tbl>
-          </a:graphicData>
-        </a:graphic>
-      </p:graphicFrame>
-      <p:sp>
-        <p:nvSpPr>
-          <p:cNvPr id="7" name="TextShape 5"/>
-          <p:cNvSpPr txBox="1"/>
-          <p:nvPr/>
-        </p:nvSpPr>
-        <p:spPr>
-          <a:xfrm>
-            <a:off x="504000" y="1357513"/>
-            <a:ext cx="3456000" cy="411934"/>
-          </a:xfrm>
-          <a:prstGeom prst="rect">
-            <a:avLst/>
-          </a:prstGeom>
-          <a:noFill/>
-          <a:ln>
-            <a:noFill/>
-          </a:ln>
-        </p:spPr>
-        <p:txBody>
-          <a:bodyPr lIns="90000" tIns="45000" rIns="90000" bIns="45000"/>
-          <a:lstStyle/>
-          <a:p>
-            <a:r>
-              <a:rPr lang="en-US" sz="2400" b="1" dirty="0" err="1" smtClean="0"/>
-              <a:t>en-jp</a:t>
-            </a:r>
-            <a:endParaRPr lang="en-US" sz="2400" b="1" dirty="0"/>
-          </a:p>
-        </p:txBody>
-      </p:sp>
-      <p:sp>
-        <p:nvSpPr>
-          <p:cNvPr id="8" name="TextShape 5"/>
-          <p:cNvSpPr txBox="1"/>
-          <p:nvPr/>
-        </p:nvSpPr>
-        <p:spPr>
-          <a:xfrm>
-            <a:off x="5902668" y="1921314"/>
-            <a:ext cx="3456000" cy="602280"/>
-          </a:xfrm>
-          <a:prstGeom prst="rect">
-            <a:avLst/>
-          </a:prstGeom>
-          <a:noFill/>
-          <a:ln>
-            <a:noFill/>
-          </a:ln>
-        </p:spPr>
-        <p:txBody>
-          <a:bodyPr lIns="90000" tIns="45000" rIns="90000" bIns="45000"/>
-          <a:lstStyle/>
-          <a:p>
-            <a:r>
-              <a:rPr lang="en-US" dirty="0" smtClean="0"/>
-              <a:t>(Zhu, 2015)</a:t>
-            </a:r>
-            <a:endParaRPr lang="en-US" dirty="0"/>
-          </a:p>
-        </p:txBody>
-      </p:sp>
-      <p:graphicFrame>
-        <p:nvGraphicFramePr>
-          <p:cNvPr id="9" name="Table 2"/>
-          <p:cNvGraphicFramePr/>
-          <p:nvPr>
-            <p:extLst>
-              <p:ext uri="{D42A27DB-BD31-4B8C-83A1-F6EECF244321}">
-                <p14:modId xmlns:p14="http://schemas.microsoft.com/office/powerpoint/2010/main" val="809737181"/>
-              </p:ext>
-            </p:extLst>
-          </p:nvPr>
-        </p:nvGraphicFramePr>
-        <p:xfrm>
-          <a:off x="1377386" y="4457509"/>
-          <a:ext cx="4315974" cy="1463040"/>
-        </p:xfrm>
-        <a:graphic>
-          <a:graphicData uri="http://schemas.openxmlformats.org/drawingml/2006/table">
-            <a:tbl>
-              <a:tblPr/>
-              <a:tblGrid>
-                <a:gridCol w="1438658"/>
-                <a:gridCol w="1438658"/>
-                <a:gridCol w="1438658"/>
-              </a:tblGrid>
-              <a:tr h="343440">
-                <a:tc>
-                  <a:txBody>
-                    <a:bodyPr/>
-                    <a:lstStyle/>
-                    <a:p>
-                      <a:endParaRPr lang="en-US"/>
-                    </a:p>
-                  </a:txBody>
-                  <a:tcPr marL="90000" marR="90000">
-                    <a:lnL w="720">
-                      <a:solidFill>
-                        <a:srgbClr val="FFFFFF"/>
-                      </a:solidFill>
-                    </a:lnL>
-                    <a:lnR w="720">
-                      <a:solidFill>
-                        <a:srgbClr val="FFFFFF"/>
-                      </a:solidFill>
-                    </a:lnR>
-                    <a:lnT w="720">
-                      <a:solidFill>
-                        <a:srgbClr val="FFFFFF"/>
-                      </a:solidFill>
-                    </a:lnT>
-                    <a:lnB w="720">
-                      <a:solidFill>
-                        <a:srgbClr val="FFFFFF"/>
-                      </a:solidFill>
-                    </a:lnB>
-                    <a:solidFill>
-                      <a:srgbClr val="B3B3B3"/>
-                    </a:solidFill>
-                  </a:tcPr>
-                </a:tc>
-                <a:tc>
-                  <a:txBody>
-                    <a:bodyPr/>
-                    <a:lstStyle/>
-                    <a:p>
-                      <a:r>
-                        <a:rPr lang="en-GB" sz="1800" b="0" strike="noStrike" spc="-1" dirty="0" err="1" smtClean="0">
-                          <a:solidFill>
-                            <a:srgbClr val="000000"/>
-                          </a:solidFill>
-                          <a:uFill>
-                            <a:solidFill>
-                              <a:srgbClr val="FFFFFF"/>
-                            </a:solidFill>
-                          </a:uFill>
-                          <a:latin typeface="Arial"/>
-                        </a:rPr>
-                        <a:t>zh-en</a:t>
-                      </a:r>
-                      <a:endParaRPr lang="en-GB" sz="1800" b="0" strike="noStrike" spc="-1" dirty="0">
-                        <a:solidFill>
-                          <a:srgbClr val="000000"/>
-                        </a:solidFill>
-                        <a:uFill>
-                          <a:solidFill>
-                            <a:srgbClr val="FFFFFF"/>
-                          </a:solidFill>
-                        </a:uFill>
-                        <a:latin typeface="Arial"/>
-                      </a:endParaRPr>
-                    </a:p>
-                  </a:txBody>
-                  <a:tcPr marL="90000" marR="90000">
-                    <a:lnL w="720" cap="flat" cmpd="sng" algn="ctr">
-                      <a:solidFill>
-                        <a:srgbClr val="FFFFFF"/>
-                      </a:solidFill>
-                      <a:prstDash val="solid"/>
-                      <a:round/>
-                      <a:headEnd type="none" w="med" len="med"/>
-                      <a:tailEnd type="none" w="med" len="med"/>
-                    </a:lnL>
-                    <a:lnR w="720">
-                      <a:solidFill>
-                        <a:srgbClr val="FFFFFF"/>
-                      </a:solidFill>
-                    </a:lnR>
-                    <a:lnT w="720">
-                      <a:solidFill>
-                        <a:srgbClr val="FFFFFF"/>
-                      </a:solidFill>
-                    </a:lnT>
-                    <a:lnB w="720" cap="flat" cmpd="sng" algn="ctr">
-                      <a:solidFill>
-                        <a:srgbClr val="FFFFFF"/>
-                      </a:solidFill>
-                      <a:prstDash val="solid"/>
-                      <a:round/>
-                      <a:headEnd type="none" w="med" len="med"/>
-                      <a:tailEnd type="none" w="med" len="med"/>
-                    </a:lnB>
-                    <a:solidFill>
-                      <a:srgbClr val="B3B3B3"/>
-                    </a:solidFill>
-                  </a:tcPr>
-                </a:tc>
-                <a:tc>
-                  <a:txBody>
-                    <a:bodyPr/>
-                    <a:lstStyle/>
-                    <a:p>
-                      <a:r>
-                        <a:rPr lang="en-GB" sz="1800" b="0" strike="noStrike" spc="-1" dirty="0" err="1">
-                          <a:solidFill>
-                            <a:srgbClr val="000000"/>
-                          </a:solidFill>
-                          <a:uFill>
-                            <a:solidFill>
-                              <a:srgbClr val="FFFFFF"/>
-                            </a:solidFill>
-                          </a:uFill>
-                          <a:latin typeface="Arial"/>
-                        </a:rPr>
-                        <a:t>en-zh</a:t>
-                      </a:r>
-                      <a:endParaRPr lang="en-GB" sz="1800" b="0" strike="noStrike" spc="-1" dirty="0">
-                        <a:solidFill>
-                          <a:srgbClr val="000000"/>
-                        </a:solidFill>
-                        <a:uFill>
-                          <a:solidFill>
-                            <a:srgbClr val="FFFFFF"/>
-                          </a:solidFill>
-                        </a:uFill>
-                        <a:latin typeface="Arial"/>
-                      </a:endParaRPr>
-                    </a:p>
-                  </a:txBody>
-                  <a:tcPr marL="90000" marR="90000">
-                    <a:lnL w="720">
-                      <a:solidFill>
-                        <a:srgbClr val="FFFFFF"/>
-                      </a:solidFill>
-                    </a:lnL>
-                    <a:lnR w="720">
-                      <a:solidFill>
-                        <a:srgbClr val="FFFFFF"/>
-                      </a:solidFill>
-                    </a:lnR>
-                    <a:lnT w="720">
-                      <a:solidFill>
-                        <a:srgbClr val="FFFFFF"/>
-                      </a:solidFill>
-                    </a:lnT>
-                    <a:lnB w="720">
-                      <a:solidFill>
-                        <a:srgbClr val="FFFFFF"/>
-                      </a:solidFill>
-                    </a:lnB>
-                    <a:solidFill>
-                      <a:srgbClr val="B3B3B3"/>
-                    </a:solidFill>
-                  </a:tcPr>
-                </a:tc>
-              </a:tr>
-              <a:tr h="0">
-                <a:tc>
-                  <a:txBody>
-                    <a:bodyPr/>
-                    <a:lstStyle/>
-                    <a:p>
-                      <a:r>
-                        <a:rPr lang="en-GB" sz="1800" b="0" strike="noStrike" spc="-1" dirty="0" err="1">
-                          <a:solidFill>
-                            <a:srgbClr val="000000"/>
-                          </a:solidFill>
-                          <a:uFill>
-                            <a:solidFill>
-                              <a:srgbClr val="FFFFFF"/>
-                            </a:solidFill>
-                          </a:uFill>
-                          <a:latin typeface="Arial"/>
-                        </a:rPr>
-                        <a:t>pb</a:t>
-                      </a:r>
-                      <a:endParaRPr lang="en-GB" sz="1800" b="0" strike="noStrike" spc="-1" dirty="0">
-                        <a:solidFill>
-                          <a:srgbClr val="000000"/>
-                        </a:solidFill>
-                        <a:uFill>
-                          <a:solidFill>
-                            <a:srgbClr val="FFFFFF"/>
-                          </a:solidFill>
-                        </a:uFill>
-                        <a:latin typeface="Arial"/>
-                      </a:endParaRPr>
-                    </a:p>
-                  </a:txBody>
-                  <a:tcPr marL="90000" marR="90000">
-                    <a:lnL w="720">
-                      <a:solidFill>
-                        <a:srgbClr val="FFFFFF"/>
-                      </a:solidFill>
-                    </a:lnL>
-                    <a:lnR w="720">
-                      <a:solidFill>
-                        <a:srgbClr val="FFFFFF"/>
-                      </a:solidFill>
-                    </a:lnR>
-                    <a:lnT w="720">
-                      <a:solidFill>
-                        <a:srgbClr val="FFFFFF"/>
-                      </a:solidFill>
-                    </a:lnT>
-                    <a:lnB w="720">
-                      <a:solidFill>
-                        <a:srgbClr val="FFFFFF"/>
-                      </a:solidFill>
-                    </a:lnB>
-                    <a:solidFill>
-                      <a:srgbClr val="CCCCCC"/>
-                    </a:solidFill>
-                  </a:tcPr>
-                </a:tc>
-                <a:tc>
-                  <a:txBody>
-                    <a:bodyPr/>
-                    <a:lstStyle/>
-                    <a:p>
-                      <a:pPr marL="0" algn="l" defTabSz="914400" rtl="0" eaLnBrk="1" latinLnBrk="0" hangingPunct="1"/>
-                      <a:r>
-                        <a:rPr lang="en-GB" sz="1800" b="0" strike="noStrike" spc="-1" dirty="0" smtClean="0">
-                          <a:solidFill>
-                            <a:srgbClr val="000000"/>
-                          </a:solidFill>
-                          <a:uFill>
-                            <a:solidFill>
-                              <a:srgbClr val="FFFFFF"/>
-                            </a:solidFill>
-                          </a:uFill>
-                          <a:latin typeface="Arial"/>
-                        </a:rPr>
-                        <a:t>43.0</a:t>
-                      </a:r>
-                      <a:endParaRPr lang="en-GB" sz="1800" b="0" strike="noStrike" spc="-1" dirty="0">
-                        <a:solidFill>
-                          <a:srgbClr val="000000"/>
-                        </a:solidFill>
-                        <a:uFill>
-                          <a:solidFill>
-                            <a:srgbClr val="FFFFFF"/>
-                          </a:solidFill>
-                        </a:uFill>
-                        <a:latin typeface="Arial"/>
-                      </a:endParaRPr>
-                    </a:p>
-                  </a:txBody>
-                  <a:tcPr marL="90000" marR="90000">
-                    <a:lnL w="720" cap="flat" cmpd="sng" algn="ctr">
-                      <a:solidFill>
-                        <a:srgbClr val="FFFFFF"/>
-                      </a:solidFill>
-                      <a:prstDash val="solid"/>
-                      <a:round/>
-                      <a:headEnd type="none" w="med" len="med"/>
-                      <a:tailEnd type="none" w="med" len="med"/>
-                    </a:lnL>
-                    <a:lnR w="720">
-                      <a:solidFill>
-                        <a:srgbClr val="FFFFFF"/>
-                      </a:solidFill>
-                    </a:lnR>
-                    <a:lnT w="720" cap="flat" cmpd="sng" algn="ctr">
-                      <a:solidFill>
-                        <a:srgbClr val="FFFFFF"/>
-                      </a:solidFill>
-                      <a:prstDash val="solid"/>
-                      <a:round/>
-                      <a:headEnd type="none" w="med" len="med"/>
-                      <a:tailEnd type="none" w="med" len="med"/>
-                    </a:lnT>
-                    <a:lnB w="720" cap="flat" cmpd="sng" algn="ctr">
-                      <a:solidFill>
-                        <a:srgbClr val="FFFFFF"/>
-                      </a:solidFill>
-                      <a:prstDash val="solid"/>
-                      <a:round/>
-                      <a:headEnd type="none" w="med" len="med"/>
-                      <a:tailEnd type="none" w="med" len="med"/>
-                    </a:lnB>
-                    <a:solidFill>
-                      <a:srgbClr val="CCCCCC"/>
-                    </a:solidFill>
-                  </a:tcPr>
-                </a:tc>
-                <a:tc>
-                  <a:txBody>
-                    <a:bodyPr/>
-                    <a:lstStyle/>
-                    <a:p>
-                      <a:pPr algn="r"/>
-                      <a:r>
-                        <a:rPr lang="en-GB" sz="1800" b="0" strike="noStrike" spc="-1">
-                          <a:solidFill>
-                            <a:srgbClr val="000000"/>
-                          </a:solidFill>
-                          <a:uFill>
-                            <a:solidFill>
-                              <a:srgbClr val="FFFFFF"/>
-                            </a:solidFill>
-                          </a:uFill>
-                          <a:latin typeface="Arial"/>
-                        </a:rPr>
-                        <a:t>37.84</a:t>
-                      </a:r>
-                    </a:p>
-                  </a:txBody>
-                  <a:tcPr marL="90000" marR="90000">
-                    <a:lnL w="720">
-                      <a:solidFill>
-                        <a:srgbClr val="FFFFFF"/>
-                      </a:solidFill>
-                    </a:lnL>
-                    <a:lnR w="720">
-                      <a:solidFill>
-                        <a:srgbClr val="FFFFFF"/>
-                      </a:solidFill>
-                    </a:lnR>
-                    <a:lnT w="720">
-                      <a:solidFill>
-                        <a:srgbClr val="FFFFFF"/>
-                      </a:solidFill>
-                    </a:lnT>
-                    <a:lnB w="720">
-                      <a:solidFill>
-                        <a:srgbClr val="FFFFFF"/>
-                      </a:solidFill>
-                    </a:lnB>
-                    <a:solidFill>
-                      <a:srgbClr val="CCCCCC"/>
-                    </a:solidFill>
-                  </a:tcPr>
-                </a:tc>
-              </a:tr>
-              <a:tr h="0">
-                <a:tc>
-                  <a:txBody>
-                    <a:bodyPr/>
-                    <a:lstStyle/>
-                    <a:p>
-                      <a:r>
-                        <a:rPr lang="en-GB" sz="1800" b="0" strike="noStrike" spc="-1" dirty="0" smtClean="0">
-                          <a:solidFill>
-                            <a:srgbClr val="000000"/>
-                          </a:solidFill>
-                          <a:uFill>
-                            <a:solidFill>
-                              <a:srgbClr val="FFFFFF"/>
-                            </a:solidFill>
-                          </a:uFill>
-                          <a:latin typeface="Arial"/>
-                        </a:rPr>
-                        <a:t>hierarchical</a:t>
-                      </a:r>
-                      <a:endParaRPr lang="en-GB" sz="1800" b="0" strike="noStrike" spc="-1" dirty="0">
-                        <a:solidFill>
-                          <a:srgbClr val="000000"/>
-                        </a:solidFill>
-                        <a:uFill>
-                          <a:solidFill>
-                            <a:srgbClr val="FFFFFF"/>
-                          </a:solidFill>
-                        </a:uFill>
-                        <a:latin typeface="Arial"/>
-                      </a:endParaRPr>
-                    </a:p>
-                  </a:txBody>
-                  <a:tcPr marL="90000" marR="90000">
-                    <a:lnL w="720">
-                      <a:solidFill>
-                        <a:srgbClr val="FFFFFF"/>
-                      </a:solidFill>
-                    </a:lnL>
-                    <a:lnR w="720" cap="flat" cmpd="sng" algn="ctr">
-                      <a:solidFill>
-                        <a:srgbClr val="FFFFFF"/>
-                      </a:solidFill>
-                      <a:prstDash val="solid"/>
-                      <a:round/>
-                      <a:headEnd type="none" w="med" len="med"/>
-                      <a:tailEnd type="none" w="med" len="med"/>
-                    </a:lnR>
-                    <a:lnT w="720">
-                      <a:solidFill>
-                        <a:srgbClr val="FFFFFF"/>
-                      </a:solidFill>
-                    </a:lnT>
-                    <a:lnB w="720" cap="flat" cmpd="sng" algn="ctr">
-                      <a:solidFill>
-                        <a:srgbClr val="FFFFFF"/>
-                      </a:solidFill>
-                      <a:prstDash val="solid"/>
-                      <a:round/>
-                      <a:headEnd type="none" w="med" len="med"/>
-                      <a:tailEnd type="none" w="med" len="med"/>
-                    </a:lnB>
-                    <a:solidFill>
-                      <a:srgbClr val="E6E6E6"/>
-                    </a:solidFill>
-                  </a:tcPr>
-                </a:tc>
-                <a:tc>
-                  <a:txBody>
-                    <a:bodyPr/>
-                    <a:lstStyle/>
-                    <a:p>
-                      <a:pPr marL="0" algn="l" defTabSz="914400" rtl="0" eaLnBrk="1" latinLnBrk="0" hangingPunct="1"/>
-                      <a:r>
-                        <a:rPr lang="en-GB" sz="1800" b="0" strike="noStrike" spc="-1" dirty="0" smtClean="0">
-                          <a:solidFill>
-                            <a:srgbClr val="000000"/>
-                          </a:solidFill>
-                          <a:uFill>
-                            <a:solidFill>
-                              <a:srgbClr val="FFFFFF"/>
-                            </a:solidFill>
-                          </a:uFill>
-                          <a:latin typeface="Arial"/>
-                        </a:rPr>
-                        <a:t>47.3</a:t>
-                      </a:r>
-                      <a:endParaRPr lang="en-GB" sz="1800" b="0" strike="noStrike" spc="-1" dirty="0">
-                        <a:solidFill>
-                          <a:srgbClr val="000000"/>
-                        </a:solidFill>
-                        <a:uFill>
-                          <a:solidFill>
-                            <a:srgbClr val="FFFFFF"/>
-                          </a:solidFill>
-                        </a:uFill>
-                        <a:latin typeface="Arial"/>
-                      </a:endParaRPr>
-                    </a:p>
-                  </a:txBody>
-                  <a:tcPr marL="90000" marR="90000">
-                    <a:lnL w="720" cap="flat" cmpd="sng" algn="ctr">
-                      <a:solidFill>
-                        <a:srgbClr val="FFFFFF"/>
-                      </a:solidFill>
-                      <a:prstDash val="solid"/>
-                      <a:round/>
-                      <a:headEnd type="none" w="med" len="med"/>
-                      <a:tailEnd type="none" w="med" len="med"/>
-                    </a:lnL>
-                    <a:lnR w="720" cap="flat" cmpd="sng" algn="ctr">
-                      <a:solidFill>
-                        <a:srgbClr val="FFFFFF"/>
-                      </a:solidFill>
-                      <a:prstDash val="solid"/>
-                      <a:round/>
-                      <a:headEnd type="none" w="med" len="med"/>
-                      <a:tailEnd type="none" w="med" len="med"/>
-                    </a:lnR>
-                    <a:lnT w="720" cap="flat" cmpd="sng" algn="ctr">
-                      <a:solidFill>
-                        <a:srgbClr val="FFFFFF"/>
-                      </a:solidFill>
-                      <a:prstDash val="solid"/>
-                      <a:round/>
-                      <a:headEnd type="none" w="med" len="med"/>
-                      <a:tailEnd type="none" w="med" len="med"/>
-                    </a:lnT>
-                    <a:lnB w="720" cap="flat" cmpd="sng" algn="ctr">
-                      <a:solidFill>
-                        <a:srgbClr val="FFFFFF"/>
-                      </a:solidFill>
-                      <a:prstDash val="solid"/>
-                      <a:round/>
-                      <a:headEnd type="none" w="med" len="med"/>
-                      <a:tailEnd type="none" w="med" len="med"/>
-                    </a:lnB>
-                    <a:solidFill>
-                      <a:srgbClr val="E6E6E6"/>
-                    </a:solidFill>
-                  </a:tcPr>
-                </a:tc>
-                <a:tc>
-                  <a:txBody>
-                    <a:bodyPr/>
-                    <a:lstStyle/>
-                    <a:p>
-                      <a:pPr marL="457200" lvl="1" algn="l" defTabSz="914400" rtl="0" eaLnBrk="1" latinLnBrk="0" hangingPunct="1"/>
-                      <a:r>
-                        <a:rPr lang="en-GB" sz="1800" b="0" strike="noStrike" spc="-1" dirty="0" smtClean="0">
-                          <a:solidFill>
-                            <a:srgbClr val="000000"/>
-                          </a:solidFill>
-                          <a:uFill>
-                            <a:solidFill>
-                              <a:srgbClr val="FFFFFF"/>
-                            </a:solidFill>
-                          </a:uFill>
-                          <a:latin typeface="Arial"/>
-                        </a:rPr>
-                        <a:t>41.7</a:t>
-                      </a:r>
-                      <a:endParaRPr lang="en-GB" sz="1800" b="0" strike="noStrike" spc="-1" dirty="0">
-                        <a:solidFill>
-                          <a:srgbClr val="000000"/>
-                        </a:solidFill>
-                        <a:uFill>
-                          <a:solidFill>
-                            <a:srgbClr val="FFFFFF"/>
-                          </a:solidFill>
-                        </a:uFill>
-                        <a:latin typeface="Arial"/>
-                      </a:endParaRPr>
-                    </a:p>
-                  </a:txBody>
-                  <a:tcPr marL="90000" marR="90000">
-                    <a:lnL w="720" cap="flat" cmpd="sng" algn="ctr">
-                      <a:solidFill>
-                        <a:srgbClr val="FFFFFF"/>
-                      </a:solidFill>
-                      <a:prstDash val="solid"/>
-                      <a:round/>
-                      <a:headEnd type="none" w="med" len="med"/>
-                      <a:tailEnd type="none" w="med" len="med"/>
-                    </a:lnL>
-                    <a:lnR w="720">
-                      <a:solidFill>
-                        <a:srgbClr val="FFFFFF"/>
-                      </a:solidFill>
-                    </a:lnR>
-                    <a:lnT w="720">
-                      <a:solidFill>
-                        <a:srgbClr val="FFFFFF"/>
-                      </a:solidFill>
-                    </a:lnT>
-                    <a:lnB w="720" cap="flat" cmpd="sng" algn="ctr">
-                      <a:solidFill>
-                        <a:srgbClr val="FFFFFF"/>
-                      </a:solidFill>
-                      <a:prstDash val="solid"/>
-                      <a:round/>
-                      <a:headEnd type="none" w="med" len="med"/>
-                      <a:tailEnd type="none" w="med" len="med"/>
-                    </a:lnB>
-                    <a:solidFill>
-                      <a:srgbClr val="E6E6E6"/>
-                    </a:solidFill>
-                  </a:tcPr>
-                </a:tc>
-              </a:tr>
-              <a:tr h="0">
-                <a:tc>
-                  <a:txBody>
-                    <a:bodyPr/>
-                    <a:lstStyle/>
-                    <a:p>
-                      <a:r>
-                        <a:rPr lang="en-GB" sz="1800" b="0" strike="noStrike" spc="-1">
-                          <a:solidFill>
-                            <a:srgbClr val="000000"/>
-                          </a:solidFill>
-                          <a:uFill>
-                            <a:solidFill>
-                              <a:srgbClr val="FFFFFF"/>
-                            </a:solidFill>
-                          </a:uFill>
-                          <a:latin typeface="Arial"/>
-                        </a:rPr>
-                        <a:t>NMT</a:t>
-                      </a:r>
-                    </a:p>
-                  </a:txBody>
-                  <a:tcPr marL="90000" marR="90000">
-                    <a:lnL w="720">
-                      <a:solidFill>
-                        <a:srgbClr val="FFFFFF"/>
-                      </a:solidFill>
-                    </a:lnL>
-                    <a:lnR w="720">
-                      <a:solidFill>
-                        <a:srgbClr val="FFFFFF"/>
-                      </a:solidFill>
-                    </a:lnR>
-                    <a:lnT w="720">
-                      <a:solidFill>
-                        <a:srgbClr val="FFFFFF"/>
-                      </a:solidFill>
-                    </a:lnT>
-                    <a:lnB w="720">
-                      <a:solidFill>
-                        <a:srgbClr val="FFFFFF"/>
-                      </a:solidFill>
-                    </a:lnB>
-                    <a:solidFill>
-                      <a:srgbClr val="E6E6E6"/>
-                    </a:solidFill>
-                  </a:tcPr>
-                </a:tc>
-                <a:tc>
-                  <a:txBody>
-                    <a:bodyPr/>
-                    <a:lstStyle/>
-                    <a:p>
-                      <a:pPr marL="0" algn="l" defTabSz="914400" rtl="0" eaLnBrk="1" latinLnBrk="0" hangingPunct="1"/>
-                      <a:r>
-                        <a:rPr lang="en-GB" sz="1800" b="1" strike="noStrike" spc="-1" dirty="0" smtClean="0">
-                          <a:solidFill>
-                            <a:srgbClr val="000000"/>
-                          </a:solidFill>
-                          <a:uFill>
-                            <a:solidFill>
-                              <a:srgbClr val="FFFFFF"/>
-                            </a:solidFill>
-                          </a:uFill>
-                          <a:latin typeface="Arial"/>
-                        </a:rPr>
-                        <a:t>51.8</a:t>
-                      </a:r>
-                      <a:endParaRPr lang="en-GB" sz="1800" b="1" strike="noStrike" spc="-1" dirty="0">
-                        <a:solidFill>
-                          <a:srgbClr val="000000"/>
-                        </a:solidFill>
-                        <a:uFill>
-                          <a:solidFill>
-                            <a:srgbClr val="FFFFFF"/>
-                          </a:solidFill>
-                        </a:uFill>
-                        <a:latin typeface="Arial"/>
-                      </a:endParaRPr>
-                    </a:p>
-                  </a:txBody>
-                  <a:tcPr marL="90000" marR="90000">
-                    <a:lnL w="720" cap="flat" cmpd="sng" algn="ctr">
-                      <a:solidFill>
-                        <a:srgbClr val="FFFFFF"/>
-                      </a:solidFill>
-                      <a:prstDash val="solid"/>
-                      <a:round/>
-                      <a:headEnd type="none" w="med" len="med"/>
-                      <a:tailEnd type="none" w="med" len="med"/>
-                    </a:lnL>
-                    <a:lnR w="720">
-                      <a:solidFill>
-                        <a:srgbClr val="FFFFFF"/>
-                      </a:solidFill>
-                    </a:lnR>
-                    <a:lnT w="720" cap="flat" cmpd="sng" algn="ctr">
-                      <a:solidFill>
-                        <a:srgbClr val="FFFFFF"/>
-                      </a:solidFill>
-                      <a:prstDash val="solid"/>
-                      <a:round/>
-                      <a:headEnd type="none" w="med" len="med"/>
-                      <a:tailEnd type="none" w="med" len="med"/>
-                    </a:lnT>
-                    <a:lnB w="720">
-                      <a:solidFill>
-                        <a:srgbClr val="FFFFFF"/>
-                      </a:solidFill>
-                    </a:lnB>
-                    <a:solidFill>
-                      <a:srgbClr val="E6E6E6"/>
-                    </a:solidFill>
-                  </a:tcPr>
-                </a:tc>
-                <a:tc>
-                  <a:txBody>
-                    <a:bodyPr/>
-                    <a:lstStyle/>
-                    <a:p>
-                      <a:pPr algn="r"/>
-                      <a:r>
-                        <a:rPr lang="en-GB" sz="1800" b="1" strike="noStrike" spc="-1" dirty="0">
-                          <a:solidFill>
-                            <a:srgbClr val="000000"/>
-                          </a:solidFill>
-                          <a:uFill>
-                            <a:solidFill>
-                              <a:srgbClr val="FFFFFF"/>
-                            </a:solidFill>
-                          </a:uFill>
-                          <a:latin typeface="Arial"/>
-                        </a:rPr>
-                        <a:t>46.82</a:t>
-                      </a:r>
-                      <a:endParaRPr lang="en-GB" sz="1800" b="0" strike="noStrike" spc="-1" dirty="0">
-                        <a:solidFill>
-                          <a:srgbClr val="000000"/>
-                        </a:solidFill>
-                        <a:uFill>
-                          <a:solidFill>
-                            <a:srgbClr val="FFFFFF"/>
-                          </a:solidFill>
-                        </a:uFill>
-                        <a:latin typeface="Arial"/>
-                      </a:endParaRPr>
-                    </a:p>
-                  </a:txBody>
-                  <a:tcPr marL="90000" marR="90000">
-                    <a:lnL w="720">
-                      <a:solidFill>
-                        <a:srgbClr val="FFFFFF"/>
-                      </a:solidFill>
-                    </a:lnL>
-                    <a:lnR w="720">
-                      <a:solidFill>
-                        <a:srgbClr val="FFFFFF"/>
-                      </a:solidFill>
-                    </a:lnR>
-                    <a:lnT w="720">
-                      <a:solidFill>
-                        <a:srgbClr val="FFFFFF"/>
-                      </a:solidFill>
-                    </a:lnT>
-                    <a:lnB w="720">
-                      <a:solidFill>
-                        <a:srgbClr val="FFFFFF"/>
-                      </a:solidFill>
-                    </a:lnB>
-                    <a:solidFill>
-                      <a:srgbClr val="E6E6E6"/>
-                    </a:solidFill>
-                  </a:tcPr>
-                </a:tc>
-              </a:tr>
-            </a:tbl>
-          </a:graphicData>
-        </a:graphic>
-      </p:graphicFrame>
-      <p:sp>
-        <p:nvSpPr>
-          <p:cNvPr id="10" name="TextShape 5"/>
-          <p:cNvSpPr txBox="1"/>
-          <p:nvPr/>
-        </p:nvSpPr>
-        <p:spPr>
-          <a:xfrm>
-            <a:off x="5902668" y="4457509"/>
-            <a:ext cx="3456000" cy="602280"/>
-          </a:xfrm>
-          <a:prstGeom prst="rect">
-            <a:avLst/>
-          </a:prstGeom>
-          <a:noFill/>
-          <a:ln>
-            <a:noFill/>
-          </a:ln>
-        </p:spPr>
-        <p:txBody>
-          <a:bodyPr lIns="90000" tIns="45000" rIns="90000" bIns="45000"/>
-          <a:lstStyle/>
-          <a:p>
-            <a:r>
-              <a:rPr lang="en-GB" sz="1800" b="0" strike="noStrike" spc="-1">
-                <a:solidFill>
-                  <a:srgbClr val="000000"/>
-                </a:solidFill>
-                <a:uFill>
-                  <a:solidFill>
-                    <a:srgbClr val="FFFFFF"/>
-                  </a:solidFill>
-                </a:uFill>
-                <a:latin typeface="Arial"/>
-              </a:rPr>
-              <a:t>(</a:t>
-            </a:r>
-            <a:r>
-              <a:rPr lang="en-GB" sz="1800" b="0" strike="noStrike" spc="-1" dirty="0" err="1">
-                <a:solidFill>
-                  <a:srgbClr val="000000"/>
-                </a:solidFill>
-                <a:uFill>
-                  <a:solidFill>
-                    <a:srgbClr val="FFFFFF"/>
-                  </a:solidFill>
-                </a:uFill>
-                <a:latin typeface="Arial"/>
-              </a:rPr>
-              <a:t>Junczys-Dowmunt</a:t>
-            </a:r>
-            <a:r>
-              <a:rPr lang="en-GB" sz="1800" b="0" strike="noStrike" spc="-1" dirty="0">
-                <a:solidFill>
-                  <a:srgbClr val="000000"/>
-                </a:solidFill>
-                <a:uFill>
-                  <a:solidFill>
-                    <a:srgbClr val="FFFFFF"/>
-                  </a:solidFill>
-                </a:uFill>
-                <a:latin typeface="Arial"/>
-              </a:rPr>
-              <a:t> et al, 2014)</a:t>
-            </a:r>
-          </a:p>
-        </p:txBody>
-      </p:sp>
-      <p:sp>
-        <p:nvSpPr>
-          <p:cNvPr id="11" name="TextShape 5"/>
-          <p:cNvSpPr txBox="1"/>
-          <p:nvPr/>
-        </p:nvSpPr>
-        <p:spPr>
-          <a:xfrm>
-            <a:off x="346433" y="3777530"/>
-            <a:ext cx="3456000" cy="411934"/>
-          </a:xfrm>
-          <a:prstGeom prst="rect">
-            <a:avLst/>
-          </a:prstGeom>
-          <a:noFill/>
-          <a:ln>
-            <a:noFill/>
-          </a:ln>
-        </p:spPr>
-        <p:txBody>
-          <a:bodyPr lIns="90000" tIns="45000" rIns="90000" bIns="45000"/>
-          <a:lstStyle/>
-          <a:p>
-            <a:r>
-              <a:rPr lang="en-US" sz="2400" b="1" dirty="0" err="1" smtClean="0"/>
-              <a:t>zh-en</a:t>
-            </a:r>
-            <a:r>
-              <a:rPr lang="en-US" sz="2400" b="1" dirty="0" smtClean="0"/>
-              <a:t> &amp; </a:t>
-            </a:r>
-            <a:r>
-              <a:rPr lang="en-US" sz="2400" b="1" dirty="0" err="1" smtClean="0"/>
-              <a:t>en-zh</a:t>
-            </a:r>
-            <a:endParaRPr lang="en-US" sz="2400" b="1" dirty="0"/>
-          </a:p>
-        </p:txBody>
-      </p:sp>
-    </p:spTree>
-    <p:extLst>
-      <p:ext uri="{BB962C8B-B14F-4D97-AF65-F5344CB8AC3E}">
-        <p14:creationId xmlns:p14="http://schemas.microsoft.com/office/powerpoint/2010/main" val="338385955"/>
-      </p:ext>
-    </p:extLst>
-  </p:cSld>
-  <p:clrMapOvr>
-    <a:masterClrMapping/>
-  </p:clrMapOvr>
-  <p:timing>
-    <p:tnLst>
-      <p:par>
-        <p:cTn id="1" dur="indefinite" restart="never" nodeType="tmRoot"/>
-      </p:par>
-    </p:tnLst>
-  </p:timing>
-</p:sld>
-</file>
-
-<file path=ppt/slides/slide7.xml><?xml version="1.0" encoding="utf-8"?>
-<p:sld xmlns:a="http://schemas.openxmlformats.org/drawingml/2006/main" xmlns:r="http://schemas.openxmlformats.org/officeDocument/2006/relationships" xmlns:p="http://schemas.openxmlformats.org/presentationml/2006/main">
-  <p:cSld>
-    <p:spTree>
-      <p:nvGrpSpPr>
-        <p:cNvPr id="1" name=""/>
-        <p:cNvGrpSpPr/>
-        <p:nvPr/>
-      </p:nvGrpSpPr>
-      <p:grpSpPr>
-        <a:xfrm>
-          <a:off x="0" y="0"/>
-          <a:ext cx="0" cy="0"/>
-          <a:chOff x="0" y="0"/>
-          <a:chExt cx="0" cy="0"/>
-        </a:xfrm>
-      </p:grpSpPr>
-      <p:sp>
-        <p:nvSpPr>
-          <p:cNvPr id="2" name="Title 1"/>
-          <p:cNvSpPr>
-            <a:spLocks noGrp="1"/>
-          </p:cNvSpPr>
-          <p:nvPr>
-            <p:ph type="title"/>
-          </p:nvPr>
-        </p:nvSpPr>
-        <p:spPr/>
-        <p:txBody>
-          <a:bodyPr/>
-          <a:lstStyle/>
-          <a:p>
-            <a:r>
-              <a:rPr lang="en-US" dirty="0" smtClean="0"/>
-              <a:t>Out of Domain</a:t>
-            </a:r>
-            <a:endParaRPr lang="en-US" dirty="0"/>
-          </a:p>
-        </p:txBody>
-      </p:sp>
-      <p:sp>
-        <p:nvSpPr>
-          <p:cNvPr id="4" name="TextShape 5"/>
-          <p:cNvSpPr txBox="1"/>
-          <p:nvPr/>
-        </p:nvSpPr>
-        <p:spPr>
-          <a:xfrm>
-            <a:off x="504000" y="1357513"/>
-            <a:ext cx="3456000" cy="411934"/>
-          </a:xfrm>
-          <a:prstGeom prst="rect">
-            <a:avLst/>
-          </a:prstGeom>
-          <a:noFill/>
-          <a:ln>
-            <a:noFill/>
-          </a:ln>
-        </p:spPr>
-        <p:txBody>
-          <a:bodyPr lIns="90000" tIns="45000" rIns="90000" bIns="45000"/>
-          <a:lstStyle/>
-          <a:p>
-            <a:r>
-              <a:rPr lang="en-US" sz="2400" b="1" dirty="0" smtClean="0"/>
-              <a:t>Catalan-</a:t>
-            </a:r>
-            <a:r>
-              <a:rPr lang="en-US" sz="2400" b="1" dirty="0" smtClean="0"/>
-              <a:t>Spanish</a:t>
-            </a:r>
-            <a:endParaRPr lang="en-US" sz="2400" b="1" dirty="0"/>
-          </a:p>
-        </p:txBody>
-      </p:sp>
-      <p:graphicFrame>
-        <p:nvGraphicFramePr>
-          <p:cNvPr id="5" name="Table 4"/>
-          <p:cNvGraphicFramePr>
-            <a:graphicFrameLocks noGrp="1"/>
-          </p:cNvGraphicFramePr>
-          <p:nvPr>
-            <p:extLst>
-              <p:ext uri="{D42A27DB-BD31-4B8C-83A1-F6EECF244321}">
-                <p14:modId xmlns:p14="http://schemas.microsoft.com/office/powerpoint/2010/main" val="2134180661"/>
-              </p:ext>
-            </p:extLst>
-          </p:nvPr>
-        </p:nvGraphicFramePr>
-        <p:xfrm>
-          <a:off x="1184158" y="2063413"/>
-          <a:ext cx="6720417" cy="1483360"/>
-        </p:xfrm>
-        <a:graphic>
-          <a:graphicData uri="http://schemas.openxmlformats.org/drawingml/2006/table">
-            <a:tbl>
-              <a:tblPr firstRow="1" bandRow="1">
-                <a:tableStyleId>{5C22544A-7EE6-4342-B048-85BDC9FD1C3A}</a:tableStyleId>
-              </a:tblPr>
-              <a:tblGrid>
-                <a:gridCol w="2240139"/>
-                <a:gridCol w="2240139"/>
-                <a:gridCol w="2240139"/>
-              </a:tblGrid>
-              <a:tr h="370840">
-                <a:tc>
-                  <a:txBody>
-                    <a:bodyPr/>
-                    <a:lstStyle/>
-                    <a:p>
-                      <a:endParaRPr lang="en-US" dirty="0"/>
-                    </a:p>
-                  </a:txBody>
-                  <a:tcPr/>
-                </a:tc>
-                <a:tc>
-                  <a:txBody>
-                    <a:bodyPr/>
-                    <a:lstStyle/>
-                    <a:p>
-                      <a:r>
-                        <a:rPr lang="en-US" dirty="0" smtClean="0"/>
-                        <a:t>In-Domain</a:t>
-                      </a:r>
-                      <a:endParaRPr lang="en-US" dirty="0"/>
-                    </a:p>
-                  </a:txBody>
-                  <a:tcPr/>
-                </a:tc>
-                <a:tc>
-                  <a:txBody>
-                    <a:bodyPr/>
-                    <a:lstStyle/>
-                    <a:p>
-                      <a:r>
-                        <a:rPr lang="en-US" dirty="0" smtClean="0"/>
-                        <a:t>Out-of-Domain</a:t>
-                      </a:r>
-                      <a:endParaRPr lang="en-US" dirty="0"/>
-                    </a:p>
-                  </a:txBody>
-                  <a:tcPr/>
-                </a:tc>
-              </a:tr>
-              <a:tr h="370840">
-                <a:tc>
-                  <a:txBody>
-                    <a:bodyPr/>
-                    <a:lstStyle/>
-                    <a:p>
-                      <a:r>
-                        <a:rPr lang="en-US" dirty="0" smtClean="0"/>
-                        <a:t>Rule-based</a:t>
-                      </a:r>
-                      <a:endParaRPr lang="en-US" dirty="0"/>
-                    </a:p>
-                  </a:txBody>
-                  <a:tcPr/>
-                </a:tc>
-                <a:tc>
-                  <a:txBody>
-                    <a:bodyPr/>
-                    <a:lstStyle/>
-                    <a:p>
-                      <a:r>
-                        <a:rPr lang="en-US" dirty="0" smtClean="0"/>
-                        <a:t>75.20</a:t>
-                      </a:r>
-                      <a:endParaRPr lang="en-US" dirty="0"/>
-                    </a:p>
-                  </a:txBody>
-                  <a:tcPr/>
-                </a:tc>
-                <a:tc>
-                  <a:txBody>
-                    <a:bodyPr/>
-                    <a:lstStyle/>
-                    <a:p>
-                      <a:r>
-                        <a:rPr lang="en-US" dirty="0" smtClean="0"/>
-                        <a:t>50.53</a:t>
-                      </a:r>
-                      <a:endParaRPr lang="en-US" dirty="0"/>
-                    </a:p>
-                  </a:txBody>
-                  <a:tcPr/>
-                </a:tc>
-              </a:tr>
-              <a:tr h="370840">
-                <a:tc>
-                  <a:txBody>
-                    <a:bodyPr/>
-                    <a:lstStyle/>
-                    <a:p>
-                      <a:r>
-                        <a:rPr lang="en-US" dirty="0" smtClean="0"/>
-                        <a:t>Phrase-based</a:t>
-                      </a:r>
-                      <a:endParaRPr lang="en-US" dirty="0"/>
-                    </a:p>
-                  </a:txBody>
-                  <a:tcPr/>
-                </a:tc>
-                <a:tc>
-                  <a:txBody>
-                    <a:bodyPr/>
-                    <a:lstStyle/>
-                    <a:p>
-                      <a:r>
-                        <a:rPr lang="en-US" dirty="0" smtClean="0"/>
-                        <a:t>81.80</a:t>
-                      </a:r>
-                      <a:endParaRPr lang="en-US" dirty="0"/>
-                    </a:p>
-                  </a:txBody>
-                  <a:tcPr/>
-                </a:tc>
-                <a:tc>
-                  <a:txBody>
-                    <a:bodyPr/>
-                    <a:lstStyle/>
-                    <a:p>
-                      <a:r>
-                        <a:rPr lang="en-US" b="1" dirty="0" smtClean="0"/>
-                        <a:t>57.20</a:t>
-                      </a:r>
-                      <a:endParaRPr lang="en-US" b="1" dirty="0"/>
-                    </a:p>
-                  </a:txBody>
-                  <a:tcPr/>
-                </a:tc>
-              </a:tr>
-              <a:tr h="370840">
-                <a:tc>
-                  <a:txBody>
-                    <a:bodyPr/>
-                    <a:lstStyle/>
-                    <a:p>
-                      <a:r>
-                        <a:rPr lang="en-US" dirty="0" smtClean="0"/>
-                        <a:t>Neural</a:t>
-                      </a:r>
-                      <a:endParaRPr lang="en-US" dirty="0"/>
-                    </a:p>
-                  </a:txBody>
-                  <a:tcPr/>
-                </a:tc>
-                <a:tc>
-                  <a:txBody>
-                    <a:bodyPr/>
-                    <a:lstStyle/>
-                    <a:p>
-                      <a:r>
-                        <a:rPr lang="en-US" b="1" dirty="0" smtClean="0"/>
-                        <a:t>83.01</a:t>
-                      </a:r>
-                      <a:endParaRPr lang="en-US" b="1" dirty="0"/>
-                    </a:p>
-                  </a:txBody>
-                  <a:tcPr/>
-                </a:tc>
-                <a:tc>
-                  <a:txBody>
-                    <a:bodyPr/>
-                    <a:lstStyle/>
-                    <a:p>
-                      <a:r>
-                        <a:rPr lang="en-US" dirty="0" smtClean="0"/>
-                        <a:t>52.10</a:t>
-                      </a:r>
-                      <a:endParaRPr lang="en-US" dirty="0"/>
-                    </a:p>
-                  </a:txBody>
-                  <a:tcPr/>
-                </a:tc>
-              </a:tr>
-            </a:tbl>
-          </a:graphicData>
-        </a:graphic>
-      </p:graphicFrame>
-      <p:sp>
-        <p:nvSpPr>
-          <p:cNvPr id="6" name="TextShape 5"/>
-          <p:cNvSpPr txBox="1"/>
-          <p:nvPr/>
-        </p:nvSpPr>
-        <p:spPr>
-          <a:xfrm>
-            <a:off x="5313733" y="3745566"/>
-            <a:ext cx="3456000" cy="602280"/>
-          </a:xfrm>
-          <a:prstGeom prst="rect">
-            <a:avLst/>
-          </a:prstGeom>
-          <a:noFill/>
-          <a:ln>
-            <a:noFill/>
-          </a:ln>
-        </p:spPr>
-        <p:txBody>
-          <a:bodyPr lIns="90000" tIns="45000" rIns="90000" bIns="45000"/>
-          <a:lstStyle/>
-          <a:p>
-            <a:r>
-              <a:rPr lang="en-US" dirty="0" smtClean="0"/>
-              <a:t>(Costa-</a:t>
-            </a:r>
-            <a:r>
-              <a:rPr lang="en-US" dirty="0" err="1" smtClean="0"/>
-              <a:t>jussa</a:t>
-            </a:r>
-            <a:r>
-              <a:rPr lang="en-GB" sz="1800" b="0" strike="noStrike" spc="-1" dirty="0" smtClean="0">
-                <a:solidFill>
-                  <a:srgbClr val="000000"/>
-                </a:solidFill>
-                <a:uFill>
-                  <a:solidFill>
-                    <a:srgbClr val="FFFFFF"/>
-                  </a:solidFill>
-                </a:uFill>
-                <a:latin typeface="Arial"/>
-              </a:rPr>
-              <a:t>, 2017)</a:t>
-            </a:r>
-            <a:endParaRPr lang="en-GB" sz="1800" b="0" strike="noStrike" spc="-1" dirty="0">
-              <a:solidFill>
-                <a:srgbClr val="000000"/>
-              </a:solidFill>
-              <a:uFill>
-                <a:solidFill>
-                  <a:srgbClr val="FFFFFF"/>
-                </a:solidFill>
-              </a:uFill>
-              <a:latin typeface="Arial"/>
-            </a:endParaRPr>
-          </a:p>
-        </p:txBody>
-      </p:sp>
-    </p:spTree>
-    <p:extLst>
-      <p:ext uri="{BB962C8B-B14F-4D97-AF65-F5344CB8AC3E}">
-        <p14:creationId xmlns:p14="http://schemas.microsoft.com/office/powerpoint/2010/main" val="40022982"/>
       </p:ext>
     </p:extLst>
   </p:cSld>
@@ -12002,7 +12712,7 @@
           <a:p>
             <a:r>
               <a:rPr lang="en-US" dirty="0" smtClean="0"/>
-              <a:t>Low-Resource Languages</a:t>
+              <a:t>Phrase-based v. Hierarchical SMT</a:t>
             </a:r>
             <a:endParaRPr lang="en-US" dirty="0"/>
           </a:p>
@@ -12010,21 +12720,21 @@
       </p:sp>
       <p:graphicFrame>
         <p:nvGraphicFramePr>
-          <p:cNvPr id="4" name="Table 3"/>
+          <p:cNvPr id="6" name="Table 5"/>
           <p:cNvGraphicFramePr>
             <a:graphicFrameLocks noGrp="1"/>
           </p:cNvGraphicFramePr>
           <p:nvPr>
             <p:extLst>
               <p:ext uri="{D42A27DB-BD31-4B8C-83A1-F6EECF244321}">
-                <p14:modId xmlns:p14="http://schemas.microsoft.com/office/powerpoint/2010/main" val="778063966"/>
+                <p14:modId xmlns:p14="http://schemas.microsoft.com/office/powerpoint/2010/main" val="889369606"/>
               </p:ext>
             </p:extLst>
           </p:nvPr>
         </p:nvGraphicFramePr>
         <p:xfrm>
-          <a:off x="1540620" y="2485094"/>
-          <a:ext cx="6720417" cy="1854200"/>
+          <a:off x="1295234" y="1921314"/>
+          <a:ext cx="4480278" cy="1483360"/>
         </p:xfrm>
         <a:graphic>
           <a:graphicData uri="http://schemas.openxmlformats.org/drawingml/2006/table">
@@ -12035,7 +12745,6 @@
               <a:tblGrid>
                 <a:gridCol w="2240139"/>
                 <a:gridCol w="2240139"/>
-                <a:gridCol w="2240139"/>
               </a:tblGrid>
               <a:tr h="370840">
                 <a:tc>
@@ -12055,21 +12764,7 @@
                     <a:p>
                       <a:r>
                         <a:rPr lang="en-US" dirty="0" smtClean="0"/>
-                        <a:t>SMT (Syntax)</a:t>
-                      </a:r>
-                      <a:endParaRPr lang="en-US" dirty="0"/>
-                    </a:p>
-                  </a:txBody>
-                  <a:tcPr/>
-                </a:tc>
-                <a:tc>
-                  <a:txBody>
-                    <a:bodyPr/>
-                    <a:lstStyle/>
-                    <a:p>
-                      <a:r>
-                        <a:rPr lang="en-US" dirty="0" smtClean="0"/>
-                        <a:t>NMT</a:t>
+                        <a:t>BLEU</a:t>
                       </a:r>
                       <a:endParaRPr lang="en-US" dirty="0"/>
                     </a:p>
@@ -12085,7 +12780,7 @@
                     <a:p>
                       <a:r>
                         <a:rPr lang="en-US" dirty="0" smtClean="0"/>
-                        <a:t>Hausa</a:t>
+                        <a:t>PB</a:t>
                       </a:r>
                       <a:endParaRPr lang="en-US" dirty="0"/>
                     </a:p>
@@ -12098,22 +12793,8 @@
                     <a:lstStyle/>
                     <a:p>
                       <a:r>
-                        <a:rPr lang="en-US" b="1" dirty="0" smtClean="0"/>
-                        <a:t>23.7</a:t>
-                      </a:r>
-                      <a:endParaRPr lang="en-US" b="1" dirty="0"/>
-                    </a:p>
-                  </a:txBody>
-                  <a:tcPr/>
-                </a:tc>
-                <a:tc>
-                  <a:txBody>
-                    <a:bodyPr/>
-                    <a:lstStyle/>
-                    <a:p>
-                      <a:r>
                         <a:rPr lang="en-US" dirty="0" smtClean="0"/>
-                        <a:t>16.8</a:t>
+                        <a:t>29.8</a:t>
                       </a:r>
                       <a:endParaRPr lang="en-US" dirty="0"/>
                     </a:p>
@@ -12129,7 +12810,7 @@
                     <a:p>
                       <a:r>
                         <a:rPr lang="en-US" dirty="0" smtClean="0"/>
-                        <a:t>Turkish</a:t>
+                        <a:t>Hierarchical</a:t>
                       </a:r>
                       <a:endParaRPr lang="en-US" dirty="0"/>
                     </a:p>
@@ -12143,23 +12824,9 @@
                     <a:p>
                       <a:r>
                         <a:rPr lang="en-US" b="1" dirty="0" smtClean="0"/>
-                        <a:t>20.4</a:t>
+                        <a:t>32.56</a:t>
                       </a:r>
                       <a:endParaRPr lang="en-US" b="1" dirty="0"/>
-                    </a:p>
-                  </a:txBody>
-                  <a:tcPr/>
-                </a:tc>
-                <a:tc>
-                  <a:txBody>
-                    <a:bodyPr/>
-                    <a:lstStyle/>
-                    <a:p>
-                      <a:r>
-                        <a:rPr lang="en-US" dirty="0" smtClean="0"/>
-                        <a:t>11.4</a:t>
-                      </a:r>
-                      <a:endParaRPr lang="en-US" dirty="0"/>
                     </a:p>
                   </a:txBody>
                   <a:tcPr/>
@@ -12173,7 +12840,7 @@
                     <a:p>
                       <a:r>
                         <a:rPr lang="en-US" dirty="0" smtClean="0"/>
-                        <a:t>Uzbek</a:t>
+                        <a:t>NMT (LSTM)</a:t>
                       </a:r>
                       <a:endParaRPr lang="en-US" dirty="0"/>
                     </a:p>
@@ -12186,68 +12853,10 @@
                     <a:lstStyle/>
                     <a:p>
                       <a:r>
-                        <a:rPr lang="en-US" b="1" dirty="0" smtClean="0"/>
-                        <a:t>17.9</a:t>
-                      </a:r>
-                      <a:endParaRPr lang="en-US" b="1" dirty="0"/>
-                    </a:p>
-                  </a:txBody>
-                  <a:tcPr/>
-                </a:tc>
-                <a:tc>
-                  <a:txBody>
-                    <a:bodyPr/>
-                    <a:lstStyle/>
-                    <a:p>
-                      <a:r>
-                        <a:rPr lang="en-US" dirty="0" smtClean="0"/>
-                        <a:t>10.7</a:t>
-                      </a:r>
-                      <a:endParaRPr lang="en-US" dirty="0"/>
-                    </a:p>
-                  </a:txBody>
-                  <a:tcPr/>
-                </a:tc>
-              </a:tr>
-              <a:tr h="370840">
-                <a:tc>
-                  <a:txBody>
-                    <a:bodyPr/>
-                    <a:lstStyle/>
-                    <a:p>
-                      <a:r>
-                        <a:rPr lang="en-US" dirty="0" smtClean="0"/>
-                        <a:t>Urdu</a:t>
-                      </a:r>
-                      <a:endParaRPr lang="en-US" dirty="0"/>
-                    </a:p>
-                  </a:txBody>
-                  <a:tcPr/>
-                </a:tc>
-                <a:tc>
-                  <a:txBody>
-                    <a:bodyPr/>
-                    <a:lstStyle/>
-                    <a:p>
-                      <a:r>
-                        <a:rPr lang="en-US" b="1" dirty="0" smtClean="0"/>
-                        <a:t>17.9</a:t>
-                      </a:r>
-                      <a:endParaRPr lang="en-US" b="1" dirty="0"/>
-                    </a:p>
-                  </a:txBody>
-                  <a:tcPr/>
-                </a:tc>
-                <a:tc>
-                  <a:txBody>
-                    <a:bodyPr/>
-                    <a:lstStyle/>
-                    <a:p>
-                      <a:r>
-                        <a:rPr lang="en-US" dirty="0" smtClean="0"/>
-                        <a:t>5.2</a:t>
-                      </a:r>
-                      <a:endParaRPr lang="en-US" dirty="0"/>
+                        <a:rPr lang="en-US" b="0" dirty="0" smtClean="0"/>
+                        <a:t>32.19</a:t>
+                      </a:r>
+                      <a:endParaRPr lang="en-US" b="0" dirty="0"/>
                     </a:p>
                   </a:txBody>
                   <a:tcPr/>
@@ -12259,13 +12868,44 @@
       </p:graphicFrame>
       <p:sp>
         <p:nvSpPr>
-          <p:cNvPr id="5" name="TextShape 5"/>
+          <p:cNvPr id="7" name="TextShape 5"/>
           <p:cNvSpPr txBox="1"/>
           <p:nvPr/>
         </p:nvSpPr>
         <p:spPr>
           <a:xfrm>
-            <a:off x="6119640" y="4611902"/>
+            <a:off x="504000" y="1357513"/>
+            <a:ext cx="3456000" cy="411934"/>
+          </a:xfrm>
+          <a:prstGeom prst="rect">
+            <a:avLst/>
+          </a:prstGeom>
+          <a:noFill/>
+          <a:ln>
+            <a:noFill/>
+          </a:ln>
+        </p:spPr>
+        <p:txBody>
+          <a:bodyPr lIns="90000" tIns="45000" rIns="90000" bIns="45000"/>
+          <a:lstStyle/>
+          <a:p>
+            <a:r>
+              <a:rPr lang="en-US" sz="2400" b="1" dirty="0" err="1" smtClean="0"/>
+              <a:t>en-jp</a:t>
+            </a:r>
+            <a:endParaRPr lang="en-US" sz="2400" b="1" dirty="0"/>
+          </a:p>
+        </p:txBody>
+      </p:sp>
+      <p:sp>
+        <p:nvSpPr>
+          <p:cNvPr id="8" name="TextShape 5"/>
+          <p:cNvSpPr txBox="1"/>
+          <p:nvPr/>
+        </p:nvSpPr>
+        <p:spPr>
+          <a:xfrm>
+            <a:off x="5902668" y="1921314"/>
             <a:ext cx="3456000" cy="602280"/>
           </a:xfrm>
           <a:prstGeom prst="rect">
@@ -12282,18 +12922,790 @@
           <a:p>
             <a:r>
               <a:rPr lang="en-US" dirty="0" smtClean="0"/>
-              <a:t>(</a:t>
-            </a:r>
-            <a:r>
-              <a:rPr lang="en-US" dirty="0" err="1" smtClean="0"/>
-              <a:t>Zoph</a:t>
-            </a:r>
-            <a:r>
-              <a:rPr lang="en-US" dirty="0" smtClean="0"/>
-              <a:t> et al</a:t>
-            </a:r>
-            <a:r>
-              <a:rPr lang="en-GB" sz="1800" b="0" strike="noStrike" spc="-1" dirty="0" smtClean="0">
+              <a:t>(Zhu, 2015)</a:t>
+            </a:r>
+            <a:endParaRPr lang="en-US" dirty="0"/>
+          </a:p>
+        </p:txBody>
+      </p:sp>
+      <p:graphicFrame>
+        <p:nvGraphicFramePr>
+          <p:cNvPr id="9" name="Table 2"/>
+          <p:cNvGraphicFramePr/>
+          <p:nvPr>
+            <p:extLst>
+              <p:ext uri="{D42A27DB-BD31-4B8C-83A1-F6EECF244321}">
+                <p14:modId xmlns:p14="http://schemas.microsoft.com/office/powerpoint/2010/main" val="809737181"/>
+              </p:ext>
+            </p:extLst>
+          </p:nvPr>
+        </p:nvGraphicFramePr>
+        <p:xfrm>
+          <a:off x="1377386" y="4457509"/>
+          <a:ext cx="4315974" cy="1463040"/>
+        </p:xfrm>
+        <a:graphic>
+          <a:graphicData uri="http://schemas.openxmlformats.org/drawingml/2006/table">
+            <a:tbl>
+              <a:tblPr/>
+              <a:tblGrid>
+                <a:gridCol w="1438658"/>
+                <a:gridCol w="1438658"/>
+                <a:gridCol w="1438658"/>
+              </a:tblGrid>
+              <a:tr h="343440">
+                <a:tc>
+                  <a:txBody>
+                    <a:bodyPr/>
+                    <a:lstStyle/>
+                    <a:p>
+                      <a:endParaRPr lang="en-US"/>
+                    </a:p>
+                  </a:txBody>
+                  <a:tcPr marL="90000" marR="90000">
+                    <a:lnL w="720">
+                      <a:solidFill>
+                        <a:srgbClr val="FFFFFF"/>
+                      </a:solidFill>
+                    </a:lnL>
+                    <a:lnR w="720">
+                      <a:solidFill>
+                        <a:srgbClr val="FFFFFF"/>
+                      </a:solidFill>
+                    </a:lnR>
+                    <a:lnT w="720">
+                      <a:solidFill>
+                        <a:srgbClr val="FFFFFF"/>
+                      </a:solidFill>
+                    </a:lnT>
+                    <a:lnB w="720">
+                      <a:solidFill>
+                        <a:srgbClr val="FFFFFF"/>
+                      </a:solidFill>
+                    </a:lnB>
+                    <a:solidFill>
+                      <a:srgbClr val="B3B3B3"/>
+                    </a:solidFill>
+                  </a:tcPr>
+                </a:tc>
+                <a:tc>
+                  <a:txBody>
+                    <a:bodyPr/>
+                    <a:lstStyle/>
+                    <a:p>
+                      <a:r>
+                        <a:rPr lang="en-GB" sz="1800" b="0" strike="noStrike" spc="-1" dirty="0" err="1" smtClean="0">
+                          <a:solidFill>
+                            <a:srgbClr val="000000"/>
+                          </a:solidFill>
+                          <a:uFill>
+                            <a:solidFill>
+                              <a:srgbClr val="FFFFFF"/>
+                            </a:solidFill>
+                          </a:uFill>
+                          <a:latin typeface="Arial"/>
+                        </a:rPr>
+                        <a:t>zh-en</a:t>
+                      </a:r>
+                      <a:endParaRPr lang="en-GB" sz="1800" b="0" strike="noStrike" spc="-1" dirty="0">
+                        <a:solidFill>
+                          <a:srgbClr val="000000"/>
+                        </a:solidFill>
+                        <a:uFill>
+                          <a:solidFill>
+                            <a:srgbClr val="FFFFFF"/>
+                          </a:solidFill>
+                        </a:uFill>
+                        <a:latin typeface="Arial"/>
+                      </a:endParaRPr>
+                    </a:p>
+                  </a:txBody>
+                  <a:tcPr marL="90000" marR="90000">
+                    <a:lnL w="720" cap="flat" cmpd="sng" algn="ctr">
+                      <a:solidFill>
+                        <a:srgbClr val="FFFFFF"/>
+                      </a:solidFill>
+                      <a:prstDash val="solid"/>
+                      <a:round/>
+                      <a:headEnd type="none" w="med" len="med"/>
+                      <a:tailEnd type="none" w="med" len="med"/>
+                    </a:lnL>
+                    <a:lnR w="720">
+                      <a:solidFill>
+                        <a:srgbClr val="FFFFFF"/>
+                      </a:solidFill>
+                    </a:lnR>
+                    <a:lnT w="720">
+                      <a:solidFill>
+                        <a:srgbClr val="FFFFFF"/>
+                      </a:solidFill>
+                    </a:lnT>
+                    <a:lnB w="720" cap="flat" cmpd="sng" algn="ctr">
+                      <a:solidFill>
+                        <a:srgbClr val="FFFFFF"/>
+                      </a:solidFill>
+                      <a:prstDash val="solid"/>
+                      <a:round/>
+                      <a:headEnd type="none" w="med" len="med"/>
+                      <a:tailEnd type="none" w="med" len="med"/>
+                    </a:lnB>
+                    <a:solidFill>
+                      <a:srgbClr val="B3B3B3"/>
+                    </a:solidFill>
+                  </a:tcPr>
+                </a:tc>
+                <a:tc>
+                  <a:txBody>
+                    <a:bodyPr/>
+                    <a:lstStyle/>
+                    <a:p>
+                      <a:r>
+                        <a:rPr lang="en-GB" sz="1800" b="0" strike="noStrike" spc="-1" dirty="0" err="1">
+                          <a:solidFill>
+                            <a:srgbClr val="000000"/>
+                          </a:solidFill>
+                          <a:uFill>
+                            <a:solidFill>
+                              <a:srgbClr val="FFFFFF"/>
+                            </a:solidFill>
+                          </a:uFill>
+                          <a:latin typeface="Arial"/>
+                        </a:rPr>
+                        <a:t>en-zh</a:t>
+                      </a:r>
+                      <a:endParaRPr lang="en-GB" sz="1800" b="0" strike="noStrike" spc="-1" dirty="0">
+                        <a:solidFill>
+                          <a:srgbClr val="000000"/>
+                        </a:solidFill>
+                        <a:uFill>
+                          <a:solidFill>
+                            <a:srgbClr val="FFFFFF"/>
+                          </a:solidFill>
+                        </a:uFill>
+                        <a:latin typeface="Arial"/>
+                      </a:endParaRPr>
+                    </a:p>
+                  </a:txBody>
+                  <a:tcPr marL="90000" marR="90000">
+                    <a:lnL w="720">
+                      <a:solidFill>
+                        <a:srgbClr val="FFFFFF"/>
+                      </a:solidFill>
+                    </a:lnL>
+                    <a:lnR w="720">
+                      <a:solidFill>
+                        <a:srgbClr val="FFFFFF"/>
+                      </a:solidFill>
+                    </a:lnR>
+                    <a:lnT w="720">
+                      <a:solidFill>
+                        <a:srgbClr val="FFFFFF"/>
+                      </a:solidFill>
+                    </a:lnT>
+                    <a:lnB w="720">
+                      <a:solidFill>
+                        <a:srgbClr val="FFFFFF"/>
+                      </a:solidFill>
+                    </a:lnB>
+                    <a:solidFill>
+                      <a:srgbClr val="B3B3B3"/>
+                    </a:solidFill>
+                  </a:tcPr>
+                </a:tc>
+              </a:tr>
+              <a:tr h="0">
+                <a:tc>
+                  <a:txBody>
+                    <a:bodyPr/>
+                    <a:lstStyle/>
+                    <a:p>
+                      <a:r>
+                        <a:rPr lang="en-GB" sz="1800" b="0" strike="noStrike" spc="-1" dirty="0" err="1">
+                          <a:solidFill>
+                            <a:srgbClr val="000000"/>
+                          </a:solidFill>
+                          <a:uFill>
+                            <a:solidFill>
+                              <a:srgbClr val="FFFFFF"/>
+                            </a:solidFill>
+                          </a:uFill>
+                          <a:latin typeface="Arial"/>
+                        </a:rPr>
+                        <a:t>pb</a:t>
+                      </a:r>
+                      <a:endParaRPr lang="en-GB" sz="1800" b="0" strike="noStrike" spc="-1" dirty="0">
+                        <a:solidFill>
+                          <a:srgbClr val="000000"/>
+                        </a:solidFill>
+                        <a:uFill>
+                          <a:solidFill>
+                            <a:srgbClr val="FFFFFF"/>
+                          </a:solidFill>
+                        </a:uFill>
+                        <a:latin typeface="Arial"/>
+                      </a:endParaRPr>
+                    </a:p>
+                  </a:txBody>
+                  <a:tcPr marL="90000" marR="90000">
+                    <a:lnL w="720">
+                      <a:solidFill>
+                        <a:srgbClr val="FFFFFF"/>
+                      </a:solidFill>
+                    </a:lnL>
+                    <a:lnR w="720">
+                      <a:solidFill>
+                        <a:srgbClr val="FFFFFF"/>
+                      </a:solidFill>
+                    </a:lnR>
+                    <a:lnT w="720">
+                      <a:solidFill>
+                        <a:srgbClr val="FFFFFF"/>
+                      </a:solidFill>
+                    </a:lnT>
+                    <a:lnB w="720">
+                      <a:solidFill>
+                        <a:srgbClr val="FFFFFF"/>
+                      </a:solidFill>
+                    </a:lnB>
+                    <a:solidFill>
+                      <a:srgbClr val="CCCCCC"/>
+                    </a:solidFill>
+                  </a:tcPr>
+                </a:tc>
+                <a:tc>
+                  <a:txBody>
+                    <a:bodyPr/>
+                    <a:lstStyle/>
+                    <a:p>
+                      <a:pPr marL="0" algn="l" defTabSz="914400" rtl="0" eaLnBrk="1" latinLnBrk="0" hangingPunct="1"/>
+                      <a:r>
+                        <a:rPr lang="en-GB" sz="1800" b="0" strike="noStrike" spc="-1" dirty="0" smtClean="0">
+                          <a:solidFill>
+                            <a:srgbClr val="000000"/>
+                          </a:solidFill>
+                          <a:uFill>
+                            <a:solidFill>
+                              <a:srgbClr val="FFFFFF"/>
+                            </a:solidFill>
+                          </a:uFill>
+                          <a:latin typeface="Arial"/>
+                        </a:rPr>
+                        <a:t>43.0</a:t>
+                      </a:r>
+                      <a:endParaRPr lang="en-GB" sz="1800" b="0" strike="noStrike" spc="-1" dirty="0">
+                        <a:solidFill>
+                          <a:srgbClr val="000000"/>
+                        </a:solidFill>
+                        <a:uFill>
+                          <a:solidFill>
+                            <a:srgbClr val="FFFFFF"/>
+                          </a:solidFill>
+                        </a:uFill>
+                        <a:latin typeface="Arial"/>
+                      </a:endParaRPr>
+                    </a:p>
+                  </a:txBody>
+                  <a:tcPr marL="90000" marR="90000">
+                    <a:lnL w="720" cap="flat" cmpd="sng" algn="ctr">
+                      <a:solidFill>
+                        <a:srgbClr val="FFFFFF"/>
+                      </a:solidFill>
+                      <a:prstDash val="solid"/>
+                      <a:round/>
+                      <a:headEnd type="none" w="med" len="med"/>
+                      <a:tailEnd type="none" w="med" len="med"/>
+                    </a:lnL>
+                    <a:lnR w="720">
+                      <a:solidFill>
+                        <a:srgbClr val="FFFFFF"/>
+                      </a:solidFill>
+                    </a:lnR>
+                    <a:lnT w="720" cap="flat" cmpd="sng" algn="ctr">
+                      <a:solidFill>
+                        <a:srgbClr val="FFFFFF"/>
+                      </a:solidFill>
+                      <a:prstDash val="solid"/>
+                      <a:round/>
+                      <a:headEnd type="none" w="med" len="med"/>
+                      <a:tailEnd type="none" w="med" len="med"/>
+                    </a:lnT>
+                    <a:lnB w="720" cap="flat" cmpd="sng" algn="ctr">
+                      <a:solidFill>
+                        <a:srgbClr val="FFFFFF"/>
+                      </a:solidFill>
+                      <a:prstDash val="solid"/>
+                      <a:round/>
+                      <a:headEnd type="none" w="med" len="med"/>
+                      <a:tailEnd type="none" w="med" len="med"/>
+                    </a:lnB>
+                    <a:solidFill>
+                      <a:srgbClr val="CCCCCC"/>
+                    </a:solidFill>
+                  </a:tcPr>
+                </a:tc>
+                <a:tc>
+                  <a:txBody>
+                    <a:bodyPr/>
+                    <a:lstStyle/>
+                    <a:p>
+                      <a:pPr algn="r"/>
+                      <a:r>
+                        <a:rPr lang="en-GB" sz="1800" b="0" strike="noStrike" spc="-1">
+                          <a:solidFill>
+                            <a:srgbClr val="000000"/>
+                          </a:solidFill>
+                          <a:uFill>
+                            <a:solidFill>
+                              <a:srgbClr val="FFFFFF"/>
+                            </a:solidFill>
+                          </a:uFill>
+                          <a:latin typeface="Arial"/>
+                        </a:rPr>
+                        <a:t>37.84</a:t>
+                      </a:r>
+                    </a:p>
+                  </a:txBody>
+                  <a:tcPr marL="90000" marR="90000">
+                    <a:lnL w="720">
+                      <a:solidFill>
+                        <a:srgbClr val="FFFFFF"/>
+                      </a:solidFill>
+                    </a:lnL>
+                    <a:lnR w="720">
+                      <a:solidFill>
+                        <a:srgbClr val="FFFFFF"/>
+                      </a:solidFill>
+                    </a:lnR>
+                    <a:lnT w="720">
+                      <a:solidFill>
+                        <a:srgbClr val="FFFFFF"/>
+                      </a:solidFill>
+                    </a:lnT>
+                    <a:lnB w="720">
+                      <a:solidFill>
+                        <a:srgbClr val="FFFFFF"/>
+                      </a:solidFill>
+                    </a:lnB>
+                    <a:solidFill>
+                      <a:srgbClr val="CCCCCC"/>
+                    </a:solidFill>
+                  </a:tcPr>
+                </a:tc>
+              </a:tr>
+              <a:tr h="0">
+                <a:tc>
+                  <a:txBody>
+                    <a:bodyPr/>
+                    <a:lstStyle/>
+                    <a:p>
+                      <a:r>
+                        <a:rPr lang="en-GB" sz="1800" b="0" strike="noStrike" spc="-1" dirty="0" smtClean="0">
+                          <a:solidFill>
+                            <a:srgbClr val="000000"/>
+                          </a:solidFill>
+                          <a:uFill>
+                            <a:solidFill>
+                              <a:srgbClr val="FFFFFF"/>
+                            </a:solidFill>
+                          </a:uFill>
+                          <a:latin typeface="Arial"/>
+                        </a:rPr>
+                        <a:t>hierarchical</a:t>
+                      </a:r>
+                      <a:endParaRPr lang="en-GB" sz="1800" b="0" strike="noStrike" spc="-1" dirty="0">
+                        <a:solidFill>
+                          <a:srgbClr val="000000"/>
+                        </a:solidFill>
+                        <a:uFill>
+                          <a:solidFill>
+                            <a:srgbClr val="FFFFFF"/>
+                          </a:solidFill>
+                        </a:uFill>
+                        <a:latin typeface="Arial"/>
+                      </a:endParaRPr>
+                    </a:p>
+                  </a:txBody>
+                  <a:tcPr marL="90000" marR="90000">
+                    <a:lnL w="720">
+                      <a:solidFill>
+                        <a:srgbClr val="FFFFFF"/>
+                      </a:solidFill>
+                    </a:lnL>
+                    <a:lnR w="720" cap="flat" cmpd="sng" algn="ctr">
+                      <a:solidFill>
+                        <a:srgbClr val="FFFFFF"/>
+                      </a:solidFill>
+                      <a:prstDash val="solid"/>
+                      <a:round/>
+                      <a:headEnd type="none" w="med" len="med"/>
+                      <a:tailEnd type="none" w="med" len="med"/>
+                    </a:lnR>
+                    <a:lnT w="720">
+                      <a:solidFill>
+                        <a:srgbClr val="FFFFFF"/>
+                      </a:solidFill>
+                    </a:lnT>
+                    <a:lnB w="720" cap="flat" cmpd="sng" algn="ctr">
+                      <a:solidFill>
+                        <a:srgbClr val="FFFFFF"/>
+                      </a:solidFill>
+                      <a:prstDash val="solid"/>
+                      <a:round/>
+                      <a:headEnd type="none" w="med" len="med"/>
+                      <a:tailEnd type="none" w="med" len="med"/>
+                    </a:lnB>
+                    <a:solidFill>
+                      <a:srgbClr val="E6E6E6"/>
+                    </a:solidFill>
+                  </a:tcPr>
+                </a:tc>
+                <a:tc>
+                  <a:txBody>
+                    <a:bodyPr/>
+                    <a:lstStyle/>
+                    <a:p>
+                      <a:pPr marL="0" algn="l" defTabSz="914400" rtl="0" eaLnBrk="1" latinLnBrk="0" hangingPunct="1"/>
+                      <a:r>
+                        <a:rPr lang="en-GB" sz="1800" b="0" strike="noStrike" spc="-1" dirty="0" smtClean="0">
+                          <a:solidFill>
+                            <a:srgbClr val="000000"/>
+                          </a:solidFill>
+                          <a:uFill>
+                            <a:solidFill>
+                              <a:srgbClr val="FFFFFF"/>
+                            </a:solidFill>
+                          </a:uFill>
+                          <a:latin typeface="Arial"/>
+                        </a:rPr>
+                        <a:t>47.3</a:t>
+                      </a:r>
+                      <a:endParaRPr lang="en-GB" sz="1800" b="0" strike="noStrike" spc="-1" dirty="0">
+                        <a:solidFill>
+                          <a:srgbClr val="000000"/>
+                        </a:solidFill>
+                        <a:uFill>
+                          <a:solidFill>
+                            <a:srgbClr val="FFFFFF"/>
+                          </a:solidFill>
+                        </a:uFill>
+                        <a:latin typeface="Arial"/>
+                      </a:endParaRPr>
+                    </a:p>
+                  </a:txBody>
+                  <a:tcPr marL="90000" marR="90000">
+                    <a:lnL w="720" cap="flat" cmpd="sng" algn="ctr">
+                      <a:solidFill>
+                        <a:srgbClr val="FFFFFF"/>
+                      </a:solidFill>
+                      <a:prstDash val="solid"/>
+                      <a:round/>
+                      <a:headEnd type="none" w="med" len="med"/>
+                      <a:tailEnd type="none" w="med" len="med"/>
+                    </a:lnL>
+                    <a:lnR w="720" cap="flat" cmpd="sng" algn="ctr">
+                      <a:solidFill>
+                        <a:srgbClr val="FFFFFF"/>
+                      </a:solidFill>
+                      <a:prstDash val="solid"/>
+                      <a:round/>
+                      <a:headEnd type="none" w="med" len="med"/>
+                      <a:tailEnd type="none" w="med" len="med"/>
+                    </a:lnR>
+                    <a:lnT w="720" cap="flat" cmpd="sng" algn="ctr">
+                      <a:solidFill>
+                        <a:srgbClr val="FFFFFF"/>
+                      </a:solidFill>
+                      <a:prstDash val="solid"/>
+                      <a:round/>
+                      <a:headEnd type="none" w="med" len="med"/>
+                      <a:tailEnd type="none" w="med" len="med"/>
+                    </a:lnT>
+                    <a:lnB w="720" cap="flat" cmpd="sng" algn="ctr">
+                      <a:solidFill>
+                        <a:srgbClr val="FFFFFF"/>
+                      </a:solidFill>
+                      <a:prstDash val="solid"/>
+                      <a:round/>
+                      <a:headEnd type="none" w="med" len="med"/>
+                      <a:tailEnd type="none" w="med" len="med"/>
+                    </a:lnB>
+                    <a:solidFill>
+                      <a:srgbClr val="E6E6E6"/>
+                    </a:solidFill>
+                  </a:tcPr>
+                </a:tc>
+                <a:tc>
+                  <a:txBody>
+                    <a:bodyPr/>
+                    <a:lstStyle/>
+                    <a:p>
+                      <a:pPr marL="457200" lvl="1" algn="l" defTabSz="914400" rtl="0" eaLnBrk="1" latinLnBrk="0" hangingPunct="1"/>
+                      <a:r>
+                        <a:rPr lang="en-GB" sz="1800" b="0" strike="noStrike" spc="-1" dirty="0" smtClean="0">
+                          <a:solidFill>
+                            <a:srgbClr val="000000"/>
+                          </a:solidFill>
+                          <a:uFill>
+                            <a:solidFill>
+                              <a:srgbClr val="FFFFFF"/>
+                            </a:solidFill>
+                          </a:uFill>
+                          <a:latin typeface="Arial"/>
+                        </a:rPr>
+                        <a:t>41.7</a:t>
+                      </a:r>
+                      <a:endParaRPr lang="en-GB" sz="1800" b="0" strike="noStrike" spc="-1" dirty="0">
+                        <a:solidFill>
+                          <a:srgbClr val="000000"/>
+                        </a:solidFill>
+                        <a:uFill>
+                          <a:solidFill>
+                            <a:srgbClr val="FFFFFF"/>
+                          </a:solidFill>
+                        </a:uFill>
+                        <a:latin typeface="Arial"/>
+                      </a:endParaRPr>
+                    </a:p>
+                  </a:txBody>
+                  <a:tcPr marL="90000" marR="90000">
+                    <a:lnL w="720" cap="flat" cmpd="sng" algn="ctr">
+                      <a:solidFill>
+                        <a:srgbClr val="FFFFFF"/>
+                      </a:solidFill>
+                      <a:prstDash val="solid"/>
+                      <a:round/>
+                      <a:headEnd type="none" w="med" len="med"/>
+                      <a:tailEnd type="none" w="med" len="med"/>
+                    </a:lnL>
+                    <a:lnR w="720">
+                      <a:solidFill>
+                        <a:srgbClr val="FFFFFF"/>
+                      </a:solidFill>
+                    </a:lnR>
+                    <a:lnT w="720">
+                      <a:solidFill>
+                        <a:srgbClr val="FFFFFF"/>
+                      </a:solidFill>
+                    </a:lnT>
+                    <a:lnB w="720" cap="flat" cmpd="sng" algn="ctr">
+                      <a:solidFill>
+                        <a:srgbClr val="FFFFFF"/>
+                      </a:solidFill>
+                      <a:prstDash val="solid"/>
+                      <a:round/>
+                      <a:headEnd type="none" w="med" len="med"/>
+                      <a:tailEnd type="none" w="med" len="med"/>
+                    </a:lnB>
+                    <a:solidFill>
+                      <a:srgbClr val="E6E6E6"/>
+                    </a:solidFill>
+                  </a:tcPr>
+                </a:tc>
+              </a:tr>
+              <a:tr h="0">
+                <a:tc>
+                  <a:txBody>
+                    <a:bodyPr/>
+                    <a:lstStyle/>
+                    <a:p>
+                      <a:r>
+                        <a:rPr lang="en-GB" sz="1800" b="0" strike="noStrike" spc="-1" dirty="0">
+                          <a:solidFill>
+                            <a:srgbClr val="000000"/>
+                          </a:solidFill>
+                          <a:uFill>
+                            <a:solidFill>
+                              <a:srgbClr val="FFFFFF"/>
+                            </a:solidFill>
+                          </a:uFill>
+                          <a:latin typeface="Arial"/>
+                        </a:rPr>
+                        <a:t>NMT</a:t>
+                      </a:r>
+                    </a:p>
+                  </a:txBody>
+                  <a:tcPr marL="90000" marR="90000">
+                    <a:lnL w="720">
+                      <a:solidFill>
+                        <a:srgbClr val="FFFFFF"/>
+                      </a:solidFill>
+                    </a:lnL>
+                    <a:lnR w="720">
+                      <a:solidFill>
+                        <a:srgbClr val="FFFFFF"/>
+                      </a:solidFill>
+                    </a:lnR>
+                    <a:lnT w="720">
+                      <a:solidFill>
+                        <a:srgbClr val="FFFFFF"/>
+                      </a:solidFill>
+                    </a:lnT>
+                    <a:lnB w="720">
+                      <a:solidFill>
+                        <a:srgbClr val="FFFFFF"/>
+                      </a:solidFill>
+                    </a:lnB>
+                    <a:solidFill>
+                      <a:srgbClr val="E6E6E6"/>
+                    </a:solidFill>
+                  </a:tcPr>
+                </a:tc>
+                <a:tc>
+                  <a:txBody>
+                    <a:bodyPr/>
+                    <a:lstStyle/>
+                    <a:p>
+                      <a:pPr marL="0" algn="l" defTabSz="914400" rtl="0" eaLnBrk="1" latinLnBrk="0" hangingPunct="1"/>
+                      <a:r>
+                        <a:rPr lang="en-GB" sz="1800" b="1" strike="noStrike" spc="-1" dirty="0" smtClean="0">
+                          <a:solidFill>
+                            <a:srgbClr val="000000"/>
+                          </a:solidFill>
+                          <a:uFill>
+                            <a:solidFill>
+                              <a:srgbClr val="FFFFFF"/>
+                            </a:solidFill>
+                          </a:uFill>
+                          <a:latin typeface="Arial"/>
+                        </a:rPr>
+                        <a:t>51.8</a:t>
+                      </a:r>
+                      <a:endParaRPr lang="en-GB" sz="1800" b="1" strike="noStrike" spc="-1" dirty="0">
+                        <a:solidFill>
+                          <a:srgbClr val="000000"/>
+                        </a:solidFill>
+                        <a:uFill>
+                          <a:solidFill>
+                            <a:srgbClr val="FFFFFF"/>
+                          </a:solidFill>
+                        </a:uFill>
+                        <a:latin typeface="Arial"/>
+                      </a:endParaRPr>
+                    </a:p>
+                  </a:txBody>
+                  <a:tcPr marL="90000" marR="90000">
+                    <a:lnL w="720" cap="flat" cmpd="sng" algn="ctr">
+                      <a:solidFill>
+                        <a:srgbClr val="FFFFFF"/>
+                      </a:solidFill>
+                      <a:prstDash val="solid"/>
+                      <a:round/>
+                      <a:headEnd type="none" w="med" len="med"/>
+                      <a:tailEnd type="none" w="med" len="med"/>
+                    </a:lnL>
+                    <a:lnR w="720">
+                      <a:solidFill>
+                        <a:srgbClr val="FFFFFF"/>
+                      </a:solidFill>
+                    </a:lnR>
+                    <a:lnT w="720" cap="flat" cmpd="sng" algn="ctr">
+                      <a:solidFill>
+                        <a:srgbClr val="FFFFFF"/>
+                      </a:solidFill>
+                      <a:prstDash val="solid"/>
+                      <a:round/>
+                      <a:headEnd type="none" w="med" len="med"/>
+                      <a:tailEnd type="none" w="med" len="med"/>
+                    </a:lnT>
+                    <a:lnB w="720">
+                      <a:solidFill>
+                        <a:srgbClr val="FFFFFF"/>
+                      </a:solidFill>
+                    </a:lnB>
+                    <a:solidFill>
+                      <a:srgbClr val="E6E6E6"/>
+                    </a:solidFill>
+                  </a:tcPr>
+                </a:tc>
+                <a:tc>
+                  <a:txBody>
+                    <a:bodyPr/>
+                    <a:lstStyle/>
+                    <a:p>
+                      <a:pPr algn="r"/>
+                      <a:r>
+                        <a:rPr lang="en-GB" sz="1800" b="1" strike="noStrike" spc="-1" dirty="0">
+                          <a:solidFill>
+                            <a:srgbClr val="000000"/>
+                          </a:solidFill>
+                          <a:uFill>
+                            <a:solidFill>
+                              <a:srgbClr val="FFFFFF"/>
+                            </a:solidFill>
+                          </a:uFill>
+                          <a:latin typeface="Arial"/>
+                        </a:rPr>
+                        <a:t>46.82</a:t>
+                      </a:r>
+                      <a:endParaRPr lang="en-GB" sz="1800" b="0" strike="noStrike" spc="-1" dirty="0">
+                        <a:solidFill>
+                          <a:srgbClr val="000000"/>
+                        </a:solidFill>
+                        <a:uFill>
+                          <a:solidFill>
+                            <a:srgbClr val="FFFFFF"/>
+                          </a:solidFill>
+                        </a:uFill>
+                        <a:latin typeface="Arial"/>
+                      </a:endParaRPr>
+                    </a:p>
+                  </a:txBody>
+                  <a:tcPr marL="90000" marR="90000">
+                    <a:lnL w="720">
+                      <a:solidFill>
+                        <a:srgbClr val="FFFFFF"/>
+                      </a:solidFill>
+                    </a:lnL>
+                    <a:lnR w="720">
+                      <a:solidFill>
+                        <a:srgbClr val="FFFFFF"/>
+                      </a:solidFill>
+                    </a:lnR>
+                    <a:lnT w="720">
+                      <a:solidFill>
+                        <a:srgbClr val="FFFFFF"/>
+                      </a:solidFill>
+                    </a:lnT>
+                    <a:lnB w="720">
+                      <a:solidFill>
+                        <a:srgbClr val="FFFFFF"/>
+                      </a:solidFill>
+                    </a:lnB>
+                    <a:solidFill>
+                      <a:srgbClr val="E6E6E6"/>
+                    </a:solidFill>
+                  </a:tcPr>
+                </a:tc>
+              </a:tr>
+            </a:tbl>
+          </a:graphicData>
+        </a:graphic>
+      </p:graphicFrame>
+      <p:sp>
+        <p:nvSpPr>
+          <p:cNvPr id="10" name="TextShape 5"/>
+          <p:cNvSpPr txBox="1"/>
+          <p:nvPr/>
+        </p:nvSpPr>
+        <p:spPr>
+          <a:xfrm>
+            <a:off x="5902668" y="4457509"/>
+            <a:ext cx="3456000" cy="602280"/>
+          </a:xfrm>
+          <a:prstGeom prst="rect">
+            <a:avLst/>
+          </a:prstGeom>
+          <a:noFill/>
+          <a:ln>
+            <a:noFill/>
+          </a:ln>
+        </p:spPr>
+        <p:txBody>
+          <a:bodyPr lIns="90000" tIns="45000" rIns="90000" bIns="45000"/>
+          <a:lstStyle/>
+          <a:p>
+            <a:r>
+              <a:rPr lang="en-GB" sz="1800" b="0" strike="noStrike" spc="-1">
                 <a:solidFill>
                   <a:srgbClr val="000000"/>
                 </a:solidFill>
@@ -12304,26 +13716,82 @@
                 </a:uFill>
                 <a:latin typeface="Arial"/>
               </a:rPr>
-              <a:t>, 2016)</a:t>
-            </a:r>
-            <a:endParaRPr lang="en-GB" sz="1800" b="0" strike="noStrike" spc="-1" dirty="0">
-              <a:solidFill>
-                <a:srgbClr val="000000"/>
-              </a:solidFill>
-              <a:uFill>
+              <a:t>(</a:t>
+            </a:r>
+            <a:r>
+              <a:rPr lang="en-GB" sz="1800" b="0" strike="noStrike" spc="-1" dirty="0" err="1">
                 <a:solidFill>
-                  <a:srgbClr val="FFFFFF"/>
+                  <a:srgbClr val="000000"/>
                 </a:solidFill>
-              </a:uFill>
-              <a:latin typeface="Arial"/>
-            </a:endParaRPr>
+                <a:uFill>
+                  <a:solidFill>
+                    <a:srgbClr val="FFFFFF"/>
+                  </a:solidFill>
+                </a:uFill>
+                <a:latin typeface="Arial"/>
+              </a:rPr>
+              <a:t>Junczys-Dowmunt</a:t>
+            </a:r>
+            <a:r>
+              <a:rPr lang="en-GB" sz="1800" b="0" strike="noStrike" spc="-1" dirty="0">
+                <a:solidFill>
+                  <a:srgbClr val="000000"/>
+                </a:solidFill>
+                <a:uFill>
+                  <a:solidFill>
+                    <a:srgbClr val="FFFFFF"/>
+                  </a:solidFill>
+                </a:uFill>
+                <a:latin typeface="Arial"/>
+              </a:rPr>
+              <a:t> et al, 2014)</a:t>
+            </a:r>
+          </a:p>
+        </p:txBody>
+      </p:sp>
+      <p:sp>
+        <p:nvSpPr>
+          <p:cNvPr id="11" name="TextShape 5"/>
+          <p:cNvSpPr txBox="1"/>
+          <p:nvPr/>
+        </p:nvSpPr>
+        <p:spPr>
+          <a:xfrm>
+            <a:off x="346433" y="3777530"/>
+            <a:ext cx="3456000" cy="411934"/>
+          </a:xfrm>
+          <a:prstGeom prst="rect">
+            <a:avLst/>
+          </a:prstGeom>
+          <a:noFill/>
+          <a:ln>
+            <a:noFill/>
+          </a:ln>
+        </p:spPr>
+        <p:txBody>
+          <a:bodyPr lIns="90000" tIns="45000" rIns="90000" bIns="45000"/>
+          <a:lstStyle/>
+          <a:p>
+            <a:r>
+              <a:rPr lang="en-US" sz="2400" b="1" dirty="0" err="1" smtClean="0"/>
+              <a:t>zh-en</a:t>
+            </a:r>
+            <a:r>
+              <a:rPr lang="en-US" sz="2400" b="1" dirty="0" smtClean="0"/>
+              <a:t> &amp; </a:t>
+            </a:r>
+            <a:r>
+              <a:rPr lang="en-US" sz="2400" b="1" dirty="0" err="1" smtClean="0"/>
+              <a:t>en-zh</a:t>
+            </a:r>
+            <a:endParaRPr lang="en-US" sz="2400" b="1" dirty="0"/>
           </a:p>
         </p:txBody>
       </p:sp>
     </p:spTree>
     <p:extLst>
       <p:ext uri="{BB962C8B-B14F-4D97-AF65-F5344CB8AC3E}">
-        <p14:creationId xmlns:p14="http://schemas.microsoft.com/office/powerpoint/2010/main" val="975948083"/>
+        <p14:creationId xmlns:p14="http://schemas.microsoft.com/office/powerpoint/2010/main" val="338385955"/>
       </p:ext>
     </p:extLst>
   </p:cSld>
@@ -12374,7 +13842,7 @@
           <a:p>
             <a:r>
               <a:rPr lang="en-US" dirty="0" smtClean="0"/>
-              <a:t>Speed</a:t>
+              <a:t>Low-Resource Languages</a:t>
             </a:r>
             <a:endParaRPr lang="en-US" dirty="0"/>
           </a:p>
@@ -12389,14 +13857,14 @@
           <p:nvPr>
             <p:extLst>
               <p:ext uri="{D42A27DB-BD31-4B8C-83A1-F6EECF244321}">
-                <p14:modId xmlns:p14="http://schemas.microsoft.com/office/powerpoint/2010/main" val="1729064966"/>
+                <p14:modId xmlns:p14="http://schemas.microsoft.com/office/powerpoint/2010/main" val="574317073"/>
               </p:ext>
             </p:extLst>
           </p:nvPr>
         </p:nvGraphicFramePr>
         <p:xfrm>
-          <a:off x="982681" y="1563480"/>
-          <a:ext cx="4480278" cy="1483360"/>
+          <a:off x="1083420" y="1563480"/>
+          <a:ext cx="6720417" cy="1854200"/>
         </p:xfrm>
         <a:graphic>
           <a:graphicData uri="http://schemas.openxmlformats.org/drawingml/2006/table">
@@ -12407,6 +13875,7 @@
               <a:tblGrid>
                 <a:gridCol w="2240139"/>
                 <a:gridCol w="2240139"/>
+                <a:gridCol w="2240139"/>
               </a:tblGrid>
               <a:tr h="370840">
                 <a:tc>
@@ -12426,11 +13895,21 @@
                     <a:p>
                       <a:r>
                         <a:rPr lang="en-US" dirty="0" smtClean="0"/>
-                        <a:t>Words /</a:t>
-                      </a:r>
-                      <a:r>
-                        <a:rPr lang="en-US" baseline="0" dirty="0" smtClean="0"/>
-                        <a:t> sec</a:t>
+                        <a:t>SMT (Syntax)</a:t>
+                      </a:r>
+                      <a:endParaRPr lang="en-US" dirty="0"/>
+                    </a:p>
+                  </a:txBody>
+                  <a:tcPr/>
+                </a:tc>
+                <a:tc>
+                  <a:txBody>
+                    <a:bodyPr/>
+                    <a:lstStyle/>
+                    <a:p>
+                      <a:r>
+                        <a:rPr lang="en-US" dirty="0" smtClean="0"/>
+                        <a:t>NMT</a:t>
                       </a:r>
                       <a:endParaRPr lang="en-US" dirty="0"/>
                     </a:p>
@@ -12446,7 +13925,7 @@
                     <a:p>
                       <a:r>
                         <a:rPr lang="en-US" dirty="0" smtClean="0"/>
-                        <a:t>Moses (16 cores)</a:t>
+                        <a:t>Hausa</a:t>
                       </a:r>
                       <a:endParaRPr lang="en-US" dirty="0"/>
                     </a:p>
@@ -12459,10 +13938,24 @@
                     <a:lstStyle/>
                     <a:p>
                       <a:r>
-                        <a:rPr lang="en-US" b="0" dirty="0" smtClean="0"/>
-                        <a:t>455.3</a:t>
-                      </a:r>
-                      <a:endParaRPr lang="en-US" b="0" dirty="0"/>
+                        <a:rPr lang="en-US" b="1" dirty="0" smtClean="0"/>
+                        <a:t>23.7</a:t>
+                      </a:r>
+                      <a:endParaRPr lang="en-US" b="1" dirty="0"/>
+                    </a:p>
+                  </a:txBody>
+                  <a:tcPr/>
+                </a:tc>
+                <a:tc>
+                  <a:txBody>
+                    <a:bodyPr/>
+                    <a:lstStyle/>
+                    <a:p>
+                      <a:r>
+                        <a:rPr lang="en-US" dirty="0" smtClean="0"/>
+                        <a:t>16.8</a:t>
+                      </a:r>
+                      <a:endParaRPr lang="en-US" dirty="0"/>
                     </a:p>
                   </a:txBody>
                   <a:tcPr/>
@@ -12475,12 +13968,8 @@
                     <a:lstStyle/>
                     <a:p>
                       <a:r>
-                        <a:rPr lang="en-US" dirty="0" err="1" smtClean="0"/>
-                        <a:t>Nematus</a:t>
-                      </a:r>
-                      <a:r>
-                        <a:rPr lang="en-US" baseline="0" dirty="0" smtClean="0"/>
-                        <a:t> (1 GPU)</a:t>
+                        <a:rPr lang="en-US" dirty="0" smtClean="0"/>
+                        <a:t>Turkish</a:t>
                       </a:r>
                       <a:endParaRPr lang="en-US" dirty="0"/>
                     </a:p>
@@ -12493,10 +13982,24 @@
                     <a:lstStyle/>
                     <a:p>
                       <a:r>
-                        <a:rPr lang="en-US" b="0" dirty="0" smtClean="0"/>
-                        <a:t>268.4</a:t>
-                      </a:r>
-                      <a:endParaRPr lang="en-US" b="0" dirty="0"/>
+                        <a:rPr lang="en-US" b="1" dirty="0" smtClean="0"/>
+                        <a:t>20.4</a:t>
+                      </a:r>
+                      <a:endParaRPr lang="en-US" b="1" dirty="0"/>
+                    </a:p>
+                  </a:txBody>
+                  <a:tcPr/>
+                </a:tc>
+                <a:tc>
+                  <a:txBody>
+                    <a:bodyPr/>
+                    <a:lstStyle/>
+                    <a:p>
+                      <a:r>
+                        <a:rPr lang="en-US" dirty="0" smtClean="0"/>
+                        <a:t>11.4</a:t>
+                      </a:r>
+                      <a:endParaRPr lang="en-US" dirty="0"/>
                     </a:p>
                   </a:txBody>
                   <a:tcPr/>
@@ -12509,12 +14012,8 @@
                     <a:lstStyle/>
                     <a:p>
                       <a:r>
-                        <a:rPr lang="en-US" dirty="0" err="1" smtClean="0"/>
-                        <a:t>AmuNMT</a:t>
-                      </a:r>
-                      <a:r>
-                        <a:rPr lang="en-US" baseline="0" dirty="0" smtClean="0"/>
-                        <a:t> (1 GPU)</a:t>
+                        <a:rPr lang="en-US" dirty="0" smtClean="0"/>
+                        <a:t>Uzbek</a:t>
                       </a:r>
                       <a:endParaRPr lang="en-US" dirty="0"/>
                     </a:p>
@@ -12528,9 +14027,67 @@
                     <a:p>
                       <a:r>
                         <a:rPr lang="en-US" b="1" dirty="0" smtClean="0"/>
-                        <a:t>864.7</a:t>
+                        <a:t>17.9</a:t>
                       </a:r>
                       <a:endParaRPr lang="en-US" b="1" dirty="0"/>
+                    </a:p>
+                  </a:txBody>
+                  <a:tcPr/>
+                </a:tc>
+                <a:tc>
+                  <a:txBody>
+                    <a:bodyPr/>
+                    <a:lstStyle/>
+                    <a:p>
+                      <a:r>
+                        <a:rPr lang="en-US" dirty="0" smtClean="0"/>
+                        <a:t>10.7</a:t>
+                      </a:r>
+                      <a:endParaRPr lang="en-US" dirty="0"/>
+                    </a:p>
+                  </a:txBody>
+                  <a:tcPr/>
+                </a:tc>
+              </a:tr>
+              <a:tr h="370840">
+                <a:tc>
+                  <a:txBody>
+                    <a:bodyPr/>
+                    <a:lstStyle/>
+                    <a:p>
+                      <a:r>
+                        <a:rPr lang="en-US" dirty="0" smtClean="0"/>
+                        <a:t>Urdu</a:t>
+                      </a:r>
+                      <a:endParaRPr lang="en-US" dirty="0"/>
+                    </a:p>
+                  </a:txBody>
+                  <a:tcPr/>
+                </a:tc>
+                <a:tc>
+                  <a:txBody>
+                    <a:bodyPr/>
+                    <a:lstStyle/>
+                    <a:p>
+                      <a:r>
+                        <a:rPr lang="en-US" b="1" dirty="0" smtClean="0"/>
+                        <a:t>17.9</a:t>
+                      </a:r>
+                      <a:endParaRPr lang="en-US" b="1" dirty="0"/>
+                    </a:p>
+                  </a:txBody>
+                  <a:tcPr/>
+                </a:tc>
+                <a:tc>
+                  <a:txBody>
+                    <a:bodyPr/>
+                    <a:lstStyle/>
+                    <a:p>
+                      <a:r>
+                        <a:rPr lang="en-US" dirty="0" smtClean="0"/>
+                        <a:t>5.2</a:t>
+                      </a:r>
+                      <a:endParaRPr lang="en-US" dirty="0"/>
                     </a:p>
                   </a:txBody>
                   <a:tcPr/>
@@ -12548,7 +14105,7 @@
         </p:nvSpPr>
         <p:spPr>
           <a:xfrm>
-            <a:off x="5623698" y="1563480"/>
+            <a:off x="5662440" y="3690288"/>
             <a:ext cx="3456000" cy="602280"/>
           </a:xfrm>
           <a:prstGeom prst="rect">
@@ -12564,7 +14121,19 @@
           <a:lstStyle/>
           <a:p>
             <a:r>
-              <a:rPr lang="en-GB" sz="1800" b="0" strike="noStrike" spc="-1">
+              <a:rPr lang="en-US" dirty="0" smtClean="0"/>
+              <a:t>(</a:t>
+            </a:r>
+            <a:r>
+              <a:rPr lang="en-US" dirty="0" err="1" smtClean="0"/>
+              <a:t>Zoph</a:t>
+            </a:r>
+            <a:r>
+              <a:rPr lang="en-US" dirty="0" smtClean="0"/>
+              <a:t> et al</a:t>
+            </a:r>
+            <a:r>
+              <a:rPr lang="en-GB" sz="1800" b="0" strike="noStrike" spc="-1" dirty="0" smtClean="0">
                 <a:solidFill>
                   <a:srgbClr val="000000"/>
                 </a:solidFill>
@@ -12575,49 +14144,157 @@
                 </a:uFill>
                 <a:latin typeface="Arial"/>
               </a:rPr>
-              <a:t>(</a:t>
-            </a:r>
-            <a:r>
-              <a:rPr lang="en-GB" sz="1800" b="0" strike="noStrike" spc="-1" dirty="0" err="1">
+              <a:t>, 2016)</a:t>
+            </a:r>
+            <a:endParaRPr lang="en-GB" sz="1800" b="0" strike="noStrike" spc="-1" dirty="0">
+              <a:solidFill>
+                <a:srgbClr val="000000"/>
+              </a:solidFill>
+              <a:uFill>
                 <a:solidFill>
-                  <a:srgbClr val="000000"/>
+                  <a:srgbClr val="FFFFFF"/>
                 </a:solidFill>
-                <a:uFill>
-                  <a:solidFill>
-                    <a:srgbClr val="FFFFFF"/>
-                  </a:solidFill>
-                </a:uFill>
-                <a:latin typeface="Arial"/>
-              </a:rPr>
-              <a:t>Junczys-Dowmunt</a:t>
-            </a:r>
-            <a:r>
-              <a:rPr lang="en-GB" sz="1800" b="0" strike="noStrike" spc="-1" dirty="0">
-                <a:solidFill>
-                  <a:srgbClr val="000000"/>
-                </a:solidFill>
-                <a:uFill>
-                  <a:solidFill>
-                    <a:srgbClr val="FFFFFF"/>
-                  </a:solidFill>
-                </a:uFill>
-                <a:latin typeface="Arial"/>
-              </a:rPr>
-              <a:t> et al, 2014)</a:t>
-            </a:r>
+              </a:uFill>
+              <a:latin typeface="Arial"/>
+            </a:endParaRPr>
           </a:p>
         </p:txBody>
       </p:sp>
+      <p:graphicFrame>
+        <p:nvGraphicFramePr>
+          <p:cNvPr id="6" name="Table 5"/>
+          <p:cNvGraphicFramePr>
+            <a:graphicFrameLocks noGrp="1"/>
+          </p:cNvGraphicFramePr>
+          <p:nvPr>
+            <p:extLst>
+              <p:ext uri="{D42A27DB-BD31-4B8C-83A1-F6EECF244321}">
+                <p14:modId xmlns:p14="http://schemas.microsoft.com/office/powerpoint/2010/main" val="817330355"/>
+              </p:ext>
+            </p:extLst>
+          </p:nvPr>
+        </p:nvGraphicFramePr>
+        <p:xfrm>
+          <a:off x="1083419" y="4679840"/>
+          <a:ext cx="6720417" cy="741680"/>
+        </p:xfrm>
+        <a:graphic>
+          <a:graphicData uri="http://schemas.openxmlformats.org/drawingml/2006/table">
+            <a:tbl>
+              <a:tblPr firstRow="1" bandRow="1">
+                <a:tableStyleId>{5C22544A-7EE6-4342-B048-85BDC9FD1C3A}</a:tableStyleId>
+              </a:tblPr>
+              <a:tblGrid>
+                <a:gridCol w="2240139"/>
+                <a:gridCol w="2240139"/>
+                <a:gridCol w="2240139"/>
+              </a:tblGrid>
+              <a:tr h="370840">
+                <a:tc>
+                  <a:txBody>
+                    <a:bodyPr/>
+                    <a:lstStyle/>
+                    <a:p>
+                      <a:endParaRPr lang="en-US" dirty="0"/>
+                    </a:p>
+                  </a:txBody>
+                  <a:tcPr/>
+                </a:tc>
+                <a:tc>
+                  <a:txBody>
+                    <a:bodyPr/>
+                    <a:lstStyle/>
+                    <a:p>
+                      <a:r>
+                        <a:rPr lang="en-US" dirty="0" smtClean="0"/>
+                        <a:t>SMT (PB)</a:t>
+                      </a:r>
+                      <a:endParaRPr lang="en-US" dirty="0"/>
+                    </a:p>
+                  </a:txBody>
+                  <a:tcPr/>
+                </a:tc>
+                <a:tc>
+                  <a:txBody>
+                    <a:bodyPr/>
+                    <a:lstStyle/>
+                    <a:p>
+                      <a:r>
+                        <a:rPr lang="en-US" dirty="0" smtClean="0"/>
+                        <a:t>NMT (</a:t>
+                      </a:r>
+                      <a:r>
+                        <a:rPr lang="en-US" dirty="0" err="1" smtClean="0"/>
+                        <a:t>GroundHog</a:t>
+                      </a:r>
+                      <a:r>
+                        <a:rPr lang="en-US" dirty="0" smtClean="0"/>
+                        <a:t>)</a:t>
+                      </a:r>
+                      <a:endParaRPr lang="en-US" dirty="0"/>
+                    </a:p>
+                  </a:txBody>
+                  <a:tcPr/>
+                </a:tc>
+              </a:tr>
+              <a:tr h="370840">
+                <a:tc>
+                  <a:txBody>
+                    <a:bodyPr/>
+                    <a:lstStyle/>
+                    <a:p>
+                      <a:r>
+                        <a:rPr lang="en-US" dirty="0" smtClean="0"/>
+                        <a:t>Mongolian-Chinese</a:t>
+                      </a:r>
+                      <a:endParaRPr lang="en-US" dirty="0"/>
+                    </a:p>
+                  </a:txBody>
+                  <a:tcPr/>
+                </a:tc>
+                <a:tc>
+                  <a:txBody>
+                    <a:bodyPr/>
+                    <a:lstStyle/>
+                    <a:p>
+                      <a:r>
+                        <a:rPr lang="en-US" b="1" dirty="0" smtClean="0"/>
+                        <a:t>29.48</a:t>
+                      </a:r>
+                      <a:endParaRPr lang="en-US" b="1" dirty="0"/>
+                    </a:p>
+                  </a:txBody>
+                  <a:tcPr/>
+                </a:tc>
+                <a:tc>
+                  <a:txBody>
+                    <a:bodyPr/>
+                    <a:lstStyle/>
+                    <a:p>
+                      <a:r>
+                        <a:rPr lang="en-US" dirty="0" smtClean="0"/>
+                        <a:t>27.32</a:t>
+                      </a:r>
+                      <a:endParaRPr lang="en-US" dirty="0"/>
+                    </a:p>
+                  </a:txBody>
+                  <a:tcPr/>
+                </a:tc>
+              </a:tr>
+            </a:tbl>
+          </a:graphicData>
+        </a:graphic>
+      </p:graphicFrame>
       <p:sp>
         <p:nvSpPr>
-          <p:cNvPr id="6" name="TextShape 5"/>
+          <p:cNvPr id="7" name="TextShape 5"/>
           <p:cNvSpPr txBox="1"/>
           <p:nvPr/>
         </p:nvSpPr>
         <p:spPr>
           <a:xfrm>
-            <a:off x="504000" y="3403289"/>
-            <a:ext cx="3456000" cy="411934"/>
+            <a:off x="5662440" y="5817096"/>
+            <a:ext cx="3456000" cy="602280"/>
           </a:xfrm>
           <a:prstGeom prst="rect">
             <a:avLst/>
@@ -12632,17 +14309,41 @@
           <a:lstStyle/>
           <a:p>
             <a:r>
-              <a:rPr lang="en-US" sz="2400" b="1" smtClean="0"/>
-              <a:t>Moses2</a:t>
-            </a:r>
-            <a:endParaRPr lang="en-US" sz="2400" b="1" dirty="0"/>
+              <a:rPr lang="en-US" dirty="0" smtClean="0"/>
+              <a:t>(Wu et al</a:t>
+            </a:r>
+            <a:r>
+              <a:rPr lang="en-GB" sz="1800" b="0" strike="noStrike" spc="-1" dirty="0" smtClean="0">
+                <a:solidFill>
+                  <a:srgbClr val="000000"/>
+                </a:solidFill>
+                <a:uFill>
+                  <a:solidFill>
+                    <a:srgbClr val="FFFFFF"/>
+                  </a:solidFill>
+                </a:uFill>
+                <a:latin typeface="Arial"/>
+              </a:rPr>
+              <a:t>, 2016)</a:t>
+            </a:r>
+            <a:endParaRPr lang="en-GB" sz="1800" b="0" strike="noStrike" spc="-1" dirty="0">
+              <a:solidFill>
+                <a:srgbClr val="000000"/>
+              </a:solidFill>
+              <a:uFill>
+                <a:solidFill>
+                  <a:srgbClr val="FFFFFF"/>
+                </a:solidFill>
+              </a:uFill>
+              <a:latin typeface="Arial"/>
+            </a:endParaRPr>
           </a:p>
         </p:txBody>
       </p:sp>
     </p:spTree>
     <p:extLst>
       <p:ext uri="{BB962C8B-B14F-4D97-AF65-F5344CB8AC3E}">
-        <p14:creationId xmlns:p14="http://schemas.microsoft.com/office/powerpoint/2010/main" val="893149979"/>
+        <p14:creationId xmlns:p14="http://schemas.microsoft.com/office/powerpoint/2010/main" val="975948083"/>
       </p:ext>
     </p:extLst>
   </p:cSld>

--- a/mtma17/slides.pptx
+++ b/mtma17/slides.pptx
@@ -1159,7 +1159,7 @@
               </a:rPr>
               <a:t>pb</a:t>
             </a:r>
-            <a:endParaRPr lang="en-GB" sz="2000" b="0" strike="noStrike" spc="-1" baseline="0" smtClean="0">
+            <a:endParaRPr lang="en-GB" sz="2000" b="0" strike="noStrike" spc="-1" baseline="0" dirty="0" smtClean="0">
               <a:solidFill>
                 <a:srgbClr val="000000"/>
               </a:solidFill>
@@ -1172,7 +1172,320 @@
             </a:endParaRPr>
           </a:p>
           <a:p>
-            <a:endParaRPr lang="en-GB" sz="2000" b="0" strike="noStrike" spc="-1" dirty="0">
+            <a:r>
+              <a:rPr lang="en-GB" sz="2000" b="0" strike="noStrike" spc="-1" baseline="0" dirty="0" smtClean="0">
+                <a:solidFill>
+                  <a:srgbClr val="000000"/>
+                </a:solidFill>
+                <a:uFill>
+                  <a:solidFill>
+                    <a:srgbClr val="FFFFFF"/>
+                  </a:solidFill>
+                </a:uFill>
+                <a:latin typeface="Arial"/>
+              </a:rPr>
+              <a:t>     - really interesting model</a:t>
+            </a:r>
+          </a:p>
+          <a:p>
+            <a:r>
+              <a:rPr lang="en-GB" sz="2000" b="0" strike="noStrike" spc="-1" baseline="0" dirty="0" smtClean="0">
+                <a:solidFill>
+                  <a:srgbClr val="000000"/>
+                </a:solidFill>
+                <a:uFill>
+                  <a:solidFill>
+                    <a:srgbClr val="FFFFFF"/>
+                  </a:solidFill>
+                </a:uFill>
+                <a:latin typeface="Arial"/>
+              </a:rPr>
+              <a:t>          - I used it a lot in my </a:t>
+            </a:r>
+            <a:r>
+              <a:rPr lang="en-GB" sz="2000" b="0" strike="noStrike" spc="-1" baseline="0" dirty="0" err="1" smtClean="0">
+                <a:solidFill>
+                  <a:srgbClr val="000000"/>
+                </a:solidFill>
+                <a:uFill>
+                  <a:solidFill>
+                    <a:srgbClr val="FFFFFF"/>
+                  </a:solidFill>
+                </a:uFill>
+                <a:latin typeface="Arial"/>
+              </a:rPr>
+              <a:t>phd</a:t>
+            </a:r>
+            <a:endParaRPr lang="en-GB" sz="2000" b="0" strike="noStrike" spc="-1" baseline="0" dirty="0" smtClean="0">
+              <a:solidFill>
+                <a:srgbClr val="000000"/>
+              </a:solidFill>
+              <a:uFill>
+                <a:solidFill>
+                  <a:srgbClr val="FFFFFF"/>
+                </a:solidFill>
+              </a:uFill>
+              <a:latin typeface="Arial"/>
+            </a:endParaRPr>
+          </a:p>
+          <a:p>
+            <a:r>
+              <a:rPr lang="en-GB" sz="2000" b="0" strike="noStrike" spc="-1" baseline="0" dirty="0" smtClean="0">
+                <a:solidFill>
+                  <a:srgbClr val="000000"/>
+                </a:solidFill>
+                <a:uFill>
+                  <a:solidFill>
+                    <a:srgbClr val="FFFFFF"/>
+                  </a:solidFill>
+                </a:uFill>
+                <a:latin typeface="Arial"/>
+              </a:rPr>
+              <a:t>     - didn’t go on to conquer everything</a:t>
+            </a:r>
+            <a:r>
+              <a:rPr lang="en-GB" sz="2000" b="0" strike="noStrike" spc="-1" baseline="0" dirty="0">
+                <a:solidFill>
+                  <a:srgbClr val="000000"/>
+                </a:solidFill>
+                <a:uFill>
+                  <a:solidFill>
+                    <a:srgbClr val="FFFFFF"/>
+                  </a:solidFill>
+                </a:uFill>
+                <a:latin typeface="Arial"/>
+              </a:rPr>
+              <a:t> </a:t>
+            </a:r>
+            <a:r>
+              <a:rPr lang="en-GB" sz="2000" b="0" strike="noStrike" spc="-1" baseline="0" dirty="0" smtClean="0">
+                <a:solidFill>
+                  <a:srgbClr val="000000"/>
+                </a:solidFill>
+                <a:uFill>
+                  <a:solidFill>
+                    <a:srgbClr val="FFFFFF"/>
+                  </a:solidFill>
+                </a:uFill>
+                <a:latin typeface="Arial"/>
+              </a:rPr>
+              <a:t>like we had hope</a:t>
+            </a:r>
+          </a:p>
+          <a:p>
+            <a:r>
+              <a:rPr lang="en-GB" sz="2000" b="0" strike="noStrike" spc="-1" baseline="0" dirty="0" smtClean="0">
+                <a:solidFill>
+                  <a:srgbClr val="000000"/>
+                </a:solidFill>
+                <a:uFill>
+                  <a:solidFill>
+                    <a:srgbClr val="FFFFFF"/>
+                  </a:solidFill>
+                </a:uFill>
+                <a:latin typeface="Arial"/>
+              </a:rPr>
+              <a:t>NMT is a much more formidable alternative to SMT and phrase-based</a:t>
+            </a:r>
+          </a:p>
+          <a:p>
+            <a:r>
+              <a:rPr lang="en-GB" sz="2000" b="0" strike="noStrike" spc="-1" baseline="0" dirty="0" smtClean="0">
+                <a:solidFill>
+                  <a:srgbClr val="000000"/>
+                </a:solidFill>
+                <a:uFill>
+                  <a:solidFill>
+                    <a:srgbClr val="FFFFFF"/>
+                  </a:solidFill>
+                </a:uFill>
+                <a:latin typeface="Arial"/>
+              </a:rPr>
+              <a:t>   - it remind me of the phrase-based v. </a:t>
+            </a:r>
+            <a:r>
+              <a:rPr lang="en-GB" sz="2000" b="0" strike="noStrike" spc="-1" baseline="0" dirty="0" err="1" smtClean="0">
+                <a:solidFill>
+                  <a:srgbClr val="000000"/>
+                </a:solidFill>
+                <a:uFill>
+                  <a:solidFill>
+                    <a:srgbClr val="FFFFFF"/>
+                  </a:solidFill>
+                </a:uFill>
+                <a:latin typeface="Arial"/>
+              </a:rPr>
+              <a:t>hiero</a:t>
+            </a:r>
+            <a:r>
+              <a:rPr lang="en-GB" sz="2000" b="0" strike="noStrike" spc="-1" baseline="0" dirty="0" smtClean="0">
+                <a:solidFill>
+                  <a:srgbClr val="000000"/>
+                </a:solidFill>
+                <a:uFill>
+                  <a:solidFill>
+                    <a:srgbClr val="FFFFFF"/>
+                  </a:solidFill>
+                </a:uFill>
+                <a:latin typeface="Arial"/>
+              </a:rPr>
+              <a:t> battle</a:t>
+            </a:r>
+          </a:p>
+          <a:p>
+            <a:r>
+              <a:rPr lang="en-GB" sz="2000" b="0" strike="noStrike" spc="-1" baseline="0" dirty="0" smtClean="0">
+                <a:solidFill>
+                  <a:srgbClr val="000000"/>
+                </a:solidFill>
+                <a:uFill>
+                  <a:solidFill>
+                    <a:srgbClr val="FFFFFF"/>
+                  </a:solidFill>
+                </a:uFill>
+                <a:latin typeface="Arial"/>
+              </a:rPr>
+              <a:t>   - ‘cos they not on opposing side, we’re all here to make MT better</a:t>
+            </a:r>
+          </a:p>
+          <a:p>
+            <a:r>
+              <a:rPr lang="en-GB" sz="2000" b="0" strike="noStrike" spc="-1" baseline="0" dirty="0" smtClean="0">
+                <a:solidFill>
+                  <a:srgbClr val="000000"/>
+                </a:solidFill>
+                <a:uFill>
+                  <a:solidFill>
+                    <a:srgbClr val="FFFFFF"/>
+                  </a:solidFill>
+                </a:uFill>
+                <a:latin typeface="Arial"/>
+              </a:rPr>
+              <a:t>         - with a variety of these tools now available to us</a:t>
+            </a:r>
+          </a:p>
+          <a:p>
+            <a:r>
+              <a:rPr lang="en-GB" sz="2000" b="0" strike="noStrike" spc="-1" baseline="0" dirty="0" smtClean="0">
+                <a:solidFill>
+                  <a:srgbClr val="000000"/>
+                </a:solidFill>
+                <a:uFill>
+                  <a:solidFill>
+                    <a:srgbClr val="FFFFFF"/>
+                  </a:solidFill>
+                </a:uFill>
+                <a:latin typeface="Arial"/>
+              </a:rPr>
+              <a:t>       - none of us are </a:t>
+            </a:r>
+            <a:r>
+              <a:rPr lang="en-GB" sz="2000" b="0" strike="noStrike" spc="-1" baseline="0" dirty="0" err="1" smtClean="0">
+                <a:solidFill>
+                  <a:srgbClr val="000000"/>
+                </a:solidFill>
+                <a:uFill>
+                  <a:solidFill>
+                    <a:srgbClr val="FFFFFF"/>
+                  </a:solidFill>
+                </a:uFill>
+                <a:latin typeface="Arial"/>
+              </a:rPr>
+              <a:t>pb</a:t>
+            </a:r>
+            <a:r>
+              <a:rPr lang="en-GB" sz="2000" b="0" strike="noStrike" spc="-1" baseline="0" dirty="0" smtClean="0">
+                <a:solidFill>
+                  <a:srgbClr val="000000"/>
+                </a:solidFill>
+                <a:uFill>
+                  <a:solidFill>
+                    <a:srgbClr val="FFFFFF"/>
+                  </a:solidFill>
+                </a:uFill>
+                <a:latin typeface="Arial"/>
+              </a:rPr>
+              <a:t> researcher, or SMT researcher</a:t>
+            </a:r>
+          </a:p>
+          <a:p>
+            <a:r>
+              <a:rPr lang="en-GB" sz="2000" b="0" strike="noStrike" spc="-1" baseline="0" dirty="0" smtClean="0">
+                <a:solidFill>
+                  <a:srgbClr val="000000"/>
+                </a:solidFill>
+                <a:uFill>
+                  <a:solidFill>
+                    <a:srgbClr val="FFFFFF"/>
+                  </a:solidFill>
+                </a:uFill>
+                <a:latin typeface="Arial"/>
+              </a:rPr>
+              <a:t>       - we’re MT researchers. </a:t>
+            </a:r>
+          </a:p>
+          <a:p>
+            <a:r>
+              <a:rPr lang="en-GB" sz="2000" b="0" strike="noStrike" spc="-1" baseline="0" dirty="0" smtClean="0">
+                <a:solidFill>
+                  <a:srgbClr val="000000"/>
+                </a:solidFill>
+                <a:uFill>
+                  <a:solidFill>
+                    <a:srgbClr val="FFFFFF"/>
+                  </a:solidFill>
+                </a:uFill>
+                <a:latin typeface="Arial"/>
+              </a:rPr>
+              <a:t>       - Or computer scientist </a:t>
+            </a:r>
+          </a:p>
+          <a:p>
+            <a:r>
+              <a:rPr lang="en-GB" sz="2000" b="0" strike="noStrike" spc="-1" baseline="0" dirty="0" smtClean="0">
+                <a:solidFill>
+                  <a:srgbClr val="000000"/>
+                </a:solidFill>
+                <a:uFill>
+                  <a:solidFill>
+                    <a:srgbClr val="FFFFFF"/>
+                  </a:solidFill>
+                </a:uFill>
+                <a:latin typeface="Arial"/>
+              </a:rPr>
+              <a:t>      - or computational linguist</a:t>
+            </a:r>
+          </a:p>
+          <a:p>
+            <a:r>
+              <a:rPr lang="en-GB" sz="2000" b="0" strike="noStrike" spc="-1" baseline="0" dirty="0" smtClean="0">
+                <a:solidFill>
+                  <a:srgbClr val="000000"/>
+                </a:solidFill>
+                <a:uFill>
+                  <a:solidFill>
+                    <a:srgbClr val="FFFFFF"/>
+                  </a:solidFill>
+                </a:uFill>
+                <a:latin typeface="Arial"/>
+              </a:rPr>
+              <a:t>      - or whatever you want to label </a:t>
+            </a:r>
+            <a:r>
+              <a:rPr lang="en-GB" sz="2000" b="0" strike="noStrike" spc="-1" baseline="0" dirty="0" err="1" smtClean="0">
+                <a:solidFill>
+                  <a:srgbClr val="000000"/>
+                </a:solidFill>
+                <a:uFill>
+                  <a:solidFill>
+                    <a:srgbClr val="FFFFFF"/>
+                  </a:solidFill>
+                </a:uFill>
+                <a:latin typeface="Arial"/>
+              </a:rPr>
+              <a:t>yourslef</a:t>
+            </a:r>
+            <a:endParaRPr lang="en-GB" sz="2000" b="0" strike="noStrike" spc="-1" baseline="0" dirty="0" smtClean="0">
               <a:solidFill>
                 <a:srgbClr val="000000"/>
               </a:solidFill>
@@ -1443,6 +1756,12 @@
           <a:p>
             <a:endParaRPr lang="en-US" baseline="0" dirty="0" smtClean="0"/>
           </a:p>
+          <a:p>
+            <a:r>
+              <a:rPr lang="en-US" baseline="0" dirty="0" smtClean="0"/>
+              <a:t>So why are people still using SMT?</a:t>
+            </a:r>
+          </a:p>
         </p:txBody>
       </p:sp>
       <p:sp>
@@ -1543,7 +1862,7 @@
           <a:lstStyle/>
           <a:p>
             <a:r>
-              <a:rPr lang="en-GB" sz="2000" b="0" strike="noStrike" spc="-1">
+              <a:rPr lang="en-GB" sz="2000" b="0" strike="noStrike" spc="-1" dirty="0">
                 <a:solidFill>
                   <a:srgbClr val="000000"/>
                 </a:solidFill>
@@ -1559,7 +1878,7 @@
           </a:p>
           <a:p>
             <a:r>
-              <a:rPr lang="en-GB" sz="2000" b="0" strike="noStrike" spc="-1">
+              <a:rPr lang="en-GB" sz="2000" b="0" strike="noStrike" spc="-1" dirty="0">
                 <a:solidFill>
                   <a:srgbClr val="000000"/>
                 </a:solidFill>
@@ -1570,12 +1889,10 @@
                 </a:uFill>
                 <a:latin typeface="Arial"/>
               </a:rPr>
-              <a:t>    ru-en</a:t>
-            </a:r>
-          </a:p>
-          <a:p>
-            <a:r>
-              <a:rPr lang="en-GB" sz="2000" b="0" strike="noStrike" spc="-1">
+              <a:t>    </a:t>
+            </a:r>
+            <a:r>
+              <a:rPr lang="en-GB" sz="2000" b="0" strike="noStrike" spc="-1" dirty="0" err="1">
                 <a:solidFill>
                   <a:srgbClr val="000000"/>
                 </a:solidFill>
@@ -1586,12 +1903,23 @@
                 </a:uFill>
                 <a:latin typeface="Arial"/>
               </a:rPr>
-              <a:t>    Fr-es</a:t>
-            </a:r>
-          </a:p>
-          <a:p>
-            <a:r>
-              <a:rPr lang="en-GB" sz="2000" b="0" strike="noStrike" spc="-1">
+              <a:t>ru-en</a:t>
+            </a:r>
+            <a:endParaRPr lang="en-GB" sz="2000" b="0" strike="noStrike" spc="-1" dirty="0">
+              <a:solidFill>
+                <a:srgbClr val="000000"/>
+              </a:solidFill>
+              <a:uFill>
+                <a:solidFill>
+                  <a:srgbClr val="FFFFFF"/>
+                </a:solidFill>
+              </a:uFill>
+              <a:latin typeface="Arial"/>
+            </a:endParaRPr>
+          </a:p>
+          <a:p>
+            <a:r>
+              <a:rPr lang="en-GB" sz="2000" b="0" strike="noStrike" spc="-1" dirty="0">
                 <a:solidFill>
                   <a:srgbClr val="000000"/>
                 </a:solidFill>
@@ -1602,12 +1930,10 @@
                 </a:uFill>
                 <a:latin typeface="Arial"/>
               </a:rPr>
-              <a:t>    Es-fr</a:t>
-            </a:r>
-          </a:p>
-          <a:p>
-            <a:r>
-              <a:rPr lang="en-GB" sz="2000" b="0" strike="noStrike" spc="-1">
+              <a:t>    Fr-</a:t>
+            </a:r>
+            <a:r>
+              <a:rPr lang="en-GB" sz="2000" b="0" strike="noStrike" spc="-1" dirty="0" err="1">
                 <a:solidFill>
                   <a:srgbClr val="000000"/>
                 </a:solidFill>
@@ -1618,11 +1944,9 @@
                 </a:uFill>
                 <a:latin typeface="Arial"/>
               </a:rPr>
-              <a:t>Where pb based wins</a:t>
-            </a:r>
-          </a:p>
-          <a:p>
-            <a:endParaRPr lang="en-GB" sz="2000" b="0" strike="noStrike" spc="-1">
+              <a:t>es</a:t>
+            </a:r>
+            <a:endParaRPr lang="en-GB" sz="2000" b="0" strike="noStrike" spc="-1" dirty="0">
               <a:solidFill>
                 <a:srgbClr val="000000"/>
               </a:solidFill>
@@ -1636,7 +1960,105 @@
           </a:p>
           <a:p>
             <a:r>
-              <a:rPr lang="en-GB" sz="2000" b="0" strike="noStrike" spc="-1">
+              <a:rPr lang="en-GB" sz="2000" b="0" strike="noStrike" spc="-1" dirty="0">
+                <a:solidFill>
+                  <a:srgbClr val="000000"/>
+                </a:solidFill>
+                <a:uFill>
+                  <a:solidFill>
+                    <a:srgbClr val="FFFFFF"/>
+                  </a:solidFill>
+                </a:uFill>
+                <a:latin typeface="Arial"/>
+              </a:rPr>
+              <a:t>    </a:t>
+            </a:r>
+            <a:r>
+              <a:rPr lang="en-GB" sz="2000" b="0" strike="noStrike" spc="-1" dirty="0" err="1">
+                <a:solidFill>
+                  <a:srgbClr val="000000"/>
+                </a:solidFill>
+                <a:uFill>
+                  <a:solidFill>
+                    <a:srgbClr val="FFFFFF"/>
+                  </a:solidFill>
+                </a:uFill>
+                <a:latin typeface="Arial"/>
+              </a:rPr>
+              <a:t>Es-fr</a:t>
+            </a:r>
+            <a:endParaRPr lang="en-GB" sz="2000" b="0" strike="noStrike" spc="-1" dirty="0">
+              <a:solidFill>
+                <a:srgbClr val="000000"/>
+              </a:solidFill>
+              <a:uFill>
+                <a:solidFill>
+                  <a:srgbClr val="FFFFFF"/>
+                </a:solidFill>
+              </a:uFill>
+              <a:latin typeface="Arial"/>
+            </a:endParaRPr>
+          </a:p>
+          <a:p>
+            <a:r>
+              <a:rPr lang="en-GB" sz="2000" b="0" strike="noStrike" spc="-1" dirty="0">
+                <a:solidFill>
+                  <a:srgbClr val="000000"/>
+                </a:solidFill>
+                <a:uFill>
+                  <a:solidFill>
+                    <a:srgbClr val="FFFFFF"/>
+                  </a:solidFill>
+                </a:uFill>
+                <a:latin typeface="Arial"/>
+              </a:rPr>
+              <a:t>Where </a:t>
+            </a:r>
+            <a:r>
+              <a:rPr lang="en-GB" sz="2000" b="0" strike="noStrike" spc="-1" dirty="0" err="1">
+                <a:solidFill>
+                  <a:srgbClr val="000000"/>
+                </a:solidFill>
+                <a:uFill>
+                  <a:solidFill>
+                    <a:srgbClr val="FFFFFF"/>
+                  </a:solidFill>
+                </a:uFill>
+                <a:latin typeface="Arial"/>
+              </a:rPr>
+              <a:t>pb</a:t>
+            </a:r>
+            <a:r>
+              <a:rPr lang="en-GB" sz="2000" b="0" strike="noStrike" spc="-1" dirty="0">
+                <a:solidFill>
+                  <a:srgbClr val="000000"/>
+                </a:solidFill>
+                <a:uFill>
+                  <a:solidFill>
+                    <a:srgbClr val="FFFFFF"/>
+                  </a:solidFill>
+                </a:uFill>
+                <a:latin typeface="Arial"/>
+              </a:rPr>
+              <a:t> based wins</a:t>
+            </a:r>
+          </a:p>
+          <a:p>
+            <a:endParaRPr lang="en-GB" sz="2000" b="0" strike="noStrike" spc="-1" dirty="0">
+              <a:solidFill>
+                <a:srgbClr val="000000"/>
+              </a:solidFill>
+              <a:uFill>
+                <a:solidFill>
+                  <a:srgbClr val="FFFFFF"/>
+                </a:solidFill>
+              </a:uFill>
+              <a:latin typeface="Arial"/>
+            </a:endParaRPr>
+          </a:p>
+          <a:p>
+            <a:r>
+              <a:rPr lang="en-GB" sz="2000" b="0" strike="noStrike" spc="-1" dirty="0">
                 <a:solidFill>
                   <a:srgbClr val="000000"/>
                 </a:solidFill>
@@ -1652,7 +2074,7 @@
           </a:p>
           <a:p>
             <a:r>
-              <a:rPr lang="en-GB" sz="2000" b="0" strike="noStrike" spc="-1">
+              <a:rPr lang="en-GB" sz="2000" b="0" strike="noStrike" spc="-1" dirty="0">
                 <a:solidFill>
                   <a:srgbClr val="000000"/>
                 </a:solidFill>
@@ -1667,7 +2089,7 @@
             </a:r>
           </a:p>
           <a:p>
-            <a:endParaRPr lang="en-GB" sz="2000" b="0" strike="noStrike" spc="-1">
+            <a:endParaRPr lang="en-GB" sz="2000" b="0" strike="noStrike" spc="-1" dirty="0">
               <a:solidFill>
                 <a:srgbClr val="000000"/>
               </a:solidFill>
@@ -4208,20 +4630,29 @@
             <p:ph type="body"/>
           </p:nvPr>
         </p:nvSpPr>
-        <p:spPr/>
+        <p:spPr>
+          <a:xfrm>
+            <a:off x="852055" y="1563480"/>
+            <a:ext cx="9071640" cy="1262160"/>
+          </a:xfrm>
+        </p:spPr>
         <p:txBody>
           <a:bodyPr/>
           <a:lstStyle/>
           <a:p>
             <a:r>
-              <a:rPr lang="en-US" dirty="0" err="1" smtClean="0"/>
+              <a:rPr lang="en-US" sz="3200" dirty="0" err="1" smtClean="0"/>
               <a:t>Loreili</a:t>
             </a:r>
             <a:r>
-              <a:rPr lang="en-US" dirty="0" smtClean="0"/>
-              <a:t>/Lane Schwartz results</a:t>
-            </a:r>
-            <a:endParaRPr lang="en-US" dirty="0"/>
+              <a:rPr lang="en-US" sz="3200" dirty="0" smtClean="0"/>
+              <a:t>/Phi </a:t>
+            </a:r>
+            <a:r>
+              <a:rPr lang="en-US" sz="3200" dirty="0" smtClean="0"/>
+              <a:t>results</a:t>
+            </a:r>
+            <a:endParaRPr lang="en-US" sz="3200" dirty="0"/>
           </a:p>
         </p:txBody>
       </p:sp>
@@ -5252,7 +5683,7 @@
         <p:spPr>
           <a:xfrm>
             <a:off x="504000" y="1769040"/>
-            <a:ext cx="9071640" cy="4384440"/>
+            <a:ext cx="9071640" cy="5359124"/>
           </a:xfrm>
           <a:prstGeom prst="rect">
             <a:avLst/>
@@ -5417,6 +5848,43 @@
                 <a:latin typeface="Arial"/>
               </a:rPr>
               <a:t>Translation speed</a:t>
+            </a:r>
+          </a:p>
+          <a:p>
+            <a:pPr marL="457200" indent="-457200">
+              <a:buFont typeface="Arial" charset="0"/>
+              <a:buChar char="•"/>
+            </a:pPr>
+            <a:endParaRPr lang="en-GB" sz="3200" spc="-1" dirty="0">
+              <a:solidFill>
+                <a:srgbClr val="000000"/>
+              </a:solidFill>
+              <a:uFill>
+                <a:solidFill>
+                  <a:srgbClr val="FFFFFF"/>
+                </a:solidFill>
+              </a:uFill>
+              <a:latin typeface="Arial"/>
+            </a:endParaRPr>
+          </a:p>
+          <a:p>
+            <a:pPr marL="457200" indent="-457200">
+              <a:buFont typeface="Arial" charset="0"/>
+              <a:buChar char="•"/>
+            </a:pPr>
+            <a:r>
+              <a:rPr lang="en-GB" sz="3200" b="0" strike="noStrike" spc="-1" dirty="0" smtClean="0">
+                <a:solidFill>
+                  <a:srgbClr val="000000"/>
+                </a:solidFill>
+                <a:uFill>
+                  <a:solidFill>
+                    <a:srgbClr val="FFFFFF"/>
+                  </a:solidFill>
+                </a:uFill>
+                <a:latin typeface="Arial"/>
+              </a:rPr>
+              <a:t>Hybridization</a:t>
             </a:r>
           </a:p>
         </p:txBody>
@@ -5494,20 +5962,30 @@
               <a:buChar char="•"/>
             </a:pPr>
             <a:r>
-              <a:rPr lang="en-US" dirty="0"/>
+              <a:rPr lang="en-US" sz="3600" dirty="0"/>
               <a:t>EU, UN, WIPO, </a:t>
             </a:r>
             <a:r>
-              <a:rPr lang="en-US" dirty="0" err="1"/>
+              <a:rPr lang="en-US" sz="3600" dirty="0" err="1"/>
               <a:t>AutoDesk</a:t>
             </a:r>
             <a:r>
-              <a:rPr lang="en-US" dirty="0"/>
+              <a:rPr lang="en-US" sz="3600" dirty="0"/>
               <a:t>, Adobe, Amazon, </a:t>
             </a:r>
             <a:r>
-              <a:rPr lang="en-US" dirty="0" smtClean="0"/>
+              <a:rPr lang="en-US" sz="3600" dirty="0" smtClean="0"/>
               <a:t>eBay</a:t>
+            </a:r>
+          </a:p>
+          <a:p>
+            <a:pPr marL="285750" lvl="2" indent="-285750">
+              <a:buFont typeface="Arial" charset="0"/>
+              <a:buChar char="•"/>
+            </a:pPr>
+            <a:r>
+              <a:rPr lang="en-US" sz="2000" dirty="0" smtClean="0"/>
+              <a:t>All use Moses</a:t>
             </a:r>
           </a:p>
           <a:p>
@@ -5515,9 +5993,16 @@
               <a:buFont typeface="Arial" charset="0"/>
               <a:buChar char="•"/>
             </a:pPr>
-            <a:r>
-              <a:rPr lang="en-US" dirty="0" smtClean="0"/>
-              <a:t>All use Moses</a:t>
+            <a:endParaRPr lang="en-US" sz="1400" dirty="0" smtClean="0"/>
+          </a:p>
+          <a:p>
+            <a:pPr marL="571500" indent="-571500">
+              <a:buFont typeface="Arial" charset="0"/>
+              <a:buChar char="•"/>
+            </a:pPr>
+            <a:r>
+              <a:rPr lang="en-US" sz="3600" dirty="0" smtClean="0"/>
+              <a:t>Google</a:t>
             </a:r>
           </a:p>
           <a:p>
@@ -5525,7 +6010,27 @@
               <a:buFont typeface="Arial" charset="0"/>
               <a:buChar char="•"/>
             </a:pPr>
-            <a:endParaRPr lang="en-US" dirty="0" smtClean="0"/>
+            <a:r>
+              <a:rPr lang="en-US" sz="2000" dirty="0" smtClean="0"/>
+              <a:t>20 language pairs uses NMT</a:t>
+            </a:r>
+          </a:p>
+          <a:p>
+            <a:pPr marL="285750" lvl="1" indent="-285750">
+              <a:buFont typeface="Arial" charset="0"/>
+              <a:buChar char="•"/>
+            </a:pPr>
+            <a:r>
+              <a:rPr lang="en-US" sz="2000" dirty="0" smtClean="0"/>
+              <a:t>83 more to go!</a:t>
+            </a:r>
+          </a:p>
+          <a:p>
+            <a:pPr marL="285750" lvl="1" indent="-285750">
+              <a:buFont typeface="Arial" charset="0"/>
+              <a:buChar char="•"/>
+            </a:pPr>
+            <a:endParaRPr lang="en-US" sz="1400" dirty="0"/>
           </a:p>
           <a:p>
             <a:pPr marL="571500" indent="-571500">
@@ -5533,8 +6038,8 @@
               <a:buChar char="•"/>
             </a:pPr>
             <a:r>
-              <a:rPr lang="en-US" dirty="0" smtClean="0"/>
-              <a:t>Google</a:t>
+              <a:rPr lang="en-US" sz="3600" dirty="0" smtClean="0"/>
+              <a:t>Bing</a:t>
             </a:r>
           </a:p>
           <a:p>
@@ -5543,8 +6048,12 @@
               <a:buChar char="•"/>
             </a:pPr>
             <a:r>
-              <a:rPr lang="en-US" dirty="0" smtClean="0"/>
-              <a:t>20 language pairs uses NMT</a:t>
+              <a:rPr lang="en-US" sz="2000" dirty="0" smtClean="0"/>
+              <a:t>11 </a:t>
+            </a:r>
+            <a:r>
+              <a:rPr lang="en-US" sz="2000" dirty="0"/>
+              <a:t>language pairs uses NMT</a:t>
             </a:r>
           </a:p>
           <a:p>
@@ -5553,8 +6062,12 @@
               <a:buChar char="•"/>
             </a:pPr>
             <a:r>
-              <a:rPr lang="en-US" dirty="0" smtClean="0"/>
-              <a:t>83 more to go!</a:t>
+              <a:rPr lang="en-US" sz="2000" dirty="0" smtClean="0"/>
+              <a:t>51 </a:t>
+            </a:r>
+            <a:r>
+              <a:rPr lang="en-US" sz="2000" dirty="0"/>
+              <a:t>more to go!</a:t>
             </a:r>
           </a:p>
           <a:p>
@@ -5562,52 +6075,7 @@
               <a:buFont typeface="Arial" charset="0"/>
               <a:buChar char="•"/>
             </a:pPr>
-            <a:endParaRPr lang="en-US" dirty="0"/>
-          </a:p>
-          <a:p>
-            <a:pPr marL="571500" indent="-571500">
-              <a:buFont typeface="Arial" charset="0"/>
-              <a:buChar char="•"/>
-            </a:pPr>
-            <a:r>
-              <a:rPr lang="en-US" dirty="0" smtClean="0"/>
-              <a:t>Bing</a:t>
-            </a:r>
-          </a:p>
-          <a:p>
-            <a:pPr marL="285750" lvl="1" indent="-285750">
-              <a:buFont typeface="Arial" charset="0"/>
-              <a:buChar char="•"/>
-            </a:pPr>
-            <a:r>
-              <a:rPr lang="en-US" dirty="0" smtClean="0"/>
-              <a:t>11 </a:t>
-            </a:r>
-            <a:r>
-              <a:rPr lang="en-US" dirty="0"/>
-              <a:t>language pairs uses NMT</a:t>
-            </a:r>
-          </a:p>
-          <a:p>
-            <a:pPr marL="285750" lvl="1" indent="-285750">
-              <a:buFont typeface="Arial" charset="0"/>
-              <a:buChar char="•"/>
-            </a:pPr>
-            <a:r>
-              <a:rPr lang="en-US" dirty="0" smtClean="0"/>
-              <a:t>51 </a:t>
-            </a:r>
-            <a:r>
-              <a:rPr lang="en-US" dirty="0"/>
-              <a:t>more to go!</a:t>
-            </a:r>
-          </a:p>
-          <a:p>
-            <a:pPr marL="285750" lvl="1" indent="-285750">
-              <a:buFont typeface="Arial" charset="0"/>
-              <a:buChar char="•"/>
-            </a:pPr>
-            <a:endParaRPr lang="en-US" dirty="0"/>
+            <a:endParaRPr lang="en-US" sz="1400" dirty="0"/>
           </a:p>
         </p:txBody>
       </p:sp>
@@ -5666,7 +6134,7 @@
           <a:p>
             <a:pPr algn="ctr"/>
             <a:r>
-              <a:rPr lang="en-GB" sz="4400" b="0" strike="noStrike" spc="-1">
+              <a:rPr lang="en-GB" sz="4400" b="0" strike="noStrike" spc="-1" smtClean="0">
                 <a:solidFill>
                   <a:srgbClr val="000000"/>
                 </a:solidFill>
@@ -5677,8 +6145,19 @@
                 </a:uFill>
                 <a:latin typeface="Arial"/>
               </a:rPr>
-              <a:t>Translation Quality</a:t>
-            </a:r>
+              <a:t>Competitive Quality</a:t>
+            </a:r>
+            <a:endParaRPr lang="en-GB" sz="4400" b="0" strike="noStrike" spc="-1" dirty="0">
+              <a:solidFill>
+                <a:srgbClr val="000000"/>
+              </a:solidFill>
+              <a:uFill>
+                <a:solidFill>
+                  <a:srgbClr val="FFFFFF"/>
+                </a:solidFill>
+              </a:uFill>
+              <a:latin typeface="Arial"/>
+            </a:endParaRPr>
           </a:p>
         </p:txBody>
       </p:sp>
